--- a/docs/slides/Class Diagram.pptx
+++ b/docs/slides/Class Diagram.pptx
@@ -10,7 +10,7 @@
   <p:sldIdLst>
     <p:sldId id="256" r:id="rId2"/>
   </p:sldIdLst>
-  <p:sldSz cx="9144000" cy="5143500" type="screen16x9"/>
+  <p:sldSz cx="9144000" cy="5715000" type="screen16x10"/>
   <p:notesSz cx="6858000" cy="9144000"/>
   <p:defaultTextStyle>
     <a:defPPr marR="0" lvl="0" algn="l" rtl="0">
@@ -244,12 +244,12 @@
   <p:extLst>
     <p:ext uri="{EFAFB233-063F-42B5-8137-9DF3F51BA10A}">
       <p15:sldGuideLst xmlns:p15="http://schemas.microsoft.com/office/powerpoint/2012/main">
-        <p15:guide id="1" orient="horz" pos="1620">
+        <p15:guide id="1" orient="horz" pos="1800" userDrawn="1">
           <p15:clr>
             <a:srgbClr val="A4A3A4"/>
           </p15:clr>
         </p15:guide>
-        <p15:guide id="2" pos="2880">
+        <p15:guide id="2" pos="2880" userDrawn="1">
           <p15:clr>
             <a:srgbClr val="A4A3A4"/>
           </p15:clr>
@@ -379,8 +379,8 @@
         </p:nvSpPr>
         <p:spPr>
           <a:xfrm>
-            <a:off x="381300" y="685800"/>
-            <a:ext cx="6096075" cy="3429000"/>
+            <a:off x="685800" y="685800"/>
+            <a:ext cx="5486400" cy="3429000"/>
           </a:xfrm>
           <a:custGeom>
             <a:avLst/>
@@ -815,8 +815,8 @@
         </p:nvSpPr>
         <p:spPr>
           <a:xfrm>
-            <a:off x="381000" y="685800"/>
-            <a:ext cx="6096000" cy="3429000"/>
+            <a:off x="685800" y="685800"/>
+            <a:ext cx="5486400" cy="3429000"/>
           </a:xfrm>
           <a:custGeom>
             <a:avLst/>
@@ -919,8 +919,8 @@
         </p:nvSpPr>
         <p:spPr>
           <a:xfrm>
-            <a:off x="311708" y="744575"/>
-            <a:ext cx="8520600" cy="2052600"/>
+            <a:off x="311708" y="827307"/>
+            <a:ext cx="8520600" cy="2280667"/>
           </a:xfrm>
           <a:prstGeom prst="rect">
             <a:avLst/>
@@ -1048,8 +1048,8 @@
         </p:nvSpPr>
         <p:spPr>
           <a:xfrm>
-            <a:off x="311700" y="2834125"/>
-            <a:ext cx="8520600" cy="792600"/>
+            <a:off x="311701" y="3149030"/>
+            <a:ext cx="8520600" cy="880667"/>
           </a:xfrm>
           <a:prstGeom prst="rect">
             <a:avLst/>
@@ -1204,8 +1204,8 @@
         </p:nvSpPr>
         <p:spPr>
           <a:xfrm>
-            <a:off x="8472458" y="4663217"/>
-            <a:ext cx="548700" cy="393600"/>
+            <a:off x="8472459" y="5181354"/>
+            <a:ext cx="548700" cy="437333"/>
           </a:xfrm>
           <a:prstGeom prst="rect">
             <a:avLst/>
@@ -1254,20 +1254,12 @@
             </a:lvl9pPr>
           </a:lstStyle>
           <a:p>
-            <a:pPr marL="0" lvl="0" indent="0" algn="r" rtl="0">
-              <a:spcBef>
-                <a:spcPts val="0"/>
-              </a:spcBef>
-              <a:spcAft>
-                <a:spcPts val="0"/>
-              </a:spcAft>
-              <a:buNone/>
-            </a:pPr>
             <a:fld id="{00000000-1234-1234-1234-123412341234}" type="slidenum">
-              <a:rPr lang="en"/>
+              <a:rPr lang="en" smtClean="0"/>
+              <a:pPr/>
               <a:t>‹#›</a:t>
             </a:fld>
-            <a:endParaRPr/>
+            <a:endParaRPr lang="en"/>
           </a:p>
         </p:txBody>
       </p:sp>
@@ -1308,8 +1300,8 @@
         </p:nvSpPr>
         <p:spPr>
           <a:xfrm>
-            <a:off x="311700" y="1106125"/>
-            <a:ext cx="8520600" cy="1963500"/>
+            <a:off x="311701" y="1229030"/>
+            <a:ext cx="8520600" cy="2181667"/>
           </a:xfrm>
           <a:prstGeom prst="rect">
             <a:avLst/>
@@ -1439,8 +1431,8 @@
         </p:nvSpPr>
         <p:spPr>
           <a:xfrm>
-            <a:off x="311700" y="3152225"/>
-            <a:ext cx="8520600" cy="1300800"/>
+            <a:off x="311701" y="3502474"/>
+            <a:ext cx="8520600" cy="1445333"/>
           </a:xfrm>
           <a:prstGeom prst="rect">
             <a:avLst/>
@@ -1451,7 +1443,7 @@
             <a:noAutofit/>
           </a:bodyPr>
           <a:lstStyle>
-            <a:lvl1pPr marL="457200" lvl="0" indent="-342900" algn="ctr">
+            <a:lvl1pPr marL="457185" lvl="0" indent="-342887" algn="ctr">
               <a:spcBef>
                 <a:spcPts val="0"/>
               </a:spcBef>
@@ -1462,7 +1454,7 @@
               <a:buChar char="●"/>
               <a:defRPr/>
             </a:lvl1pPr>
-            <a:lvl2pPr marL="914400" lvl="1" indent="-317500" algn="ctr">
+            <a:lvl2pPr marL="914368" lvl="1" indent="-317489" algn="ctr">
               <a:spcBef>
                 <a:spcPts val="1600"/>
               </a:spcBef>
@@ -1473,7 +1465,7 @@
               <a:buChar char="○"/>
               <a:defRPr/>
             </a:lvl2pPr>
-            <a:lvl3pPr marL="1371600" lvl="2" indent="-317500" algn="ctr">
+            <a:lvl3pPr marL="1371552" lvl="2" indent="-317489" algn="ctr">
               <a:spcBef>
                 <a:spcPts val="1600"/>
               </a:spcBef>
@@ -1484,7 +1476,7 @@
               <a:buChar char="■"/>
               <a:defRPr/>
             </a:lvl3pPr>
-            <a:lvl4pPr marL="1828800" lvl="3" indent="-317500" algn="ctr">
+            <a:lvl4pPr marL="1828736" lvl="3" indent="-317489" algn="ctr">
               <a:spcBef>
                 <a:spcPts val="1600"/>
               </a:spcBef>
@@ -1495,7 +1487,7 @@
               <a:buChar char="●"/>
               <a:defRPr/>
             </a:lvl4pPr>
-            <a:lvl5pPr marL="2286000" lvl="4" indent="-317500" algn="ctr">
+            <a:lvl5pPr marL="2285920" lvl="4" indent="-317489" algn="ctr">
               <a:spcBef>
                 <a:spcPts val="1600"/>
               </a:spcBef>
@@ -1506,7 +1498,7 @@
               <a:buChar char="○"/>
               <a:defRPr/>
             </a:lvl5pPr>
-            <a:lvl6pPr marL="2743200" lvl="5" indent="-317500" algn="ctr">
+            <a:lvl6pPr marL="2743104" lvl="5" indent="-317489" algn="ctr">
               <a:spcBef>
                 <a:spcPts val="1600"/>
               </a:spcBef>
@@ -1517,7 +1509,7 @@
               <a:buChar char="■"/>
               <a:defRPr/>
             </a:lvl6pPr>
-            <a:lvl7pPr marL="3200400" lvl="6" indent="-317500" algn="ctr">
+            <a:lvl7pPr marL="3200288" lvl="6" indent="-317489" algn="ctr">
               <a:spcBef>
                 <a:spcPts val="1600"/>
               </a:spcBef>
@@ -1528,7 +1520,7 @@
               <a:buChar char="●"/>
               <a:defRPr/>
             </a:lvl7pPr>
-            <a:lvl8pPr marL="3657600" lvl="7" indent="-317500" algn="ctr">
+            <a:lvl8pPr marL="3657472" lvl="7" indent="-317489" algn="ctr">
               <a:spcBef>
                 <a:spcPts val="1600"/>
               </a:spcBef>
@@ -1539,7 +1531,7 @@
               <a:buChar char="○"/>
               <a:defRPr/>
             </a:lvl8pPr>
-            <a:lvl9pPr marL="4114800" lvl="8" indent="-317500" algn="ctr">
+            <a:lvl9pPr marL="4114656" lvl="8" indent="-317489" algn="ctr">
               <a:spcBef>
                 <a:spcPts val="1600"/>
               </a:spcBef>
@@ -1568,8 +1560,8 @@
         </p:nvSpPr>
         <p:spPr>
           <a:xfrm>
-            <a:off x="8472458" y="4663217"/>
-            <a:ext cx="548700" cy="393600"/>
+            <a:off x="8472459" y="5181354"/>
+            <a:ext cx="548700" cy="437333"/>
           </a:xfrm>
           <a:prstGeom prst="rect">
             <a:avLst/>
@@ -1618,20 +1610,12 @@
             </a:lvl9pPr>
           </a:lstStyle>
           <a:p>
-            <a:pPr marL="0" lvl="0" indent="0" algn="r" rtl="0">
-              <a:spcBef>
-                <a:spcPts val="0"/>
-              </a:spcBef>
-              <a:spcAft>
-                <a:spcPts val="0"/>
-              </a:spcAft>
-              <a:buNone/>
-            </a:pPr>
             <a:fld id="{00000000-1234-1234-1234-123412341234}" type="slidenum">
-              <a:rPr lang="en"/>
+              <a:rPr lang="en" smtClean="0"/>
+              <a:pPr/>
               <a:t>‹#›</a:t>
             </a:fld>
-            <a:endParaRPr/>
+            <a:endParaRPr lang="en"/>
           </a:p>
         </p:txBody>
       </p:sp>
@@ -1672,8 +1656,8 @@
         </p:nvSpPr>
         <p:spPr>
           <a:xfrm>
-            <a:off x="8472458" y="4663217"/>
-            <a:ext cx="548700" cy="393600"/>
+            <a:off x="8472459" y="5181354"/>
+            <a:ext cx="548700" cy="437333"/>
           </a:xfrm>
           <a:prstGeom prst="rect">
             <a:avLst/>
@@ -1722,20 +1706,12 @@
             </a:lvl9pPr>
           </a:lstStyle>
           <a:p>
-            <a:pPr marL="0" lvl="0" indent="0" algn="r" rtl="0">
-              <a:spcBef>
-                <a:spcPts val="0"/>
-              </a:spcBef>
-              <a:spcAft>
-                <a:spcPts val="0"/>
-              </a:spcAft>
-              <a:buNone/>
-            </a:pPr>
             <a:fld id="{00000000-1234-1234-1234-123412341234}" type="slidenum">
-              <a:rPr lang="en"/>
+              <a:rPr lang="en" smtClean="0"/>
+              <a:pPr/>
               <a:t>‹#›</a:t>
             </a:fld>
-            <a:endParaRPr/>
+            <a:endParaRPr lang="en"/>
           </a:p>
         </p:txBody>
       </p:sp>
@@ -1776,8 +1752,8 @@
         </p:nvSpPr>
         <p:spPr>
           <a:xfrm>
-            <a:off x="7839456" y="4869656"/>
-            <a:ext cx="1228344" cy="273844"/>
+            <a:off x="7839457" y="5410731"/>
+            <a:ext cx="1228344" cy="304271"/>
           </a:xfrm>
           <a:prstGeom prst="rect">
             <a:avLst/>
@@ -1929,20 +1905,12 @@
             </a:lvl9pPr>
           </a:lstStyle>
           <a:p>
-            <a:pPr marL="0" lvl="0" indent="0" algn="r" rtl="0">
-              <a:spcBef>
-                <a:spcPts val="0"/>
-              </a:spcBef>
-              <a:spcAft>
-                <a:spcPts val="0"/>
-              </a:spcAft>
-              <a:buNone/>
-            </a:pPr>
             <a:fld id="{00000000-1234-1234-1234-123412341234}" type="slidenum">
-              <a:rPr lang="en"/>
+              <a:rPr lang="en" smtClean="0"/>
+              <a:pPr/>
               <a:t>‹#›</a:t>
             </a:fld>
-            <a:endParaRPr/>
+            <a:endParaRPr lang="en"/>
           </a:p>
         </p:txBody>
       </p:sp>
@@ -1958,8 +1926,8 @@
         </p:nvSpPr>
         <p:spPr>
           <a:xfrm>
-            <a:off x="457200" y="205978"/>
-            <a:ext cx="8229600" cy="594122"/>
+            <a:off x="457200" y="228864"/>
+            <a:ext cx="8229600" cy="660136"/>
           </a:xfrm>
           <a:prstGeom prst="rect">
             <a:avLst/>
@@ -2099,8 +2067,8 @@
         </p:nvSpPr>
         <p:spPr>
           <a:xfrm>
-            <a:off x="457200" y="914400"/>
-            <a:ext cx="8229600" cy="1354140"/>
+            <a:off x="457200" y="1016000"/>
+            <a:ext cx="8229600" cy="1504600"/>
           </a:xfrm>
           <a:prstGeom prst="rect">
             <a:avLst/>
@@ -2115,7 +2083,7 @@
             <a:noAutofit/>
           </a:bodyPr>
           <a:lstStyle>
-            <a:lvl1pPr marL="457200" lvl="0" indent="-298450" algn="l">
+            <a:lvl1pPr marL="457185" lvl="0" indent="-298440" algn="l">
               <a:spcBef>
                 <a:spcPts val="440"/>
               </a:spcBef>
@@ -2135,7 +2103,7 @@
                 <a:sym typeface="Cambria"/>
               </a:defRPr>
             </a:lvl1pPr>
-            <a:lvl2pPr marL="914400" lvl="1" indent="-333375" algn="l">
+            <a:lvl2pPr marL="914368" lvl="1" indent="-333363" algn="l">
               <a:spcBef>
                 <a:spcPts val="1600"/>
               </a:spcBef>
@@ -2155,7 +2123,7 @@
                 <a:sym typeface="Cambria"/>
               </a:defRPr>
             </a:lvl2pPr>
-            <a:lvl3pPr marL="1371600" lvl="2" indent="-336550" algn="l">
+            <a:lvl3pPr marL="1371552" lvl="2" indent="-336539" algn="l">
               <a:spcBef>
                 <a:spcPts val="1600"/>
               </a:spcBef>
@@ -2174,7 +2142,7 @@
                 <a:sym typeface="Cambria"/>
               </a:defRPr>
             </a:lvl3pPr>
-            <a:lvl4pPr marL="1828800" lvl="3" indent="-330200" algn="l">
+            <a:lvl4pPr marL="1828736" lvl="3" indent="-330188" algn="l">
               <a:spcBef>
                 <a:spcPts val="1600"/>
               </a:spcBef>
@@ -2193,7 +2161,7 @@
                 <a:sym typeface="Cambria"/>
               </a:defRPr>
             </a:lvl4pPr>
-            <a:lvl5pPr marL="2286000" lvl="4" indent="-330200" algn="l">
+            <a:lvl5pPr marL="2285920" lvl="4" indent="-330188" algn="l">
               <a:spcBef>
                 <a:spcPts val="1600"/>
               </a:spcBef>
@@ -2212,7 +2180,7 @@
                 <a:sym typeface="Cambria"/>
               </a:defRPr>
             </a:lvl5pPr>
-            <a:lvl6pPr marL="2743200" lvl="5" indent="-342900" algn="l">
+            <a:lvl6pPr marL="2743104" lvl="5" indent="-342887" algn="l">
               <a:spcBef>
                 <a:spcPts val="1600"/>
               </a:spcBef>
@@ -2226,7 +2194,7 @@
               <a:buChar char="■"/>
               <a:defRPr/>
             </a:lvl6pPr>
-            <a:lvl7pPr marL="3200400" lvl="6" indent="-342900" algn="l">
+            <a:lvl7pPr marL="3200288" lvl="6" indent="-342887" algn="l">
               <a:spcBef>
                 <a:spcPts val="1600"/>
               </a:spcBef>
@@ -2240,7 +2208,7 @@
               <a:buChar char="●"/>
               <a:defRPr/>
             </a:lvl7pPr>
-            <a:lvl8pPr marL="3657600" lvl="7" indent="-342900" algn="l">
+            <a:lvl8pPr marL="3657472" lvl="7" indent="-342887" algn="l">
               <a:spcBef>
                 <a:spcPts val="1600"/>
               </a:spcBef>
@@ -2254,7 +2222,7 @@
               <a:buChar char="○"/>
               <a:defRPr/>
             </a:lvl8pPr>
-            <a:lvl9pPr marL="4114800" lvl="8" indent="-342900" algn="l">
+            <a:lvl9pPr marL="4114656" lvl="8" indent="-342887" algn="l">
               <a:spcBef>
                 <a:spcPts val="1600"/>
               </a:spcBef>
@@ -2311,8 +2279,8 @@
         </p:nvSpPr>
         <p:spPr>
           <a:xfrm>
-            <a:off x="311700" y="2150850"/>
-            <a:ext cx="8520600" cy="841800"/>
+            <a:off x="311701" y="2389835"/>
+            <a:ext cx="8520600" cy="935333"/>
           </a:xfrm>
           <a:prstGeom prst="rect">
             <a:avLst/>
@@ -2440,8 +2408,8 @@
         </p:nvSpPr>
         <p:spPr>
           <a:xfrm>
-            <a:off x="8472458" y="4663217"/>
-            <a:ext cx="548700" cy="393600"/>
+            <a:off x="8472459" y="5181354"/>
+            <a:ext cx="548700" cy="437333"/>
           </a:xfrm>
           <a:prstGeom prst="rect">
             <a:avLst/>
@@ -2490,20 +2458,12 @@
             </a:lvl9pPr>
           </a:lstStyle>
           <a:p>
-            <a:pPr marL="0" lvl="0" indent="0" algn="r" rtl="0">
-              <a:spcBef>
-                <a:spcPts val="0"/>
-              </a:spcBef>
-              <a:spcAft>
-                <a:spcPts val="0"/>
-              </a:spcAft>
-              <a:buNone/>
-            </a:pPr>
             <a:fld id="{00000000-1234-1234-1234-123412341234}" type="slidenum">
-              <a:rPr lang="en"/>
+              <a:rPr lang="en" smtClean="0"/>
+              <a:pPr/>
               <a:t>‹#›</a:t>
             </a:fld>
-            <a:endParaRPr/>
+            <a:endParaRPr lang="en"/>
           </a:p>
         </p:txBody>
       </p:sp>
@@ -2544,8 +2504,8 @@
         </p:nvSpPr>
         <p:spPr>
           <a:xfrm>
-            <a:off x="311700" y="445025"/>
-            <a:ext cx="8520600" cy="572700"/>
+            <a:off x="311701" y="494474"/>
+            <a:ext cx="8520600" cy="636333"/>
           </a:xfrm>
           <a:prstGeom prst="rect">
             <a:avLst/>
@@ -2673,8 +2633,8 @@
         </p:nvSpPr>
         <p:spPr>
           <a:xfrm>
-            <a:off x="311700" y="1152475"/>
-            <a:ext cx="8520600" cy="3416400"/>
+            <a:off x="311701" y="1280528"/>
+            <a:ext cx="8520600" cy="3796000"/>
           </a:xfrm>
           <a:prstGeom prst="rect">
             <a:avLst/>
@@ -2685,7 +2645,7 @@
             <a:noAutofit/>
           </a:bodyPr>
           <a:lstStyle>
-            <a:lvl1pPr marL="457200" lvl="0" indent="-342900">
+            <a:lvl1pPr marL="457185" lvl="0" indent="-342887">
               <a:spcBef>
                 <a:spcPts val="0"/>
               </a:spcBef>
@@ -2696,7 +2656,7 @@
               <a:buChar char="●"/>
               <a:defRPr/>
             </a:lvl1pPr>
-            <a:lvl2pPr marL="914400" lvl="1" indent="-317500">
+            <a:lvl2pPr marL="914368" lvl="1" indent="-317489">
               <a:spcBef>
                 <a:spcPts val="1600"/>
               </a:spcBef>
@@ -2707,7 +2667,7 @@
               <a:buChar char="○"/>
               <a:defRPr/>
             </a:lvl2pPr>
-            <a:lvl3pPr marL="1371600" lvl="2" indent="-317500">
+            <a:lvl3pPr marL="1371552" lvl="2" indent="-317489">
               <a:spcBef>
                 <a:spcPts val="1600"/>
               </a:spcBef>
@@ -2718,7 +2678,7 @@
               <a:buChar char="■"/>
               <a:defRPr/>
             </a:lvl3pPr>
-            <a:lvl4pPr marL="1828800" lvl="3" indent="-317500">
+            <a:lvl4pPr marL="1828736" lvl="3" indent="-317489">
               <a:spcBef>
                 <a:spcPts val="1600"/>
               </a:spcBef>
@@ -2729,7 +2689,7 @@
               <a:buChar char="●"/>
               <a:defRPr/>
             </a:lvl4pPr>
-            <a:lvl5pPr marL="2286000" lvl="4" indent="-317500">
+            <a:lvl5pPr marL="2285920" lvl="4" indent="-317489">
               <a:spcBef>
                 <a:spcPts val="1600"/>
               </a:spcBef>
@@ -2740,7 +2700,7 @@
               <a:buChar char="○"/>
               <a:defRPr/>
             </a:lvl5pPr>
-            <a:lvl6pPr marL="2743200" lvl="5" indent="-317500">
+            <a:lvl6pPr marL="2743104" lvl="5" indent="-317489">
               <a:spcBef>
                 <a:spcPts val="1600"/>
               </a:spcBef>
@@ -2751,7 +2711,7 @@
               <a:buChar char="■"/>
               <a:defRPr/>
             </a:lvl6pPr>
-            <a:lvl7pPr marL="3200400" lvl="6" indent="-317500">
+            <a:lvl7pPr marL="3200288" lvl="6" indent="-317489">
               <a:spcBef>
                 <a:spcPts val="1600"/>
               </a:spcBef>
@@ -2762,7 +2722,7 @@
               <a:buChar char="●"/>
               <a:defRPr/>
             </a:lvl7pPr>
-            <a:lvl8pPr marL="3657600" lvl="7" indent="-317500">
+            <a:lvl8pPr marL="3657472" lvl="7" indent="-317489">
               <a:spcBef>
                 <a:spcPts val="1600"/>
               </a:spcBef>
@@ -2773,7 +2733,7 @@
               <a:buChar char="○"/>
               <a:defRPr/>
             </a:lvl8pPr>
-            <a:lvl9pPr marL="4114800" lvl="8" indent="-317500">
+            <a:lvl9pPr marL="4114656" lvl="8" indent="-317489">
               <a:spcBef>
                 <a:spcPts val="1600"/>
               </a:spcBef>
@@ -2802,8 +2762,8 @@
         </p:nvSpPr>
         <p:spPr>
           <a:xfrm>
-            <a:off x="8472458" y="4663217"/>
-            <a:ext cx="548700" cy="393600"/>
+            <a:off x="8472459" y="5181354"/>
+            <a:ext cx="548700" cy="437333"/>
           </a:xfrm>
           <a:prstGeom prst="rect">
             <a:avLst/>
@@ -2852,20 +2812,12 @@
             </a:lvl9pPr>
           </a:lstStyle>
           <a:p>
-            <a:pPr marL="0" lvl="0" indent="0" algn="r" rtl="0">
-              <a:spcBef>
-                <a:spcPts val="0"/>
-              </a:spcBef>
-              <a:spcAft>
-                <a:spcPts val="0"/>
-              </a:spcAft>
-              <a:buNone/>
-            </a:pPr>
             <a:fld id="{00000000-1234-1234-1234-123412341234}" type="slidenum">
-              <a:rPr lang="en"/>
+              <a:rPr lang="en" smtClean="0"/>
+              <a:pPr/>
               <a:t>‹#›</a:t>
             </a:fld>
-            <a:endParaRPr/>
+            <a:endParaRPr lang="en"/>
           </a:p>
         </p:txBody>
       </p:sp>
@@ -2906,8 +2858,8 @@
         </p:nvSpPr>
         <p:spPr>
           <a:xfrm>
-            <a:off x="311700" y="445025"/>
-            <a:ext cx="8520600" cy="572700"/>
+            <a:off x="311701" y="494474"/>
+            <a:ext cx="8520600" cy="636333"/>
           </a:xfrm>
           <a:prstGeom prst="rect">
             <a:avLst/>
@@ -3035,8 +2987,8 @@
         </p:nvSpPr>
         <p:spPr>
           <a:xfrm>
-            <a:off x="311700" y="1152475"/>
-            <a:ext cx="3999900" cy="3416400"/>
+            <a:off x="311702" y="1280528"/>
+            <a:ext cx="3999900" cy="3796000"/>
           </a:xfrm>
           <a:prstGeom prst="rect">
             <a:avLst/>
@@ -3047,7 +2999,7 @@
             <a:noAutofit/>
           </a:bodyPr>
           <a:lstStyle>
-            <a:lvl1pPr marL="457200" lvl="0" indent="-317500">
+            <a:lvl1pPr marL="457185" lvl="0" indent="-317489">
               <a:spcBef>
                 <a:spcPts val="0"/>
               </a:spcBef>
@@ -3058,7 +3010,7 @@
               <a:buChar char="●"/>
               <a:defRPr sz="1400"/>
             </a:lvl1pPr>
-            <a:lvl2pPr marL="914400" lvl="1" indent="-304800">
+            <a:lvl2pPr marL="914368" lvl="1" indent="-304789">
               <a:spcBef>
                 <a:spcPts val="1600"/>
               </a:spcBef>
@@ -3069,7 +3021,7 @@
               <a:buChar char="○"/>
               <a:defRPr sz="1200"/>
             </a:lvl2pPr>
-            <a:lvl3pPr marL="1371600" lvl="2" indent="-304800">
+            <a:lvl3pPr marL="1371552" lvl="2" indent="-304789">
               <a:spcBef>
                 <a:spcPts val="1600"/>
               </a:spcBef>
@@ -3080,7 +3032,7 @@
               <a:buChar char="■"/>
               <a:defRPr sz="1200"/>
             </a:lvl3pPr>
-            <a:lvl4pPr marL="1828800" lvl="3" indent="-304800">
+            <a:lvl4pPr marL="1828736" lvl="3" indent="-304789">
               <a:spcBef>
                 <a:spcPts val="1600"/>
               </a:spcBef>
@@ -3091,7 +3043,7 @@
               <a:buChar char="●"/>
               <a:defRPr sz="1200"/>
             </a:lvl4pPr>
-            <a:lvl5pPr marL="2286000" lvl="4" indent="-304800">
+            <a:lvl5pPr marL="2285920" lvl="4" indent="-304789">
               <a:spcBef>
                 <a:spcPts val="1600"/>
               </a:spcBef>
@@ -3102,7 +3054,7 @@
               <a:buChar char="○"/>
               <a:defRPr sz="1200"/>
             </a:lvl5pPr>
-            <a:lvl6pPr marL="2743200" lvl="5" indent="-304800">
+            <a:lvl6pPr marL="2743104" lvl="5" indent="-304789">
               <a:spcBef>
                 <a:spcPts val="1600"/>
               </a:spcBef>
@@ -3113,7 +3065,7 @@
               <a:buChar char="■"/>
               <a:defRPr sz="1200"/>
             </a:lvl6pPr>
-            <a:lvl7pPr marL="3200400" lvl="6" indent="-304800">
+            <a:lvl7pPr marL="3200288" lvl="6" indent="-304789">
               <a:spcBef>
                 <a:spcPts val="1600"/>
               </a:spcBef>
@@ -3124,7 +3076,7 @@
               <a:buChar char="●"/>
               <a:defRPr sz="1200"/>
             </a:lvl7pPr>
-            <a:lvl8pPr marL="3657600" lvl="7" indent="-304800">
+            <a:lvl8pPr marL="3657472" lvl="7" indent="-304789">
               <a:spcBef>
                 <a:spcPts val="1600"/>
               </a:spcBef>
@@ -3135,7 +3087,7 @@
               <a:buChar char="○"/>
               <a:defRPr sz="1200"/>
             </a:lvl8pPr>
-            <a:lvl9pPr marL="4114800" lvl="8" indent="-304800">
+            <a:lvl9pPr marL="4114656" lvl="8" indent="-304789">
               <a:spcBef>
                 <a:spcPts val="1600"/>
               </a:spcBef>
@@ -3164,8 +3116,8 @@
         </p:nvSpPr>
         <p:spPr>
           <a:xfrm>
-            <a:off x="4832400" y="1152475"/>
-            <a:ext cx="3999900" cy="3416400"/>
+            <a:off x="4832402" y="1280528"/>
+            <a:ext cx="3999900" cy="3796000"/>
           </a:xfrm>
           <a:prstGeom prst="rect">
             <a:avLst/>
@@ -3176,7 +3128,7 @@
             <a:noAutofit/>
           </a:bodyPr>
           <a:lstStyle>
-            <a:lvl1pPr marL="457200" lvl="0" indent="-317500">
+            <a:lvl1pPr marL="457185" lvl="0" indent="-317489">
               <a:spcBef>
                 <a:spcPts val="0"/>
               </a:spcBef>
@@ -3187,7 +3139,7 @@
               <a:buChar char="●"/>
               <a:defRPr sz="1400"/>
             </a:lvl1pPr>
-            <a:lvl2pPr marL="914400" lvl="1" indent="-304800">
+            <a:lvl2pPr marL="914368" lvl="1" indent="-304789">
               <a:spcBef>
                 <a:spcPts val="1600"/>
               </a:spcBef>
@@ -3198,7 +3150,7 @@
               <a:buChar char="○"/>
               <a:defRPr sz="1200"/>
             </a:lvl2pPr>
-            <a:lvl3pPr marL="1371600" lvl="2" indent="-304800">
+            <a:lvl3pPr marL="1371552" lvl="2" indent="-304789">
               <a:spcBef>
                 <a:spcPts val="1600"/>
               </a:spcBef>
@@ -3209,7 +3161,7 @@
               <a:buChar char="■"/>
               <a:defRPr sz="1200"/>
             </a:lvl3pPr>
-            <a:lvl4pPr marL="1828800" lvl="3" indent="-304800">
+            <a:lvl4pPr marL="1828736" lvl="3" indent="-304789">
               <a:spcBef>
                 <a:spcPts val="1600"/>
               </a:spcBef>
@@ -3220,7 +3172,7 @@
               <a:buChar char="●"/>
               <a:defRPr sz="1200"/>
             </a:lvl4pPr>
-            <a:lvl5pPr marL="2286000" lvl="4" indent="-304800">
+            <a:lvl5pPr marL="2285920" lvl="4" indent="-304789">
               <a:spcBef>
                 <a:spcPts val="1600"/>
               </a:spcBef>
@@ -3231,7 +3183,7 @@
               <a:buChar char="○"/>
               <a:defRPr sz="1200"/>
             </a:lvl5pPr>
-            <a:lvl6pPr marL="2743200" lvl="5" indent="-304800">
+            <a:lvl6pPr marL="2743104" lvl="5" indent="-304789">
               <a:spcBef>
                 <a:spcPts val="1600"/>
               </a:spcBef>
@@ -3242,7 +3194,7 @@
               <a:buChar char="■"/>
               <a:defRPr sz="1200"/>
             </a:lvl6pPr>
-            <a:lvl7pPr marL="3200400" lvl="6" indent="-304800">
+            <a:lvl7pPr marL="3200288" lvl="6" indent="-304789">
               <a:spcBef>
                 <a:spcPts val="1600"/>
               </a:spcBef>
@@ -3253,7 +3205,7 @@
               <a:buChar char="●"/>
               <a:defRPr sz="1200"/>
             </a:lvl7pPr>
-            <a:lvl8pPr marL="3657600" lvl="7" indent="-304800">
+            <a:lvl8pPr marL="3657472" lvl="7" indent="-304789">
               <a:spcBef>
                 <a:spcPts val="1600"/>
               </a:spcBef>
@@ -3264,7 +3216,7 @@
               <a:buChar char="○"/>
               <a:defRPr sz="1200"/>
             </a:lvl8pPr>
-            <a:lvl9pPr marL="4114800" lvl="8" indent="-304800">
+            <a:lvl9pPr marL="4114656" lvl="8" indent="-304789">
               <a:spcBef>
                 <a:spcPts val="1600"/>
               </a:spcBef>
@@ -3293,8 +3245,8 @@
         </p:nvSpPr>
         <p:spPr>
           <a:xfrm>
-            <a:off x="8472458" y="4663217"/>
-            <a:ext cx="548700" cy="393600"/>
+            <a:off x="8472459" y="5181354"/>
+            <a:ext cx="548700" cy="437333"/>
           </a:xfrm>
           <a:prstGeom prst="rect">
             <a:avLst/>
@@ -3343,20 +3295,12 @@
             </a:lvl9pPr>
           </a:lstStyle>
           <a:p>
-            <a:pPr marL="0" lvl="0" indent="0" algn="r" rtl="0">
-              <a:spcBef>
-                <a:spcPts val="0"/>
-              </a:spcBef>
-              <a:spcAft>
-                <a:spcPts val="0"/>
-              </a:spcAft>
-              <a:buNone/>
-            </a:pPr>
             <a:fld id="{00000000-1234-1234-1234-123412341234}" type="slidenum">
-              <a:rPr lang="en"/>
+              <a:rPr lang="en" smtClean="0"/>
+              <a:pPr/>
               <a:t>‹#›</a:t>
             </a:fld>
-            <a:endParaRPr/>
+            <a:endParaRPr lang="en"/>
           </a:p>
         </p:txBody>
       </p:sp>
@@ -3397,8 +3341,8 @@
         </p:nvSpPr>
         <p:spPr>
           <a:xfrm>
-            <a:off x="311700" y="445025"/>
-            <a:ext cx="8520600" cy="572700"/>
+            <a:off x="311701" y="494474"/>
+            <a:ext cx="8520600" cy="636333"/>
           </a:xfrm>
           <a:prstGeom prst="rect">
             <a:avLst/>
@@ -3526,8 +3470,8 @@
         </p:nvSpPr>
         <p:spPr>
           <a:xfrm>
-            <a:off x="8472458" y="4663217"/>
-            <a:ext cx="548700" cy="393600"/>
+            <a:off x="8472459" y="5181354"/>
+            <a:ext cx="548700" cy="437333"/>
           </a:xfrm>
           <a:prstGeom prst="rect">
             <a:avLst/>
@@ -3576,20 +3520,12 @@
             </a:lvl9pPr>
           </a:lstStyle>
           <a:p>
-            <a:pPr marL="0" lvl="0" indent="0" algn="r" rtl="0">
-              <a:spcBef>
-                <a:spcPts val="0"/>
-              </a:spcBef>
-              <a:spcAft>
-                <a:spcPts val="0"/>
-              </a:spcAft>
-              <a:buNone/>
-            </a:pPr>
             <a:fld id="{00000000-1234-1234-1234-123412341234}" type="slidenum">
-              <a:rPr lang="en"/>
+              <a:rPr lang="en" smtClean="0"/>
+              <a:pPr/>
               <a:t>‹#›</a:t>
             </a:fld>
-            <a:endParaRPr/>
+            <a:endParaRPr lang="en"/>
           </a:p>
         </p:txBody>
       </p:sp>
@@ -3630,8 +3566,8 @@
         </p:nvSpPr>
         <p:spPr>
           <a:xfrm>
-            <a:off x="311700" y="555600"/>
-            <a:ext cx="2808000" cy="755700"/>
+            <a:off x="311700" y="617334"/>
+            <a:ext cx="2808000" cy="839667"/>
           </a:xfrm>
           <a:prstGeom prst="rect">
             <a:avLst/>
@@ -3759,8 +3695,8 @@
         </p:nvSpPr>
         <p:spPr>
           <a:xfrm>
-            <a:off x="311700" y="1389600"/>
-            <a:ext cx="2808000" cy="3179400"/>
+            <a:off x="311700" y="1544002"/>
+            <a:ext cx="2808000" cy="3532667"/>
           </a:xfrm>
           <a:prstGeom prst="rect">
             <a:avLst/>
@@ -3771,7 +3707,7 @@
             <a:noAutofit/>
           </a:bodyPr>
           <a:lstStyle>
-            <a:lvl1pPr marL="457200" lvl="0" indent="-304800">
+            <a:lvl1pPr marL="457185" lvl="0" indent="-304789">
               <a:spcBef>
                 <a:spcPts val="0"/>
               </a:spcBef>
@@ -3782,7 +3718,7 @@
               <a:buChar char="●"/>
               <a:defRPr sz="1200"/>
             </a:lvl1pPr>
-            <a:lvl2pPr marL="914400" lvl="1" indent="-304800">
+            <a:lvl2pPr marL="914368" lvl="1" indent="-304789">
               <a:spcBef>
                 <a:spcPts val="1600"/>
               </a:spcBef>
@@ -3793,7 +3729,7 @@
               <a:buChar char="○"/>
               <a:defRPr sz="1200"/>
             </a:lvl2pPr>
-            <a:lvl3pPr marL="1371600" lvl="2" indent="-304800">
+            <a:lvl3pPr marL="1371552" lvl="2" indent="-304789">
               <a:spcBef>
                 <a:spcPts val="1600"/>
               </a:spcBef>
@@ -3804,7 +3740,7 @@
               <a:buChar char="■"/>
               <a:defRPr sz="1200"/>
             </a:lvl3pPr>
-            <a:lvl4pPr marL="1828800" lvl="3" indent="-304800">
+            <a:lvl4pPr marL="1828736" lvl="3" indent="-304789">
               <a:spcBef>
                 <a:spcPts val="1600"/>
               </a:spcBef>
@@ -3815,7 +3751,7 @@
               <a:buChar char="●"/>
               <a:defRPr sz="1200"/>
             </a:lvl4pPr>
-            <a:lvl5pPr marL="2286000" lvl="4" indent="-304800">
+            <a:lvl5pPr marL="2285920" lvl="4" indent="-304789">
               <a:spcBef>
                 <a:spcPts val="1600"/>
               </a:spcBef>
@@ -3826,7 +3762,7 @@
               <a:buChar char="○"/>
               <a:defRPr sz="1200"/>
             </a:lvl5pPr>
-            <a:lvl6pPr marL="2743200" lvl="5" indent="-304800">
+            <a:lvl6pPr marL="2743104" lvl="5" indent="-304789">
               <a:spcBef>
                 <a:spcPts val="1600"/>
               </a:spcBef>
@@ -3837,7 +3773,7 @@
               <a:buChar char="■"/>
               <a:defRPr sz="1200"/>
             </a:lvl6pPr>
-            <a:lvl7pPr marL="3200400" lvl="6" indent="-304800">
+            <a:lvl7pPr marL="3200288" lvl="6" indent="-304789">
               <a:spcBef>
                 <a:spcPts val="1600"/>
               </a:spcBef>
@@ -3848,7 +3784,7 @@
               <a:buChar char="●"/>
               <a:defRPr sz="1200"/>
             </a:lvl7pPr>
-            <a:lvl8pPr marL="3657600" lvl="7" indent="-304800">
+            <a:lvl8pPr marL="3657472" lvl="7" indent="-304789">
               <a:spcBef>
                 <a:spcPts val="1600"/>
               </a:spcBef>
@@ -3859,7 +3795,7 @@
               <a:buChar char="○"/>
               <a:defRPr sz="1200"/>
             </a:lvl8pPr>
-            <a:lvl9pPr marL="4114800" lvl="8" indent="-304800">
+            <a:lvl9pPr marL="4114656" lvl="8" indent="-304789">
               <a:spcBef>
                 <a:spcPts val="1600"/>
               </a:spcBef>
@@ -3888,8 +3824,8 @@
         </p:nvSpPr>
         <p:spPr>
           <a:xfrm>
-            <a:off x="8472458" y="4663217"/>
-            <a:ext cx="548700" cy="393600"/>
+            <a:off x="8472459" y="5181354"/>
+            <a:ext cx="548700" cy="437333"/>
           </a:xfrm>
           <a:prstGeom prst="rect">
             <a:avLst/>
@@ -3938,20 +3874,12 @@
             </a:lvl9pPr>
           </a:lstStyle>
           <a:p>
-            <a:pPr marL="0" lvl="0" indent="0" algn="r" rtl="0">
-              <a:spcBef>
-                <a:spcPts val="0"/>
-              </a:spcBef>
-              <a:spcAft>
-                <a:spcPts val="0"/>
-              </a:spcAft>
-              <a:buNone/>
-            </a:pPr>
             <a:fld id="{00000000-1234-1234-1234-123412341234}" type="slidenum">
-              <a:rPr lang="en"/>
+              <a:rPr lang="en" smtClean="0"/>
+              <a:pPr/>
               <a:t>‹#›</a:t>
             </a:fld>
-            <a:endParaRPr/>
+            <a:endParaRPr lang="en"/>
           </a:p>
         </p:txBody>
       </p:sp>
@@ -3992,8 +3920,8 @@
         </p:nvSpPr>
         <p:spPr>
           <a:xfrm>
-            <a:off x="490250" y="450150"/>
-            <a:ext cx="6367800" cy="4090800"/>
+            <a:off x="490252" y="500169"/>
+            <a:ext cx="6367800" cy="4545333"/>
           </a:xfrm>
           <a:prstGeom prst="rect">
             <a:avLst/>
@@ -4121,8 +4049,8 @@
         </p:nvSpPr>
         <p:spPr>
           <a:xfrm>
-            <a:off x="8472458" y="4663217"/>
-            <a:ext cx="548700" cy="393600"/>
+            <a:off x="8472459" y="5181354"/>
+            <a:ext cx="548700" cy="437333"/>
           </a:xfrm>
           <a:prstGeom prst="rect">
             <a:avLst/>
@@ -4171,20 +4099,12 @@
             </a:lvl9pPr>
           </a:lstStyle>
           <a:p>
-            <a:pPr marL="0" lvl="0" indent="0" algn="r" rtl="0">
-              <a:spcBef>
-                <a:spcPts val="0"/>
-              </a:spcBef>
-              <a:spcAft>
-                <a:spcPts val="0"/>
-              </a:spcAft>
-              <a:buNone/>
-            </a:pPr>
             <a:fld id="{00000000-1234-1234-1234-123412341234}" type="slidenum">
-              <a:rPr lang="en"/>
+              <a:rPr lang="en" smtClean="0"/>
+              <a:pPr/>
               <a:t>‹#›</a:t>
             </a:fld>
-            <a:endParaRPr/>
+            <a:endParaRPr lang="en"/>
           </a:p>
         </p:txBody>
       </p:sp>
@@ -4221,8 +4141,8 @@
         </p:nvSpPr>
         <p:spPr>
           <a:xfrm>
-            <a:off x="4572000" y="-125"/>
-            <a:ext cx="4572000" cy="5143500"/>
+            <a:off x="4572000" y="-139"/>
+            <a:ext cx="4572000" cy="5715000"/>
           </a:xfrm>
           <a:prstGeom prst="rect">
             <a:avLst/>
@@ -4249,7 +4169,7 @@
               </a:spcAft>
               <a:buNone/>
             </a:pPr>
-            <a:endParaRPr/>
+            <a:endParaRPr sz="1400"/>
           </a:p>
         </p:txBody>
       </p:sp>
@@ -4265,8 +4185,8 @@
         </p:nvSpPr>
         <p:spPr>
           <a:xfrm>
-            <a:off x="265500" y="1233175"/>
-            <a:ext cx="4045200" cy="1482300"/>
+            <a:off x="265501" y="1370194"/>
+            <a:ext cx="4045200" cy="1647000"/>
           </a:xfrm>
           <a:prstGeom prst="rect">
             <a:avLst/>
@@ -4394,8 +4314,8 @@
         </p:nvSpPr>
         <p:spPr>
           <a:xfrm>
-            <a:off x="265500" y="2803075"/>
-            <a:ext cx="4045200" cy="1235100"/>
+            <a:off x="265501" y="3114530"/>
+            <a:ext cx="4045200" cy="1372333"/>
           </a:xfrm>
           <a:prstGeom prst="rect">
             <a:avLst/>
@@ -4550,8 +4470,8 @@
         </p:nvSpPr>
         <p:spPr>
           <a:xfrm>
-            <a:off x="4939500" y="724075"/>
-            <a:ext cx="3837000" cy="3695100"/>
+            <a:off x="4939501" y="804530"/>
+            <a:ext cx="3837000" cy="4105667"/>
           </a:xfrm>
           <a:prstGeom prst="rect">
             <a:avLst/>
@@ -4562,7 +4482,7 @@
             <a:noAutofit/>
           </a:bodyPr>
           <a:lstStyle>
-            <a:lvl1pPr marL="457200" lvl="0" indent="-342900">
+            <a:lvl1pPr marL="457185" lvl="0" indent="-342887">
               <a:spcBef>
                 <a:spcPts val="0"/>
               </a:spcBef>
@@ -4573,7 +4493,7 @@
               <a:buChar char="●"/>
               <a:defRPr/>
             </a:lvl1pPr>
-            <a:lvl2pPr marL="914400" lvl="1" indent="-317500">
+            <a:lvl2pPr marL="914368" lvl="1" indent="-317489">
               <a:spcBef>
                 <a:spcPts val="1600"/>
               </a:spcBef>
@@ -4584,7 +4504,7 @@
               <a:buChar char="○"/>
               <a:defRPr/>
             </a:lvl2pPr>
-            <a:lvl3pPr marL="1371600" lvl="2" indent="-317500">
+            <a:lvl3pPr marL="1371552" lvl="2" indent="-317489">
               <a:spcBef>
                 <a:spcPts val="1600"/>
               </a:spcBef>
@@ -4595,7 +4515,7 @@
               <a:buChar char="■"/>
               <a:defRPr/>
             </a:lvl3pPr>
-            <a:lvl4pPr marL="1828800" lvl="3" indent="-317500">
+            <a:lvl4pPr marL="1828736" lvl="3" indent="-317489">
               <a:spcBef>
                 <a:spcPts val="1600"/>
               </a:spcBef>
@@ -4606,7 +4526,7 @@
               <a:buChar char="●"/>
               <a:defRPr/>
             </a:lvl4pPr>
-            <a:lvl5pPr marL="2286000" lvl="4" indent="-317500">
+            <a:lvl5pPr marL="2285920" lvl="4" indent="-317489">
               <a:spcBef>
                 <a:spcPts val="1600"/>
               </a:spcBef>
@@ -4617,7 +4537,7 @@
               <a:buChar char="○"/>
               <a:defRPr/>
             </a:lvl5pPr>
-            <a:lvl6pPr marL="2743200" lvl="5" indent="-317500">
+            <a:lvl6pPr marL="2743104" lvl="5" indent="-317489">
               <a:spcBef>
                 <a:spcPts val="1600"/>
               </a:spcBef>
@@ -4628,7 +4548,7 @@
               <a:buChar char="■"/>
               <a:defRPr/>
             </a:lvl6pPr>
-            <a:lvl7pPr marL="3200400" lvl="6" indent="-317500">
+            <a:lvl7pPr marL="3200288" lvl="6" indent="-317489">
               <a:spcBef>
                 <a:spcPts val="1600"/>
               </a:spcBef>
@@ -4639,7 +4559,7 @@
               <a:buChar char="●"/>
               <a:defRPr/>
             </a:lvl7pPr>
-            <a:lvl8pPr marL="3657600" lvl="7" indent="-317500">
+            <a:lvl8pPr marL="3657472" lvl="7" indent="-317489">
               <a:spcBef>
                 <a:spcPts val="1600"/>
               </a:spcBef>
@@ -4650,7 +4570,7 @@
               <a:buChar char="○"/>
               <a:defRPr/>
             </a:lvl8pPr>
-            <a:lvl9pPr marL="4114800" lvl="8" indent="-317500">
+            <a:lvl9pPr marL="4114656" lvl="8" indent="-317489">
               <a:spcBef>
                 <a:spcPts val="1600"/>
               </a:spcBef>
@@ -4679,8 +4599,8 @@
         </p:nvSpPr>
         <p:spPr>
           <a:xfrm>
-            <a:off x="8472458" y="4663217"/>
-            <a:ext cx="548700" cy="393600"/>
+            <a:off x="8472459" y="5181354"/>
+            <a:ext cx="548700" cy="437333"/>
           </a:xfrm>
           <a:prstGeom prst="rect">
             <a:avLst/>
@@ -4729,20 +4649,12 @@
             </a:lvl9pPr>
           </a:lstStyle>
           <a:p>
-            <a:pPr marL="0" lvl="0" indent="0" algn="r" rtl="0">
-              <a:spcBef>
-                <a:spcPts val="0"/>
-              </a:spcBef>
-              <a:spcAft>
-                <a:spcPts val="0"/>
-              </a:spcAft>
-              <a:buNone/>
-            </a:pPr>
             <a:fld id="{00000000-1234-1234-1234-123412341234}" type="slidenum">
-              <a:rPr lang="en"/>
+              <a:rPr lang="en" smtClean="0"/>
+              <a:pPr/>
               <a:t>‹#›</a:t>
             </a:fld>
-            <a:endParaRPr/>
+            <a:endParaRPr lang="en"/>
           </a:p>
         </p:txBody>
       </p:sp>
@@ -4783,8 +4695,8 @@
         </p:nvSpPr>
         <p:spPr>
           <a:xfrm>
-            <a:off x="311700" y="4230575"/>
-            <a:ext cx="5998800" cy="605100"/>
+            <a:off x="311701" y="4700641"/>
+            <a:ext cx="5998800" cy="672333"/>
           </a:xfrm>
           <a:prstGeom prst="rect">
             <a:avLst/>
@@ -4795,7 +4707,7 @@
             <a:noAutofit/>
           </a:bodyPr>
           <a:lstStyle>
-            <a:lvl1pPr marL="457200" lvl="0" indent="-228600">
+            <a:lvl1pPr marL="457185" lvl="0" indent="-228592">
               <a:lnSpc>
                 <a:spcPct val="100000"/>
               </a:lnSpc>
@@ -4827,8 +4739,8 @@
         </p:nvSpPr>
         <p:spPr>
           <a:xfrm>
-            <a:off x="8472458" y="4663217"/>
-            <a:ext cx="548700" cy="393600"/>
+            <a:off x="8472459" y="5181354"/>
+            <a:ext cx="548700" cy="437333"/>
           </a:xfrm>
           <a:prstGeom prst="rect">
             <a:avLst/>
@@ -4877,20 +4789,12 @@
             </a:lvl9pPr>
           </a:lstStyle>
           <a:p>
-            <a:pPr marL="0" lvl="0" indent="0" algn="r" rtl="0">
-              <a:spcBef>
-                <a:spcPts val="0"/>
-              </a:spcBef>
-              <a:spcAft>
-                <a:spcPts val="0"/>
-              </a:spcAft>
-              <a:buNone/>
-            </a:pPr>
             <a:fld id="{00000000-1234-1234-1234-123412341234}" type="slidenum">
-              <a:rPr lang="en"/>
+              <a:rPr lang="en" smtClean="0"/>
+              <a:pPr/>
               <a:t>‹#›</a:t>
             </a:fld>
-            <a:endParaRPr/>
+            <a:endParaRPr lang="en"/>
           </a:p>
         </p:txBody>
       </p:sp>
@@ -4939,8 +4843,8 @@
         </p:nvSpPr>
         <p:spPr>
           <a:xfrm>
-            <a:off x="311700" y="445025"/>
-            <a:ext cx="8520600" cy="572700"/>
+            <a:off x="311701" y="494474"/>
+            <a:ext cx="8520600" cy="636333"/>
           </a:xfrm>
           <a:prstGeom prst="rect">
             <a:avLst/>
@@ -5135,8 +5039,8 @@
         </p:nvSpPr>
         <p:spPr>
           <a:xfrm>
-            <a:off x="311700" y="1152475"/>
-            <a:ext cx="8520600" cy="3416400"/>
+            <a:off x="311701" y="1280528"/>
+            <a:ext cx="8520600" cy="3796000"/>
           </a:xfrm>
           <a:prstGeom prst="rect">
             <a:avLst/>
@@ -5358,8 +5262,8 @@
         </p:nvSpPr>
         <p:spPr>
           <a:xfrm>
-            <a:off x="8472458" y="4663217"/>
-            <a:ext cx="548700" cy="393600"/>
+            <a:off x="8472459" y="5181354"/>
+            <a:ext cx="548700" cy="437333"/>
           </a:xfrm>
           <a:prstGeom prst="rect">
             <a:avLst/>
@@ -5448,20 +5352,12 @@
             </a:lvl9pPr>
           </a:lstStyle>
           <a:p>
-            <a:pPr marL="0" lvl="0" indent="0" algn="r" rtl="0">
-              <a:spcBef>
-                <a:spcPts val="0"/>
-              </a:spcBef>
-              <a:spcAft>
-                <a:spcPts val="0"/>
-              </a:spcAft>
-              <a:buNone/>
-            </a:pPr>
             <a:fld id="{00000000-1234-1234-1234-123412341234}" type="slidenum">
-              <a:rPr lang="en"/>
+              <a:rPr lang="en" smtClean="0"/>
+              <a:pPr/>
               <a:t>‹#›</a:t>
             </a:fld>
-            <a:endParaRPr/>
+            <a:endParaRPr lang="en"/>
           </a:p>
         </p:txBody>
       </p:sp>
@@ -6200,29 +6096,36 @@
         </p:nvSpPr>
         <p:spPr>
           <a:xfrm>
-            <a:off x="3389850" y="1768175"/>
+            <a:off x="3389851" y="2058045"/>
             <a:ext cx="2364300" cy="300000"/>
           </a:xfrm>
           <a:prstGeom prst="rect">
             <a:avLst/>
           </a:prstGeom>
-          <a:gradFill>
+          <a:gradFill flip="none" rotWithShape="1">
             <a:gsLst>
               <a:gs pos="0">
-                <a:srgbClr val="FFBB82"/>
+                <a:srgbClr val="FF9999"/>
               </a:gs>
-              <a:gs pos="35000">
-                <a:srgbClr val="FFCFA8"/>
+              <a:gs pos="50000">
+                <a:srgbClr val="FF7C80">
+                  <a:tint val="44500"/>
+                  <a:satMod val="160000"/>
+                </a:srgbClr>
               </a:gs>
               <a:gs pos="100000">
-                <a:srgbClr val="FFEBD9"/>
+                <a:srgbClr val="FF7C80">
+                  <a:tint val="23500"/>
+                  <a:satMod val="160000"/>
+                </a:srgbClr>
               </a:gs>
             </a:gsLst>
-            <a:lin ang="16200038" scaled="0"/>
+            <a:lin ang="16200000" scaled="1"/>
+            <a:tileRect/>
           </a:gradFill>
           <a:ln w="19050" cap="flat" cmpd="sng">
             <a:solidFill>
-              <a:srgbClr val="F5913F"/>
+              <a:srgbClr val="FF9999"/>
             </a:solidFill>
             <a:prstDash val="solid"/>
             <a:round/>
@@ -6243,15 +6146,7 @@
           </a:bodyPr>
           <a:lstStyle/>
           <a:p>
-            <a:pPr marL="0" marR="0" lvl="0" indent="0" algn="ctr" rtl="0">
-              <a:spcBef>
-                <a:spcPts val="0"/>
-              </a:spcBef>
-              <a:spcAft>
-                <a:spcPts val="0"/>
-              </a:spcAft>
-              <a:buNone/>
-            </a:pPr>
+            <a:pPr algn="ctr"/>
             <a:r>
               <a:rPr lang="en-SG" sz="1300" dirty="0">
                 <a:latin typeface="Calibri"/>
@@ -6273,29 +6168,39 @@
         </p:nvSpPr>
         <p:spPr>
           <a:xfrm>
-            <a:off x="4885832" y="3873362"/>
-            <a:ext cx="2525700" cy="339600"/>
+            <a:off x="4739783" y="4159112"/>
+            <a:ext cx="2758347" cy="452439"/>
           </a:xfrm>
           <a:prstGeom prst="rect">
             <a:avLst/>
           </a:prstGeom>
-          <a:gradFill>
+          <a:gradFill flip="none" rotWithShape="1">
             <a:gsLst>
               <a:gs pos="0">
-                <a:srgbClr val="DAFEA4"/>
+                <a:srgbClr val="990099">
+                  <a:tint val="66000"/>
+                  <a:satMod val="160000"/>
+                </a:srgbClr>
               </a:gs>
-              <a:gs pos="35000">
-                <a:srgbClr val="E3FEBF"/>
+              <a:gs pos="50000">
+                <a:srgbClr val="990099">
+                  <a:tint val="44500"/>
+                  <a:satMod val="160000"/>
+                </a:srgbClr>
               </a:gs>
               <a:gs pos="100000">
-                <a:srgbClr val="F4FEE6"/>
+                <a:srgbClr val="990099">
+                  <a:tint val="23500"/>
+                  <a:satMod val="160000"/>
+                </a:srgbClr>
               </a:gs>
             </a:gsLst>
-            <a:lin ang="16198662" scaled="0"/>
+            <a:lin ang="16200000" scaled="1"/>
+            <a:tileRect/>
           </a:gradFill>
           <a:ln w="19050" cap="flat" cmpd="sng">
             <a:solidFill>
-              <a:srgbClr val="97B853"/>
+              <a:srgbClr val="CF92CF"/>
             </a:solidFill>
             <a:prstDash val="solid"/>
             <a:round/>
@@ -6316,17 +6221,9 @@
           </a:bodyPr>
           <a:lstStyle/>
           <a:p>
-            <a:pPr marL="0" marR="0" lvl="0" indent="0" algn="ctr" rtl="0">
-              <a:spcBef>
-                <a:spcPts val="0"/>
-              </a:spcBef>
-              <a:spcAft>
-                <a:spcPts val="0"/>
-              </a:spcAft>
-              <a:buNone/>
-            </a:pPr>
+            <a:pPr algn="ctr"/>
             <a:r>
-              <a:rPr lang="en" sz="1300">
+              <a:rPr lang="en" sz="1300" dirty="0">
                 <a:latin typeface="Calibri"/>
                 <a:ea typeface="Calibri"/>
                 <a:cs typeface="Calibri"/>
@@ -6334,7 +6231,7 @@
               </a:rPr>
               <a:t>Parser</a:t>
             </a:r>
-            <a:endParaRPr sz="1300"/>
+            <a:endParaRPr sz="1300" dirty="0"/>
           </a:p>
         </p:txBody>
       </p:sp>
@@ -6346,29 +6243,39 @@
         </p:nvSpPr>
         <p:spPr>
           <a:xfrm>
-            <a:off x="3186632" y="233225"/>
-            <a:ext cx="1699200" cy="300000"/>
+            <a:off x="3186634" y="518975"/>
+            <a:ext cx="1738659" cy="300000"/>
           </a:xfrm>
           <a:prstGeom prst="rect">
             <a:avLst/>
           </a:prstGeom>
-          <a:gradFill>
+          <a:gradFill flip="none" rotWithShape="1">
             <a:gsLst>
               <a:gs pos="0">
-                <a:srgbClr val="9BE9FF"/>
+                <a:srgbClr val="FFFA3F">
+                  <a:tint val="66000"/>
+                  <a:satMod val="160000"/>
+                </a:srgbClr>
               </a:gs>
-              <a:gs pos="35000">
-                <a:srgbClr val="B8F1FF"/>
+              <a:gs pos="50000">
+                <a:srgbClr val="FFFA3F">
+                  <a:tint val="44500"/>
+                  <a:satMod val="160000"/>
+                </a:srgbClr>
               </a:gs>
               <a:gs pos="100000">
-                <a:srgbClr val="E2FBFF"/>
+                <a:srgbClr val="FFFA3F">
+                  <a:tint val="23500"/>
+                  <a:satMod val="160000"/>
+                </a:srgbClr>
               </a:gs>
             </a:gsLst>
-            <a:lin ang="16198662" scaled="0"/>
+            <a:lin ang="16200000" scaled="1"/>
+            <a:tileRect/>
           </a:gradFill>
           <a:ln w="19050" cap="flat" cmpd="sng">
             <a:solidFill>
-              <a:srgbClr val="45A9C4"/>
+              <a:srgbClr val="D2CD00"/>
             </a:solidFill>
             <a:prstDash val="solid"/>
             <a:round/>
@@ -6389,15 +6296,7 @@
           </a:bodyPr>
           <a:lstStyle/>
           <a:p>
-            <a:pPr marL="0" marR="0" lvl="0" indent="0" algn="ctr" rtl="0">
-              <a:spcBef>
-                <a:spcPts val="0"/>
-              </a:spcBef>
-              <a:spcAft>
-                <a:spcPts val="0"/>
-              </a:spcAft>
-              <a:buNone/>
-            </a:pPr>
+            <a:pPr algn="ctr"/>
             <a:r>
               <a:rPr lang="en" sz="1300">
                 <a:latin typeface="Calibri"/>
@@ -6413,35 +6312,45 @@
       </p:sp>
       <p:sp>
         <p:nvSpPr>
-          <p:cNvPr id="61" name="Google Shape;61;p14"/>
+          <p:cNvPr id="62" name="Google Shape;62;p14"/>
           <p:cNvSpPr/>
           <p:nvPr/>
         </p:nvSpPr>
         <p:spPr>
           <a:xfrm>
-            <a:off x="2777638" y="3303050"/>
-            <a:ext cx="1575300" cy="450000"/>
+            <a:off x="2777640" y="3584352"/>
+            <a:ext cx="1580400" cy="400109"/>
           </a:xfrm>
           <a:prstGeom prst="rect">
             <a:avLst/>
           </a:prstGeom>
-          <a:gradFill>
+          <a:gradFill flip="none" rotWithShape="1">
             <a:gsLst>
               <a:gs pos="0">
-                <a:srgbClr val="9FC3FF"/>
+                <a:srgbClr val="C4B597">
+                  <a:tint val="66000"/>
+                  <a:satMod val="160000"/>
+                </a:srgbClr>
               </a:gs>
-              <a:gs pos="35000">
-                <a:srgbClr val="BDD5FF"/>
+              <a:gs pos="50000">
+                <a:srgbClr val="C4B597">
+                  <a:tint val="44500"/>
+                  <a:satMod val="160000"/>
+                </a:srgbClr>
               </a:gs>
               <a:gs pos="100000">
-                <a:srgbClr val="E4EEFF"/>
+                <a:srgbClr val="C4B597">
+                  <a:tint val="23500"/>
+                  <a:satMod val="160000"/>
+                </a:srgbClr>
               </a:gs>
             </a:gsLst>
-            <a:lin ang="16198662" scaled="0"/>
+            <a:lin ang="16200000" scaled="1"/>
+            <a:tileRect/>
           </a:gradFill>
           <a:ln w="19050" cap="flat" cmpd="sng">
             <a:solidFill>
-              <a:srgbClr val="9FC3FF"/>
+              <a:srgbClr val="AB966D"/>
             </a:solidFill>
             <a:prstDash val="solid"/>
             <a:round/>
@@ -6462,17 +6371,9 @@
           </a:bodyPr>
           <a:lstStyle/>
           <a:p>
-            <a:pPr marL="0" marR="0" lvl="0" indent="0" algn="ctr" rtl="0">
-              <a:spcBef>
-                <a:spcPts val="0"/>
-              </a:spcBef>
-              <a:spcAft>
-                <a:spcPts val="0"/>
-              </a:spcAft>
-              <a:buNone/>
-            </a:pPr>
+            <a:pPr algn="ctr"/>
             <a:r>
-              <a:rPr lang="en" sz="1300">
+              <a:rPr lang="en-SG" sz="1300" dirty="0" err="1">
                 <a:latin typeface="Calibri"/>
                 <a:ea typeface="Calibri"/>
                 <a:cs typeface="Calibri"/>
@@ -6480,41 +6381,51 @@
               </a:rPr>
               <a:t>ShoppingList</a:t>
             </a:r>
-            <a:endParaRPr sz="1300"/>
+            <a:endParaRPr lang="en-SG" sz="1300" dirty="0"/>
           </a:p>
         </p:txBody>
       </p:sp>
       <p:sp>
         <p:nvSpPr>
-          <p:cNvPr id="62" name="Google Shape;62;p14"/>
+          <p:cNvPr id="64" name="Google Shape;64;p14"/>
           <p:cNvSpPr/>
           <p:nvPr/>
         </p:nvSpPr>
         <p:spPr>
           <a:xfrm>
-            <a:off x="429050" y="1901700"/>
-            <a:ext cx="1699200" cy="596100"/>
+            <a:off x="6387103" y="466101"/>
+            <a:ext cx="2525700" cy="345571"/>
           </a:xfrm>
           <a:prstGeom prst="rect">
             <a:avLst/>
           </a:prstGeom>
-          <a:gradFill>
+          <a:gradFill flip="none" rotWithShape="1">
             <a:gsLst>
               <a:gs pos="0">
-                <a:srgbClr val="9FC3FF"/>
+                <a:srgbClr val="009999">
+                  <a:tint val="66000"/>
+                  <a:satMod val="160000"/>
+                </a:srgbClr>
               </a:gs>
-              <a:gs pos="35000">
-                <a:srgbClr val="BDD5FF"/>
+              <a:gs pos="50000">
+                <a:srgbClr val="009999">
+                  <a:tint val="44500"/>
+                  <a:satMod val="160000"/>
+                </a:srgbClr>
               </a:gs>
               <a:gs pos="100000">
-                <a:srgbClr val="E4EEFF"/>
+                <a:srgbClr val="009999">
+                  <a:tint val="23500"/>
+                  <a:satMod val="160000"/>
+                </a:srgbClr>
               </a:gs>
             </a:gsLst>
-            <a:lin ang="16198662" scaled="0"/>
+            <a:lin ang="16200000" scaled="1"/>
+            <a:tileRect/>
           </a:gradFill>
           <a:ln w="19050" cap="flat" cmpd="sng">
             <a:solidFill>
-              <a:srgbClr val="9FC3FF"/>
+              <a:srgbClr val="009999"/>
             </a:solidFill>
             <a:prstDash val="solid"/>
             <a:round/>
@@ -6535,48 +6446,147 @@
           </a:bodyPr>
           <a:lstStyle/>
           <a:p>
-            <a:pPr marL="0" marR="0" lvl="0" indent="0" algn="ctr" rtl="0">
-              <a:spcBef>
-                <a:spcPts val="0"/>
-              </a:spcBef>
-              <a:spcAft>
-                <a:spcPts val="0"/>
-              </a:spcAft>
-              <a:buNone/>
-            </a:pPr>
+            <a:pPr algn="ctr"/>
             <a:r>
-              <a:rPr lang="en" sz="1300">
+              <a:rPr lang="en" sz="1300" dirty="0">
                 <a:latin typeface="Calibri"/>
                 <a:ea typeface="Calibri"/>
                 <a:cs typeface="Calibri"/>
                 <a:sym typeface="Calibri"/>
               </a:rPr>
-              <a:t>Item</a:t>
+              <a:t>Budget</a:t>
             </a:r>
-            <a:endParaRPr sz="1300"/>
+            <a:endParaRPr sz="1300" dirty="0"/>
           </a:p>
         </p:txBody>
       </p:sp>
       <p:sp>
         <p:nvSpPr>
-          <p:cNvPr id="63" name="Google Shape;63;p14"/>
+          <p:cNvPr id="66" name="Google Shape;66;p14"/>
+          <p:cNvSpPr txBox="1"/>
+          <p:nvPr/>
+        </p:nvSpPr>
+        <p:spPr>
+          <a:xfrm>
+            <a:off x="5911785" y="1493363"/>
+            <a:ext cx="275400" cy="420000"/>
+          </a:xfrm>
+          <a:prstGeom prst="rect">
+            <a:avLst/>
+          </a:prstGeom>
+          <a:noFill/>
+          <a:ln>
+            <a:noFill/>
+          </a:ln>
+        </p:spPr>
+        <p:txBody>
+          <a:bodyPr spcFirstLastPara="1" wrap="square" lIns="91425" tIns="45700" rIns="91425" bIns="45700" anchor="t" anchorCtr="0">
+            <a:noAutofit/>
+          </a:bodyPr>
+          <a:lstStyle/>
+          <a:p>
+            <a:r>
+              <a:rPr lang="en" sz="1300">
+                <a:latin typeface="Calibri"/>
+                <a:ea typeface="Calibri"/>
+                <a:cs typeface="Calibri"/>
+                <a:sym typeface="Calibri"/>
+              </a:rPr>
+              <a:t>1</a:t>
+            </a:r>
+            <a:endParaRPr sz="1300">
+              <a:latin typeface="Calibri"/>
+              <a:ea typeface="Calibri"/>
+              <a:cs typeface="Calibri"/>
+              <a:sym typeface="Calibri"/>
+            </a:endParaRPr>
+          </a:p>
+        </p:txBody>
+      </p:sp>
+      <p:sp>
+        <p:nvSpPr>
+          <p:cNvPr id="67" name="Google Shape;67;p14"/>
+          <p:cNvSpPr txBox="1"/>
+          <p:nvPr/>
+        </p:nvSpPr>
+        <p:spPr>
+          <a:xfrm>
+            <a:off x="5439575" y="1216288"/>
+            <a:ext cx="1239000" cy="300000"/>
+          </a:xfrm>
+          <a:prstGeom prst="rect">
+            <a:avLst/>
+          </a:prstGeom>
+          <a:noFill/>
+          <a:ln>
+            <a:noFill/>
+          </a:ln>
+        </p:spPr>
+        <p:txBody>
+          <a:bodyPr spcFirstLastPara="1" wrap="square" lIns="91425" tIns="45700" rIns="91425" bIns="45700" anchor="t" anchorCtr="0">
+            <a:noAutofit/>
+          </a:bodyPr>
+          <a:lstStyle/>
+          <a:p>
+            <a:r>
+              <a:rPr lang="en" sz="1300" dirty="0">
+                <a:latin typeface="Calibri"/>
+                <a:ea typeface="Calibri"/>
+                <a:cs typeface="Calibri"/>
+                <a:sym typeface="Calibri"/>
+              </a:rPr>
+              <a:t>myBudget</a:t>
+            </a:r>
+            <a:endParaRPr sz="1300" dirty="0">
+              <a:latin typeface="Calibri"/>
+              <a:ea typeface="Calibri"/>
+              <a:cs typeface="Calibri"/>
+              <a:sym typeface="Calibri"/>
+            </a:endParaRPr>
+          </a:p>
+        </p:txBody>
+      </p:sp>
+      <p:sp>
+        <p:nvSpPr>
+          <p:cNvPr id="68" name="Google Shape;68;p14"/>
           <p:cNvSpPr/>
           <p:nvPr/>
         </p:nvSpPr>
         <p:spPr>
           <a:xfrm>
-            <a:off x="7201350" y="1848213"/>
-            <a:ext cx="1825500" cy="410100"/>
+            <a:off x="2778603" y="3938535"/>
+            <a:ext cx="1579531" cy="465469"/>
           </a:xfrm>
           <a:prstGeom prst="rect">
             <a:avLst/>
           </a:prstGeom>
-          <a:solidFill>
-            <a:srgbClr val="FFBB82"/>
-          </a:solidFill>
+          <a:gradFill flip="none" rotWithShape="1">
+            <a:gsLst>
+              <a:gs pos="0">
+                <a:srgbClr val="C4B597">
+                  <a:tint val="66000"/>
+                  <a:satMod val="160000"/>
+                </a:srgbClr>
+              </a:gs>
+              <a:gs pos="50000">
+                <a:srgbClr val="C4B597">
+                  <a:tint val="44500"/>
+                  <a:satMod val="160000"/>
+                </a:srgbClr>
+              </a:gs>
+              <a:gs pos="100000">
+                <a:srgbClr val="C4B597">
+                  <a:tint val="23500"/>
+                  <a:satMod val="160000"/>
+                </a:srgbClr>
+              </a:gs>
+            </a:gsLst>
+            <a:lin ang="16200000" scaled="1"/>
+            <a:tileRect/>
+          </a:gradFill>
           <a:ln w="19050" cap="flat" cmpd="sng">
             <a:solidFill>
-              <a:srgbClr val="F5913F"/>
+              <a:srgbClr val="AB966D"/>
             </a:solidFill>
             <a:prstDash val="solid"/>
             <a:round/>
@@ -6597,59 +6607,78 @@
           </a:bodyPr>
           <a:lstStyle/>
           <a:p>
-            <a:pPr marL="0" marR="0" lvl="0" indent="0" algn="ctr" rtl="0">
-              <a:spcBef>
-                <a:spcPts val="0"/>
-              </a:spcBef>
-              <a:spcAft>
-                <a:spcPts val="0"/>
-              </a:spcAft>
-              <a:buNone/>
-            </a:pPr>
             <a:r>
-              <a:rPr lang="en" sz="1300">
+              <a:rPr lang="en-SG" sz="900" dirty="0">
                 <a:latin typeface="Calibri"/>
                 <a:ea typeface="Calibri"/>
                 <a:cs typeface="Calibri"/>
                 <a:sym typeface="Calibri"/>
               </a:rPr>
-              <a:t>Command</a:t>
+              <a:t>-</a:t>
             </a:r>
-            <a:endParaRPr sz="1300"/>
+            <a:r>
+              <a:rPr lang="en-SG" sz="900" dirty="0" err="1">
+                <a:latin typeface="Calibri"/>
+                <a:ea typeface="Calibri"/>
+                <a:cs typeface="Calibri"/>
+                <a:sym typeface="Calibri"/>
+              </a:rPr>
+              <a:t>items:ArrayList</a:t>
+            </a:r>
+            <a:r>
+              <a:rPr lang="en-SG" sz="900" dirty="0">
+                <a:latin typeface="Calibri"/>
+                <a:ea typeface="Calibri"/>
+                <a:cs typeface="Calibri"/>
+                <a:sym typeface="Calibri"/>
+              </a:rPr>
+              <a:t>&lt;Item&gt;</a:t>
+            </a:r>
+            <a:endParaRPr lang="en-SG" sz="900" dirty="0"/>
           </a:p>
         </p:txBody>
       </p:sp>
       <p:sp>
         <p:nvSpPr>
-          <p:cNvPr id="64" name="Google Shape;64;p14"/>
+          <p:cNvPr id="70" name="Google Shape;70;p14"/>
           <p:cNvSpPr/>
           <p:nvPr/>
         </p:nvSpPr>
         <p:spPr>
           <a:xfrm>
-            <a:off x="6387102" y="180350"/>
-            <a:ext cx="2525700" cy="300000"/>
+            <a:off x="184400" y="454876"/>
+            <a:ext cx="2028000" cy="410100"/>
           </a:xfrm>
           <a:prstGeom prst="rect">
             <a:avLst/>
           </a:prstGeom>
-          <a:gradFill>
+          <a:gradFill flip="none" rotWithShape="1">
             <a:gsLst>
               <a:gs pos="0">
-                <a:srgbClr val="9FC3FF"/>
+                <a:srgbClr val="C0C0C0">
+                  <a:tint val="66000"/>
+                  <a:satMod val="160000"/>
+                </a:srgbClr>
               </a:gs>
-              <a:gs pos="35000">
-                <a:srgbClr val="BDD5FF"/>
+              <a:gs pos="50000">
+                <a:srgbClr val="C0C0C0">
+                  <a:tint val="44500"/>
+                  <a:satMod val="160000"/>
+                </a:srgbClr>
               </a:gs>
               <a:gs pos="100000">
-                <a:srgbClr val="E4EEFF"/>
+                <a:srgbClr val="C0C0C0">
+                  <a:tint val="23500"/>
+                  <a:satMod val="160000"/>
+                </a:srgbClr>
               </a:gs>
             </a:gsLst>
-            <a:lin ang="16198662" scaled="0"/>
+            <a:lin ang="16200000" scaled="1"/>
+            <a:tileRect/>
           </a:gradFill>
           <a:ln w="19050" cap="flat" cmpd="sng">
             <a:solidFill>
-              <a:srgbClr val="9FC3FF"/>
+              <a:srgbClr val="C0C0C0"/>
             </a:solidFill>
             <a:prstDash val="solid"/>
             <a:round/>
@@ -6670,59 +6699,276 @@
           </a:bodyPr>
           <a:lstStyle/>
           <a:p>
-            <a:pPr marL="0" marR="0" lvl="0" indent="0" algn="ctr" rtl="0">
-              <a:spcBef>
-                <a:spcPts val="0"/>
-              </a:spcBef>
-              <a:spcAft>
-                <a:spcPts val="0"/>
-              </a:spcAft>
-              <a:buNone/>
-            </a:pPr>
+            <a:pPr algn="ctr"/>
             <a:r>
-              <a:rPr lang="en" sz="1300">
+              <a:rPr lang="en" sz="1300" dirty="0">
                 <a:latin typeface="Calibri"/>
                 <a:ea typeface="Calibri"/>
                 <a:cs typeface="Calibri"/>
                 <a:sym typeface="Calibri"/>
               </a:rPr>
-              <a:t>Budget</a:t>
+              <a:t>Storage</a:t>
             </a:r>
-            <a:endParaRPr sz="1300"/>
+            <a:endParaRPr sz="1300" dirty="0"/>
           </a:p>
         </p:txBody>
       </p:sp>
       <p:sp>
         <p:nvSpPr>
-          <p:cNvPr id="65" name="Google Shape;65;p14"/>
+          <p:cNvPr id="73" name="Google Shape;73;p14"/>
+          <p:cNvSpPr txBox="1"/>
+          <p:nvPr/>
+        </p:nvSpPr>
+        <p:spPr>
+          <a:xfrm>
+            <a:off x="3217351" y="3246251"/>
+            <a:ext cx="348000" cy="450000"/>
+          </a:xfrm>
+          <a:prstGeom prst="rect">
+            <a:avLst/>
+          </a:prstGeom>
+          <a:noFill/>
+          <a:ln>
+            <a:noFill/>
+          </a:ln>
+        </p:spPr>
+        <p:txBody>
+          <a:bodyPr spcFirstLastPara="1" wrap="square" lIns="91425" tIns="45700" rIns="91425" bIns="45700" anchor="t" anchorCtr="0">
+            <a:noAutofit/>
+          </a:bodyPr>
+          <a:lstStyle/>
+          <a:p>
+            <a:r>
+              <a:rPr lang="en" sz="1300">
+                <a:latin typeface="Calibri"/>
+                <a:ea typeface="Calibri"/>
+                <a:cs typeface="Calibri"/>
+                <a:sym typeface="Calibri"/>
+              </a:rPr>
+              <a:t>1</a:t>
+            </a:r>
+            <a:endParaRPr sz="1300">
+              <a:latin typeface="Calibri"/>
+              <a:ea typeface="Calibri"/>
+              <a:cs typeface="Calibri"/>
+              <a:sym typeface="Calibri"/>
+            </a:endParaRPr>
+          </a:p>
+        </p:txBody>
+      </p:sp>
+      <p:sp>
+        <p:nvSpPr>
+          <p:cNvPr id="74" name="Google Shape;74;p14"/>
+          <p:cNvSpPr txBox="1"/>
+          <p:nvPr/>
+        </p:nvSpPr>
+        <p:spPr>
+          <a:xfrm>
+            <a:off x="3562951" y="3242876"/>
+            <a:ext cx="793800" cy="300000"/>
+          </a:xfrm>
+          <a:prstGeom prst="rect">
+            <a:avLst/>
+          </a:prstGeom>
+          <a:noFill/>
+          <a:ln>
+            <a:noFill/>
+          </a:ln>
+        </p:spPr>
+        <p:txBody>
+          <a:bodyPr spcFirstLastPara="1" wrap="square" lIns="91425" tIns="45700" rIns="91425" bIns="45700" anchor="t" anchorCtr="0">
+            <a:noAutofit/>
+          </a:bodyPr>
+          <a:lstStyle/>
+          <a:p>
+            <a:r>
+              <a:rPr lang="en" sz="1300">
+                <a:latin typeface="Calibri"/>
+                <a:ea typeface="Calibri"/>
+                <a:cs typeface="Calibri"/>
+                <a:sym typeface="Calibri"/>
+              </a:rPr>
+              <a:t>items</a:t>
+            </a:r>
+            <a:endParaRPr sz="1300">
+              <a:latin typeface="Calibri"/>
+              <a:ea typeface="Calibri"/>
+              <a:cs typeface="Calibri"/>
+              <a:sym typeface="Calibri"/>
+            </a:endParaRPr>
+          </a:p>
+        </p:txBody>
+      </p:sp>
+      <p:sp>
+        <p:nvSpPr>
+          <p:cNvPr id="75" name="Google Shape;75;p14"/>
+          <p:cNvSpPr txBox="1"/>
+          <p:nvPr/>
+        </p:nvSpPr>
+        <p:spPr>
+          <a:xfrm>
+            <a:off x="4125752" y="890100"/>
+            <a:ext cx="319200" cy="339600"/>
+          </a:xfrm>
+          <a:prstGeom prst="rect">
+            <a:avLst/>
+          </a:prstGeom>
+          <a:noFill/>
+          <a:ln>
+            <a:noFill/>
+          </a:ln>
+        </p:spPr>
+        <p:txBody>
+          <a:bodyPr spcFirstLastPara="1" wrap="square" lIns="91425" tIns="45700" rIns="91425" bIns="45700" anchor="t" anchorCtr="0">
+            <a:noAutofit/>
+          </a:bodyPr>
+          <a:lstStyle/>
+          <a:p>
+            <a:r>
+              <a:rPr lang="en" sz="1300">
+                <a:latin typeface="Calibri"/>
+                <a:ea typeface="Calibri"/>
+                <a:cs typeface="Calibri"/>
+                <a:sym typeface="Calibri"/>
+              </a:rPr>
+              <a:t>1</a:t>
+            </a:r>
+            <a:endParaRPr sz="1300">
+              <a:latin typeface="Calibri"/>
+              <a:ea typeface="Calibri"/>
+              <a:cs typeface="Calibri"/>
+              <a:sym typeface="Calibri"/>
+            </a:endParaRPr>
+          </a:p>
+        </p:txBody>
+      </p:sp>
+      <p:sp>
+        <p:nvSpPr>
+          <p:cNvPr id="76" name="Google Shape;76;p14"/>
+          <p:cNvSpPr txBox="1"/>
+          <p:nvPr/>
+        </p:nvSpPr>
+        <p:spPr>
+          <a:xfrm>
+            <a:off x="3611437" y="864976"/>
+            <a:ext cx="424800" cy="300000"/>
+          </a:xfrm>
+          <a:prstGeom prst="rect">
+            <a:avLst/>
+          </a:prstGeom>
+          <a:noFill/>
+          <a:ln>
+            <a:noFill/>
+          </a:ln>
+        </p:spPr>
+        <p:txBody>
+          <a:bodyPr spcFirstLastPara="1" wrap="square" lIns="91425" tIns="45700" rIns="91425" bIns="45700" anchor="t" anchorCtr="0">
+            <a:noAutofit/>
+          </a:bodyPr>
+          <a:lstStyle/>
+          <a:p>
+            <a:r>
+              <a:rPr lang="en" sz="1300">
+                <a:latin typeface="Calibri"/>
+                <a:ea typeface="Calibri"/>
+                <a:cs typeface="Calibri"/>
+                <a:sym typeface="Calibri"/>
+              </a:rPr>
+              <a:t>ui</a:t>
+            </a:r>
+            <a:endParaRPr sz="1300">
+              <a:latin typeface="Calibri"/>
+              <a:ea typeface="Calibri"/>
+              <a:cs typeface="Calibri"/>
+              <a:sym typeface="Calibri"/>
+            </a:endParaRPr>
+          </a:p>
+        </p:txBody>
+      </p:sp>
+      <p:sp>
+        <p:nvSpPr>
+          <p:cNvPr id="77" name="Google Shape;77;p14"/>
+          <p:cNvSpPr txBox="1"/>
+          <p:nvPr/>
+        </p:nvSpPr>
+        <p:spPr>
+          <a:xfrm>
+            <a:off x="2328226" y="1053476"/>
+            <a:ext cx="348000" cy="339600"/>
+          </a:xfrm>
+          <a:prstGeom prst="rect">
+            <a:avLst/>
+          </a:prstGeom>
+          <a:noFill/>
+          <a:ln>
+            <a:noFill/>
+          </a:ln>
+        </p:spPr>
+        <p:txBody>
+          <a:bodyPr spcFirstLastPara="1" wrap="square" lIns="91425" tIns="45700" rIns="91425" bIns="45700" anchor="t" anchorCtr="0">
+            <a:noAutofit/>
+          </a:bodyPr>
+          <a:lstStyle/>
+          <a:p>
+            <a:r>
+              <a:rPr lang="en" sz="1300">
+                <a:latin typeface="Calibri"/>
+                <a:ea typeface="Calibri"/>
+                <a:cs typeface="Calibri"/>
+                <a:sym typeface="Calibri"/>
+              </a:rPr>
+              <a:t>1</a:t>
+            </a:r>
+            <a:endParaRPr sz="1300">
+              <a:latin typeface="Calibri"/>
+              <a:ea typeface="Calibri"/>
+              <a:cs typeface="Calibri"/>
+              <a:sym typeface="Calibri"/>
+            </a:endParaRPr>
+          </a:p>
+        </p:txBody>
+      </p:sp>
+      <p:sp>
+        <p:nvSpPr>
+          <p:cNvPr id="78" name="Google Shape;78;p14"/>
           <p:cNvSpPr/>
           <p:nvPr/>
         </p:nvSpPr>
         <p:spPr>
           <a:xfrm>
-            <a:off x="2777638" y="3753050"/>
-            <a:ext cx="1575300" cy="339600"/>
+            <a:off x="4739783" y="4611585"/>
+            <a:ext cx="2758346" cy="684949"/>
           </a:xfrm>
           <a:prstGeom prst="rect">
             <a:avLst/>
           </a:prstGeom>
-          <a:gradFill>
+          <a:gradFill flip="none" rotWithShape="1">
             <a:gsLst>
               <a:gs pos="0">
-                <a:srgbClr val="9FC3FF"/>
+                <a:srgbClr val="990099">
+                  <a:tint val="66000"/>
+                  <a:satMod val="160000"/>
+                </a:srgbClr>
               </a:gs>
-              <a:gs pos="35000">
-                <a:srgbClr val="BDD5FF"/>
+              <a:gs pos="50000">
+                <a:srgbClr val="990099">
+                  <a:tint val="44500"/>
+                  <a:satMod val="160000"/>
+                </a:srgbClr>
               </a:gs>
               <a:gs pos="100000">
-                <a:srgbClr val="E4EEFF"/>
+                <a:srgbClr val="990099">
+                  <a:tint val="23500"/>
+                  <a:satMod val="160000"/>
+                </a:srgbClr>
               </a:gs>
             </a:gsLst>
-            <a:lin ang="16198662" scaled="0"/>
+            <a:lin ang="16200000" scaled="1"/>
+            <a:tileRect/>
           </a:gradFill>
           <a:ln w="19050" cap="flat" cmpd="sng">
             <a:solidFill>
-              <a:srgbClr val="9FC3FF"/>
+              <a:srgbClr val="CF92CF"/>
             </a:solidFill>
             <a:prstDash val="solid"/>
             <a:round/>
@@ -6743,38 +6989,51 @@
           </a:bodyPr>
           <a:lstStyle/>
           <a:p>
-            <a:pPr marL="0" marR="0" lvl="0" indent="0" algn="l" rtl="0">
-              <a:spcBef>
-                <a:spcPts val="0"/>
-              </a:spcBef>
-              <a:spcAft>
-                <a:spcPts val="0"/>
-              </a:spcAft>
-              <a:buNone/>
-            </a:pPr>
             <a:r>
-              <a:rPr lang="en" sz="900">
+              <a:rPr lang="en" sz="1000" dirty="0">
                 <a:latin typeface="Calibri"/>
                 <a:ea typeface="Calibri"/>
                 <a:cs typeface="Calibri"/>
                 <a:sym typeface="Calibri"/>
               </a:rPr>
-              <a:t>-items:ArrayList&lt;Item&gt;</a:t>
+              <a:t>+parseCommand(userInput:String):Command</a:t>
             </a:r>
-            <a:endParaRPr sz="900"/>
+            <a:endParaRPr sz="1000" dirty="0">
+              <a:latin typeface="Calibri"/>
+              <a:ea typeface="Calibri"/>
+              <a:cs typeface="Calibri"/>
+              <a:sym typeface="Calibri"/>
+            </a:endParaRPr>
+          </a:p>
+          <a:p>
+            <a:r>
+              <a:rPr lang="en" sz="1000" dirty="0">
+                <a:latin typeface="Calibri"/>
+                <a:ea typeface="Calibri"/>
+                <a:cs typeface="Calibri"/>
+                <a:sym typeface="Calibri"/>
+              </a:rPr>
+              <a:t>-splitCommandAndArgs(userInput:String):String[]</a:t>
+            </a:r>
+            <a:endParaRPr sz="1000" dirty="0">
+              <a:latin typeface="Calibri"/>
+              <a:ea typeface="Calibri"/>
+              <a:cs typeface="Calibri"/>
+              <a:sym typeface="Calibri"/>
+            </a:endParaRPr>
           </a:p>
         </p:txBody>
       </p:sp>
       <p:sp>
         <p:nvSpPr>
-          <p:cNvPr id="66" name="Google Shape;66;p14"/>
+          <p:cNvPr id="79" name="Google Shape;79;p14"/>
           <p:cNvSpPr txBox="1"/>
           <p:nvPr/>
         </p:nvSpPr>
         <p:spPr>
           <a:xfrm>
-            <a:off x="5911785" y="1207613"/>
-            <a:ext cx="275400" cy="420000"/>
+            <a:off x="1967550" y="768151"/>
+            <a:ext cx="1071300" cy="300000"/>
           </a:xfrm>
           <a:prstGeom prst="rect">
             <a:avLst/>
@@ -6790,31 +7049,17 @@
           </a:bodyPr>
           <a:lstStyle/>
           <a:p>
-            <a:pPr marL="0" marR="0" lvl="0" indent="0" algn="l" rtl="0">
-              <a:spcBef>
-                <a:spcPts val="0"/>
-              </a:spcBef>
-              <a:spcAft>
-                <a:spcPts val="0"/>
-              </a:spcAft>
-              <a:buNone/>
-            </a:pPr>
+            <a:pPr algn="ctr"/>
             <a:r>
-              <a:rPr lang="en" sz="1300" b="0" i="0" u="none" strike="noStrike" cap="none">
-                <a:solidFill>
-                  <a:srgbClr val="000000"/>
-                </a:solidFill>
+              <a:rPr lang="en" sz="1300" dirty="0">
                 <a:latin typeface="Calibri"/>
                 <a:ea typeface="Calibri"/>
                 <a:cs typeface="Calibri"/>
                 <a:sym typeface="Calibri"/>
               </a:rPr>
-              <a:t>1</a:t>
+              <a:t>storage</a:t>
             </a:r>
-            <a:endParaRPr sz="1300" b="0" i="0" u="none" strike="noStrike" cap="none">
-              <a:solidFill>
-                <a:srgbClr val="000000"/>
-              </a:solidFill>
+            <a:endParaRPr sz="1300" dirty="0">
               <a:latin typeface="Calibri"/>
               <a:ea typeface="Calibri"/>
               <a:cs typeface="Calibri"/>
@@ -6825,90 +7070,45 @@
       </p:sp>
       <p:sp>
         <p:nvSpPr>
-          <p:cNvPr id="67" name="Google Shape;67;p14"/>
-          <p:cNvSpPr txBox="1"/>
-          <p:nvPr/>
-        </p:nvSpPr>
-        <p:spPr>
-          <a:xfrm>
-            <a:off x="5439575" y="930538"/>
-            <a:ext cx="1239000" cy="300000"/>
-          </a:xfrm>
-          <a:prstGeom prst="rect">
-            <a:avLst/>
-          </a:prstGeom>
-          <a:noFill/>
-          <a:ln>
-            <a:noFill/>
-          </a:ln>
-        </p:spPr>
-        <p:txBody>
-          <a:bodyPr spcFirstLastPara="1" wrap="square" lIns="91425" tIns="45700" rIns="91425" bIns="45700" anchor="t" anchorCtr="0">
-            <a:noAutofit/>
-          </a:bodyPr>
-          <a:lstStyle/>
-          <a:p>
-            <a:pPr marL="0" marR="0" lvl="0" indent="0" algn="l" rtl="0">
-              <a:spcBef>
-                <a:spcPts val="0"/>
-              </a:spcBef>
-              <a:spcAft>
-                <a:spcPts val="0"/>
-              </a:spcAft>
-              <a:buNone/>
-            </a:pPr>
-            <a:r>
-              <a:rPr lang="en" sz="1300" dirty="0">
-                <a:latin typeface="Calibri"/>
-                <a:ea typeface="Calibri"/>
-                <a:cs typeface="Calibri"/>
-                <a:sym typeface="Calibri"/>
-              </a:rPr>
-              <a:t>myBudget</a:t>
-            </a:r>
-            <a:endParaRPr sz="1300" b="0" i="0" u="none" strike="noStrike" cap="none" dirty="0">
-              <a:solidFill>
-                <a:srgbClr val="000000"/>
-              </a:solidFill>
-              <a:latin typeface="Calibri"/>
-              <a:ea typeface="Calibri"/>
-              <a:cs typeface="Calibri"/>
-              <a:sym typeface="Calibri"/>
-            </a:endParaRPr>
-          </a:p>
-        </p:txBody>
-      </p:sp>
-      <p:sp>
-        <p:nvSpPr>
-          <p:cNvPr id="68" name="Google Shape;68;p14"/>
+          <p:cNvPr id="80" name="Google Shape;80;p14"/>
           <p:cNvSpPr/>
           <p:nvPr/>
         </p:nvSpPr>
         <p:spPr>
           <a:xfrm>
-            <a:off x="429050" y="2475400"/>
-            <a:ext cx="1699200" cy="894900"/>
+            <a:off x="2777389" y="4384072"/>
+            <a:ext cx="1580400" cy="1139976"/>
           </a:xfrm>
           <a:prstGeom prst="rect">
             <a:avLst/>
           </a:prstGeom>
-          <a:gradFill>
+          <a:gradFill flip="none" rotWithShape="1">
             <a:gsLst>
               <a:gs pos="0">
-                <a:srgbClr val="9FC3FF"/>
+                <a:srgbClr val="C4B597">
+                  <a:tint val="66000"/>
+                  <a:satMod val="160000"/>
+                </a:srgbClr>
               </a:gs>
-              <a:gs pos="35000">
-                <a:srgbClr val="BDD5FF"/>
+              <a:gs pos="50000">
+                <a:srgbClr val="C4B597">
+                  <a:tint val="44500"/>
+                  <a:satMod val="160000"/>
+                </a:srgbClr>
               </a:gs>
               <a:gs pos="100000">
-                <a:srgbClr val="E4EEFF"/>
+                <a:srgbClr val="C4B597">
+                  <a:tint val="23500"/>
+                  <a:satMod val="160000"/>
+                </a:srgbClr>
               </a:gs>
             </a:gsLst>
-            <a:lin ang="16198662" scaled="0"/>
+            <a:lin ang="16200000" scaled="1"/>
+            <a:tileRect/>
           </a:gradFill>
           <a:ln w="19050" cap="flat" cmpd="sng">
             <a:solidFill>
-              <a:srgbClr val="9FC3FF"/>
+              <a:srgbClr val="AB966D"/>
             </a:solidFill>
             <a:prstDash val="solid"/>
             <a:round/>
@@ -6929,54 +7129,7 @@
           </a:bodyPr>
           <a:lstStyle/>
           <a:p>
-            <a:pPr marL="0" marR="0" lvl="0" indent="0" algn="l" rtl="0">
-              <a:spcBef>
-                <a:spcPts val="0"/>
-              </a:spcBef>
-              <a:spcAft>
-                <a:spcPts val="0"/>
-              </a:spcAft>
-              <a:buNone/>
-            </a:pPr>
-            <a:r>
-              <a:rPr lang="en" sz="900">
-                <a:latin typeface="Calibri"/>
-                <a:ea typeface="Calibri"/>
-                <a:cs typeface="Calibri"/>
-                <a:sym typeface="Calibri"/>
-              </a:rPr>
-              <a:t>-price:double</a:t>
-            </a:r>
-            <a:endParaRPr sz="900">
-              <a:latin typeface="Calibri"/>
-              <a:ea typeface="Calibri"/>
-              <a:cs typeface="Calibri"/>
-              <a:sym typeface="Calibri"/>
-            </a:endParaRPr>
-          </a:p>
-          <a:p>
-            <a:pPr marL="0" lvl="0" indent="0" algn="l" rtl="0">
-              <a:spcBef>
-                <a:spcPts val="0"/>
-              </a:spcBef>
-              <a:spcAft>
-                <a:spcPts val="0"/>
-              </a:spcAft>
-              <a:buNone/>
-            </a:pPr>
-            <a:r>
-              <a:rPr lang="en" sz="900">
-                <a:solidFill>
-                  <a:schemeClr val="dk1"/>
-                </a:solidFill>
-                <a:latin typeface="Calibri"/>
-                <a:ea typeface="Calibri"/>
-                <a:cs typeface="Calibri"/>
-                <a:sym typeface="Calibri"/>
-              </a:rPr>
-              <a:t>-description:String</a:t>
-            </a:r>
-            <a:endParaRPr sz="900">
+            <a:endParaRPr lang="en-SG" sz="900" dirty="0">
               <a:solidFill>
                 <a:schemeClr val="dk1"/>
               </a:solidFill>
@@ -6987,22 +7140,14 @@
             </a:endParaRPr>
           </a:p>
           <a:p>
-            <a:pPr marL="0" lvl="0" indent="0" algn="l" rtl="0">
-              <a:spcBef>
-                <a:spcPts val="0"/>
-              </a:spcBef>
-              <a:spcAft>
-                <a:spcPts val="0"/>
-              </a:spcAft>
+            <a:pPr>
               <a:buClr>
                 <a:schemeClr val="dk1"/>
               </a:buClr>
               <a:buSzPts val="1100"/>
-              <a:buFont typeface="Arial"/>
-              <a:buNone/>
             </a:pPr>
             <a:r>
-              <a:rPr lang="en" sz="900">
+              <a:rPr lang="en-SG" sz="900" dirty="0">
                 <a:solidFill>
                   <a:schemeClr val="dk1"/>
                 </a:solidFill>
@@ -7011,35 +7156,42 @@
                 <a:cs typeface="Calibri"/>
                 <a:sym typeface="Calibri"/>
               </a:rPr>
-              <a:t>-quantity:int</a:t>
+              <a:t>+add(</a:t>
             </a:r>
-            <a:endParaRPr sz="900">
-              <a:solidFill>
-                <a:schemeClr val="dk1"/>
-              </a:solidFill>
-              <a:latin typeface="Calibri"/>
-              <a:ea typeface="Calibri"/>
-              <a:cs typeface="Calibri"/>
-              <a:sym typeface="Calibri"/>
-            </a:endParaRPr>
+            <a:r>
+              <a:rPr lang="en-SG" sz="900" dirty="0" err="1">
+                <a:solidFill>
+                  <a:schemeClr val="dk1"/>
+                </a:solidFill>
+                <a:latin typeface="Calibri"/>
+                <a:ea typeface="Calibri"/>
+                <a:cs typeface="Calibri"/>
+                <a:sym typeface="Calibri"/>
+              </a:rPr>
+              <a:t>item:Item</a:t>
+            </a:r>
+            <a:r>
+              <a:rPr lang="en-SG" sz="900" dirty="0">
+                <a:solidFill>
+                  <a:schemeClr val="dk1"/>
+                </a:solidFill>
+                <a:latin typeface="Calibri"/>
+                <a:ea typeface="Calibri"/>
+                <a:cs typeface="Calibri"/>
+                <a:sym typeface="Calibri"/>
+              </a:rPr>
+              <a:t>)</a:t>
+            </a:r>
           </a:p>
           <a:p>
-            <a:pPr marL="0" lvl="0" indent="0" algn="l" rtl="0">
-              <a:spcBef>
-                <a:spcPts val="0"/>
-              </a:spcBef>
-              <a:spcAft>
-                <a:spcPts val="0"/>
-              </a:spcAft>
+            <a:pPr>
               <a:buClr>
                 <a:schemeClr val="dk1"/>
               </a:buClr>
               <a:buSzPts val="1100"/>
-              <a:buFont typeface="Arial"/>
-              <a:buNone/>
             </a:pPr>
             <a:r>
-              <a:rPr lang="en" sz="900">
+              <a:rPr lang="en-SG" sz="900" dirty="0">
                 <a:solidFill>
                   <a:schemeClr val="dk1"/>
                 </a:solidFill>
@@ -7048,30 +7200,259 @@
                 <a:cs typeface="Calibri"/>
                 <a:sym typeface="Calibri"/>
               </a:rPr>
-              <a:t>-isBought:boolean</a:t>
+              <a:t>+</a:t>
             </a:r>
-            <a:endParaRPr sz="900">
-              <a:solidFill>
-                <a:schemeClr val="dk1"/>
-              </a:solidFill>
-              <a:latin typeface="Calibri"/>
-              <a:ea typeface="Calibri"/>
-              <a:cs typeface="Calibri"/>
-              <a:sym typeface="Calibri"/>
-            </a:endParaRPr>
+            <a:r>
+              <a:rPr lang="en-SG" sz="900" dirty="0" err="1">
+                <a:solidFill>
+                  <a:schemeClr val="dk1"/>
+                </a:solidFill>
+                <a:latin typeface="Calibri"/>
+                <a:ea typeface="Calibri"/>
+                <a:cs typeface="Calibri"/>
+                <a:sym typeface="Calibri"/>
+              </a:rPr>
+              <a:t>clearList</a:t>
+            </a:r>
+            <a:r>
+              <a:rPr lang="en-SG" sz="900" dirty="0">
+                <a:solidFill>
+                  <a:schemeClr val="dk1"/>
+                </a:solidFill>
+                <a:latin typeface="Calibri"/>
+                <a:ea typeface="Calibri"/>
+                <a:cs typeface="Calibri"/>
+                <a:sym typeface="Calibri"/>
+              </a:rPr>
+              <a:t>()</a:t>
+            </a:r>
           </a:p>
           <a:p>
-            <a:pPr marL="0" lvl="0" indent="0" algn="l" rtl="0">
-              <a:spcBef>
-                <a:spcPts val="0"/>
-              </a:spcBef>
-              <a:spcAft>
-                <a:spcPts val="0"/>
-              </a:spcAft>
+            <a:pPr>
+              <a:buClr>
+                <a:schemeClr val="dk1"/>
+              </a:buClr>
               <a:buSzPts val="1100"/>
-              <a:buNone/>
             </a:pPr>
-            <a:endParaRPr sz="900">
+            <a:r>
+              <a:rPr lang="en-SG" sz="900" dirty="0">
+                <a:solidFill>
+                  <a:schemeClr val="dk1"/>
+                </a:solidFill>
+                <a:latin typeface="Calibri"/>
+                <a:ea typeface="Calibri"/>
+                <a:cs typeface="Calibri"/>
+                <a:sym typeface="Calibri"/>
+              </a:rPr>
+              <a:t>+</a:t>
+            </a:r>
+            <a:r>
+              <a:rPr lang="en-SG" sz="900" dirty="0" err="1">
+                <a:solidFill>
+                  <a:schemeClr val="dk1"/>
+                </a:solidFill>
+                <a:latin typeface="Calibri"/>
+                <a:ea typeface="Calibri"/>
+                <a:cs typeface="Calibri"/>
+                <a:sym typeface="Calibri"/>
+              </a:rPr>
+              <a:t>getList</a:t>
+            </a:r>
+            <a:r>
+              <a:rPr lang="en-SG" sz="900" dirty="0">
+                <a:solidFill>
+                  <a:schemeClr val="dk1"/>
+                </a:solidFill>
+                <a:latin typeface="Calibri"/>
+                <a:ea typeface="Calibri"/>
+                <a:cs typeface="Calibri"/>
+                <a:sym typeface="Calibri"/>
+              </a:rPr>
+              <a:t>():</a:t>
+            </a:r>
+            <a:r>
+              <a:rPr lang="en-SG" sz="900" dirty="0" err="1">
+                <a:solidFill>
+                  <a:schemeClr val="dk1"/>
+                </a:solidFill>
+                <a:latin typeface="Calibri"/>
+                <a:ea typeface="Calibri"/>
+                <a:cs typeface="Calibri"/>
+                <a:sym typeface="Calibri"/>
+              </a:rPr>
+              <a:t>ArrayList</a:t>
+            </a:r>
+            <a:r>
+              <a:rPr lang="en-SG" sz="900" dirty="0">
+                <a:solidFill>
+                  <a:schemeClr val="dk1"/>
+                </a:solidFill>
+                <a:latin typeface="Calibri"/>
+                <a:ea typeface="Calibri"/>
+                <a:cs typeface="Calibri"/>
+                <a:sym typeface="Calibri"/>
+              </a:rPr>
+              <a:t>&lt;Item&gt;</a:t>
+            </a:r>
+          </a:p>
+          <a:p>
+            <a:pPr>
+              <a:buClr>
+                <a:schemeClr val="dk1"/>
+              </a:buClr>
+              <a:buSzPts val="1100"/>
+            </a:pPr>
+            <a:r>
+              <a:rPr lang="en-SG" sz="900" dirty="0">
+                <a:solidFill>
+                  <a:schemeClr val="dk1"/>
+                </a:solidFill>
+                <a:latin typeface="Calibri"/>
+                <a:ea typeface="Calibri"/>
+                <a:cs typeface="Calibri"/>
+                <a:sym typeface="Calibri"/>
+              </a:rPr>
+              <a:t>+</a:t>
+            </a:r>
+            <a:r>
+              <a:rPr lang="en-SG" sz="900" dirty="0" err="1">
+                <a:solidFill>
+                  <a:schemeClr val="dk1"/>
+                </a:solidFill>
+                <a:latin typeface="Calibri"/>
+                <a:ea typeface="Calibri"/>
+                <a:cs typeface="Calibri"/>
+                <a:sym typeface="Calibri"/>
+              </a:rPr>
+              <a:t>getSize</a:t>
+            </a:r>
+            <a:r>
+              <a:rPr lang="en-SG" sz="900" dirty="0">
+                <a:solidFill>
+                  <a:schemeClr val="dk1"/>
+                </a:solidFill>
+                <a:latin typeface="Calibri"/>
+                <a:ea typeface="Calibri"/>
+                <a:cs typeface="Calibri"/>
+                <a:sym typeface="Calibri"/>
+              </a:rPr>
+              <a:t>():int</a:t>
+            </a:r>
+          </a:p>
+          <a:p>
+            <a:pPr>
+              <a:buClr>
+                <a:schemeClr val="dk1"/>
+              </a:buClr>
+              <a:buSzPts val="1100"/>
+            </a:pPr>
+            <a:r>
+              <a:rPr lang="en-SG" sz="900" dirty="0">
+                <a:solidFill>
+                  <a:schemeClr val="dk1"/>
+                </a:solidFill>
+                <a:latin typeface="Calibri"/>
+                <a:ea typeface="Calibri"/>
+                <a:cs typeface="Calibri"/>
+                <a:sym typeface="Calibri"/>
+              </a:rPr>
+              <a:t>+</a:t>
+            </a:r>
+            <a:r>
+              <a:rPr lang="en-SG" sz="900" dirty="0" err="1">
+                <a:solidFill>
+                  <a:schemeClr val="dk1"/>
+                </a:solidFill>
+                <a:latin typeface="Calibri"/>
+                <a:ea typeface="Calibri"/>
+                <a:cs typeface="Calibri"/>
+                <a:sym typeface="Calibri"/>
+              </a:rPr>
+              <a:t>getTotalCost</a:t>
+            </a:r>
+            <a:r>
+              <a:rPr lang="en-SG" sz="900" dirty="0">
+                <a:solidFill>
+                  <a:schemeClr val="dk1"/>
+                </a:solidFill>
+                <a:latin typeface="Calibri"/>
+                <a:ea typeface="Calibri"/>
+                <a:cs typeface="Calibri"/>
+                <a:sym typeface="Calibri"/>
+              </a:rPr>
+              <a:t>(): double</a:t>
+            </a:r>
+          </a:p>
+          <a:p>
+            <a:pPr>
+              <a:buClr>
+                <a:schemeClr val="dk1"/>
+              </a:buClr>
+              <a:buSzPts val="1100"/>
+            </a:pPr>
+            <a:r>
+              <a:rPr lang="en-SG" sz="900" dirty="0">
+                <a:solidFill>
+                  <a:schemeClr val="dk1"/>
+                </a:solidFill>
+                <a:latin typeface="Calibri"/>
+                <a:ea typeface="Calibri"/>
+                <a:cs typeface="Calibri"/>
+                <a:sym typeface="Calibri"/>
+              </a:rPr>
+              <a:t>+</a:t>
+            </a:r>
+            <a:r>
+              <a:rPr lang="en-SG" sz="900" dirty="0" err="1">
+                <a:solidFill>
+                  <a:schemeClr val="dk1"/>
+                </a:solidFill>
+                <a:latin typeface="Calibri"/>
+                <a:ea typeface="Calibri"/>
+                <a:cs typeface="Calibri"/>
+                <a:sym typeface="Calibri"/>
+              </a:rPr>
+              <a:t>getItem</a:t>
+            </a:r>
+            <a:r>
+              <a:rPr lang="en-SG" sz="900" dirty="0">
+                <a:solidFill>
+                  <a:schemeClr val="dk1"/>
+                </a:solidFill>
+                <a:latin typeface="Calibri"/>
+                <a:ea typeface="Calibri"/>
+                <a:cs typeface="Calibri"/>
+                <a:sym typeface="Calibri"/>
+              </a:rPr>
+              <a:t>(</a:t>
+            </a:r>
+            <a:r>
+              <a:rPr lang="en-SG" sz="900" dirty="0" err="1">
+                <a:solidFill>
+                  <a:schemeClr val="dk1"/>
+                </a:solidFill>
+                <a:latin typeface="Calibri"/>
+                <a:ea typeface="Calibri"/>
+                <a:cs typeface="Calibri"/>
+                <a:sym typeface="Calibri"/>
+              </a:rPr>
+              <a:t>index:int</a:t>
+            </a:r>
+            <a:r>
+              <a:rPr lang="en-SG" sz="900" dirty="0">
+                <a:solidFill>
+                  <a:schemeClr val="dk1"/>
+                </a:solidFill>
+                <a:latin typeface="Calibri"/>
+                <a:ea typeface="Calibri"/>
+                <a:cs typeface="Calibri"/>
+                <a:sym typeface="Calibri"/>
+              </a:rPr>
+              <a:t>): Item</a:t>
+            </a:r>
+          </a:p>
+          <a:p>
+            <a:endParaRPr lang="en-SG" sz="900" dirty="0">
               <a:latin typeface="Calibri"/>
               <a:ea typeface="Calibri"/>
               <a:cs typeface="Calibri"/>
@@ -7082,35 +7463,36 @@
       </p:sp>
       <p:sp>
         <p:nvSpPr>
-          <p:cNvPr id="69" name="Google Shape;69;p14"/>
+          <p:cNvPr id="81" name="Google Shape;81;p14"/>
           <p:cNvSpPr/>
           <p:nvPr/>
         </p:nvSpPr>
         <p:spPr>
           <a:xfrm>
-            <a:off x="184400" y="557320"/>
-            <a:ext cx="2028000" cy="450000"/>
+            <a:off x="3389851" y="2359567"/>
+            <a:ext cx="2364300" cy="644400"/>
           </a:xfrm>
           <a:prstGeom prst="rect">
             <a:avLst/>
           </a:prstGeom>
-          <a:gradFill>
+          <a:gradFill flip="none" rotWithShape="1">
             <a:gsLst>
               <a:gs pos="0">
-                <a:srgbClr val="DAFEA4"/>
+                <a:srgbClr val="FF9999"/>
               </a:gs>
-              <a:gs pos="35000">
-                <a:srgbClr val="E3FEBF"/>
+              <a:gs pos="50000">
+                <a:srgbClr val="FFCCCC"/>
               </a:gs>
               <a:gs pos="100000">
-                <a:srgbClr val="F4FEE6"/>
+                <a:srgbClr val="F8F8F8"/>
               </a:gs>
             </a:gsLst>
-            <a:lin ang="16198662" scaled="0"/>
+            <a:lin ang="16200000" scaled="1"/>
+            <a:tileRect/>
           </a:gradFill>
           <a:ln w="19050" cap="flat" cmpd="sng">
             <a:solidFill>
-              <a:srgbClr val="97B853"/>
+              <a:srgbClr val="FF9999"/>
             </a:solidFill>
             <a:prstDash val="solid"/>
             <a:round/>
@@ -7131,1167 +7513,6 @@
           </a:bodyPr>
           <a:lstStyle/>
           <a:p>
-            <a:pPr marL="0" marR="0" lvl="0" indent="0" algn="l" rtl="0">
-              <a:spcBef>
-                <a:spcPts val="0"/>
-              </a:spcBef>
-              <a:spcAft>
-                <a:spcPts val="0"/>
-              </a:spcAft>
-              <a:buNone/>
-            </a:pPr>
-            <a:r>
-              <a:rPr lang="en" sz="900">
-                <a:latin typeface="Calibri"/>
-                <a:ea typeface="Calibri"/>
-                <a:cs typeface="Calibri"/>
-                <a:sym typeface="Calibri"/>
-              </a:rPr>
-              <a:t>-writeData:WriteData</a:t>
-            </a:r>
-            <a:endParaRPr sz="900">
-              <a:latin typeface="Calibri"/>
-              <a:ea typeface="Calibri"/>
-              <a:cs typeface="Calibri"/>
-              <a:sym typeface="Calibri"/>
-            </a:endParaRPr>
-          </a:p>
-          <a:p>
-            <a:pPr marL="0" lvl="0" indent="0" algn="l" rtl="0">
-              <a:spcBef>
-                <a:spcPts val="0"/>
-              </a:spcBef>
-              <a:spcAft>
-                <a:spcPts val="0"/>
-              </a:spcAft>
-              <a:buNone/>
-            </a:pPr>
-            <a:r>
-              <a:rPr lang="en" sz="900">
-                <a:solidFill>
-                  <a:schemeClr val="dk1"/>
-                </a:solidFill>
-                <a:latin typeface="Calibri"/>
-                <a:ea typeface="Calibri"/>
-                <a:cs typeface="Calibri"/>
-                <a:sym typeface="Calibri"/>
-              </a:rPr>
-              <a:t>-loadData:LoadData</a:t>
-            </a:r>
-            <a:endParaRPr sz="900">
-              <a:latin typeface="Calibri"/>
-              <a:ea typeface="Calibri"/>
-              <a:cs typeface="Calibri"/>
-              <a:sym typeface="Calibri"/>
-            </a:endParaRPr>
-          </a:p>
-        </p:txBody>
-      </p:sp>
-      <p:sp>
-        <p:nvSpPr>
-          <p:cNvPr id="70" name="Google Shape;70;p14"/>
-          <p:cNvSpPr/>
-          <p:nvPr/>
-        </p:nvSpPr>
-        <p:spPr>
-          <a:xfrm>
-            <a:off x="184400" y="169125"/>
-            <a:ext cx="2028000" cy="410100"/>
-          </a:xfrm>
-          <a:prstGeom prst="rect">
-            <a:avLst/>
-          </a:prstGeom>
-          <a:gradFill>
-            <a:gsLst>
-              <a:gs pos="0">
-                <a:srgbClr val="DAFEA4"/>
-              </a:gs>
-              <a:gs pos="35000">
-                <a:srgbClr val="E3FEBF"/>
-              </a:gs>
-              <a:gs pos="100000">
-                <a:srgbClr val="F4FEE6"/>
-              </a:gs>
-            </a:gsLst>
-            <a:lin ang="16198662" scaled="0"/>
-          </a:gradFill>
-          <a:ln w="19050" cap="flat" cmpd="sng">
-            <a:solidFill>
-              <a:srgbClr val="97B853"/>
-            </a:solidFill>
-            <a:prstDash val="solid"/>
-            <a:round/>
-            <a:headEnd type="none" w="sm" len="sm"/>
-            <a:tailEnd type="none" w="sm" len="sm"/>
-          </a:ln>
-          <a:effectLst>
-            <a:outerShdw blurRad="40000" dist="20000" dir="5400000" rotWithShape="0">
-              <a:srgbClr val="000000">
-                <a:alpha val="37650"/>
-              </a:srgbClr>
-            </a:outerShdw>
-          </a:effectLst>
-        </p:spPr>
-        <p:txBody>
-          <a:bodyPr spcFirstLastPara="1" wrap="square" lIns="91425" tIns="45700" rIns="91425" bIns="45700" anchor="ctr" anchorCtr="0">
-            <a:noAutofit/>
-          </a:bodyPr>
-          <a:lstStyle/>
-          <a:p>
-            <a:pPr marL="0" marR="0" lvl="0" indent="0" algn="ctr" rtl="0">
-              <a:spcBef>
-                <a:spcPts val="0"/>
-              </a:spcBef>
-              <a:spcAft>
-                <a:spcPts val="0"/>
-              </a:spcAft>
-              <a:buNone/>
-            </a:pPr>
-            <a:r>
-              <a:rPr lang="en" sz="1300">
-                <a:latin typeface="Calibri"/>
-                <a:ea typeface="Calibri"/>
-                <a:cs typeface="Calibri"/>
-                <a:sym typeface="Calibri"/>
-              </a:rPr>
-              <a:t>Storage</a:t>
-            </a:r>
-            <a:endParaRPr sz="1300"/>
-          </a:p>
-        </p:txBody>
-      </p:sp>
-      <p:sp>
-        <p:nvSpPr>
-          <p:cNvPr id="71" name="Google Shape;71;p14"/>
-          <p:cNvSpPr/>
-          <p:nvPr/>
-        </p:nvSpPr>
-        <p:spPr>
-          <a:xfrm>
-            <a:off x="184400" y="1014724"/>
-            <a:ext cx="2028000" cy="715500"/>
-          </a:xfrm>
-          <a:prstGeom prst="rect">
-            <a:avLst/>
-          </a:prstGeom>
-          <a:gradFill>
-            <a:gsLst>
-              <a:gs pos="0">
-                <a:srgbClr val="DAFEA4"/>
-              </a:gs>
-              <a:gs pos="35000">
-                <a:srgbClr val="E3FEBF"/>
-              </a:gs>
-              <a:gs pos="100000">
-                <a:srgbClr val="F4FEE6"/>
-              </a:gs>
-            </a:gsLst>
-            <a:lin ang="16198662" scaled="0"/>
-          </a:gradFill>
-          <a:ln w="19050" cap="flat" cmpd="sng">
-            <a:solidFill>
-              <a:srgbClr val="97B853"/>
-            </a:solidFill>
-            <a:prstDash val="solid"/>
-            <a:round/>
-            <a:headEnd type="none" w="sm" len="sm"/>
-            <a:tailEnd type="none" w="sm" len="sm"/>
-          </a:ln>
-          <a:effectLst>
-            <a:outerShdw blurRad="40000" dist="20000" dir="5400000" rotWithShape="0">
-              <a:srgbClr val="000000">
-                <a:alpha val="37650"/>
-              </a:srgbClr>
-            </a:outerShdw>
-          </a:effectLst>
-        </p:spPr>
-        <p:txBody>
-          <a:bodyPr spcFirstLastPara="1" wrap="square" lIns="91425" tIns="45700" rIns="91425" bIns="45700" anchor="ctr" anchorCtr="0">
-            <a:noAutofit/>
-          </a:bodyPr>
-          <a:lstStyle/>
-          <a:p>
-            <a:pPr marL="0" lvl="0" indent="0" algn="l" rtl="0">
-              <a:spcBef>
-                <a:spcPts val="0"/>
-              </a:spcBef>
-              <a:spcAft>
-                <a:spcPts val="0"/>
-              </a:spcAft>
-              <a:buNone/>
-            </a:pPr>
-            <a:r>
-              <a:rPr lang="en" sz="900" dirty="0">
-                <a:solidFill>
-                  <a:schemeClr val="dk1"/>
-                </a:solidFill>
-                <a:latin typeface="Calibri"/>
-                <a:ea typeface="Calibri"/>
-                <a:cs typeface="Calibri"/>
-                <a:sym typeface="Calibri"/>
-              </a:rPr>
-              <a:t>+saveAll(shoppingList:ShoppingList, budget:Budget)</a:t>
-            </a:r>
-            <a:endParaRPr sz="900" dirty="0">
-              <a:solidFill>
-                <a:schemeClr val="dk1"/>
-              </a:solidFill>
-              <a:latin typeface="Calibri"/>
-              <a:ea typeface="Calibri"/>
-              <a:cs typeface="Calibri"/>
-              <a:sym typeface="Calibri"/>
-            </a:endParaRPr>
-          </a:p>
-          <a:p>
-            <a:pPr marL="0" lvl="0" indent="0" algn="l" rtl="0">
-              <a:spcBef>
-                <a:spcPts val="0"/>
-              </a:spcBef>
-              <a:spcAft>
-                <a:spcPts val="0"/>
-              </a:spcAft>
-              <a:buNone/>
-            </a:pPr>
-            <a:r>
-              <a:rPr lang="en" sz="900" dirty="0">
-                <a:solidFill>
-                  <a:schemeClr val="dk1"/>
-                </a:solidFill>
-                <a:latin typeface="Calibri"/>
-                <a:ea typeface="Calibri"/>
-                <a:cs typeface="Calibri"/>
-                <a:sym typeface="Calibri"/>
-              </a:rPr>
-              <a:t>+loadShoppingList():ShoppingList</a:t>
-            </a:r>
-            <a:endParaRPr sz="900" dirty="0">
-              <a:solidFill>
-                <a:schemeClr val="dk1"/>
-              </a:solidFill>
-              <a:latin typeface="Calibri"/>
-              <a:ea typeface="Calibri"/>
-              <a:cs typeface="Calibri"/>
-              <a:sym typeface="Calibri"/>
-            </a:endParaRPr>
-          </a:p>
-          <a:p>
-            <a:pPr marL="0" lvl="0" indent="0" algn="l" rtl="0">
-              <a:spcBef>
-                <a:spcPts val="0"/>
-              </a:spcBef>
-              <a:spcAft>
-                <a:spcPts val="0"/>
-              </a:spcAft>
-              <a:buClr>
-                <a:schemeClr val="dk1"/>
-              </a:buClr>
-              <a:buFont typeface="Arial"/>
-              <a:buNone/>
-            </a:pPr>
-            <a:r>
-              <a:rPr lang="en" sz="900" dirty="0">
-                <a:solidFill>
-                  <a:schemeClr val="dk1"/>
-                </a:solidFill>
-                <a:latin typeface="Calibri"/>
-                <a:ea typeface="Calibri"/>
-                <a:cs typeface="Calibri"/>
-                <a:sym typeface="Calibri"/>
-              </a:rPr>
-              <a:t>+loadBudget():Budget</a:t>
-            </a:r>
-            <a:endParaRPr sz="900" dirty="0">
-              <a:solidFill>
-                <a:schemeClr val="dk1"/>
-              </a:solidFill>
-              <a:latin typeface="Calibri"/>
-              <a:ea typeface="Calibri"/>
-              <a:cs typeface="Calibri"/>
-              <a:sym typeface="Calibri"/>
-            </a:endParaRPr>
-          </a:p>
-        </p:txBody>
-      </p:sp>
-      <p:sp>
-        <p:nvSpPr>
-          <p:cNvPr id="73" name="Google Shape;73;p14"/>
-          <p:cNvSpPr txBox="1"/>
-          <p:nvPr/>
-        </p:nvSpPr>
-        <p:spPr>
-          <a:xfrm>
-            <a:off x="3217350" y="2960500"/>
-            <a:ext cx="348000" cy="450000"/>
-          </a:xfrm>
-          <a:prstGeom prst="rect">
-            <a:avLst/>
-          </a:prstGeom>
-          <a:noFill/>
-          <a:ln>
-            <a:noFill/>
-          </a:ln>
-        </p:spPr>
-        <p:txBody>
-          <a:bodyPr spcFirstLastPara="1" wrap="square" lIns="91425" tIns="45700" rIns="91425" bIns="45700" anchor="t" anchorCtr="0">
-            <a:noAutofit/>
-          </a:bodyPr>
-          <a:lstStyle/>
-          <a:p>
-            <a:pPr marL="0" marR="0" lvl="0" indent="0" algn="l" rtl="0">
-              <a:spcBef>
-                <a:spcPts val="0"/>
-              </a:spcBef>
-              <a:spcAft>
-                <a:spcPts val="0"/>
-              </a:spcAft>
-              <a:buNone/>
-            </a:pPr>
-            <a:r>
-              <a:rPr lang="en" sz="1300" b="0" i="0" u="none" strike="noStrike" cap="none">
-                <a:solidFill>
-                  <a:srgbClr val="000000"/>
-                </a:solidFill>
-                <a:latin typeface="Calibri"/>
-                <a:ea typeface="Calibri"/>
-                <a:cs typeface="Calibri"/>
-                <a:sym typeface="Calibri"/>
-              </a:rPr>
-              <a:t>1</a:t>
-            </a:r>
-            <a:endParaRPr sz="1300" b="0" i="0" u="none" strike="noStrike" cap="none">
-              <a:solidFill>
-                <a:srgbClr val="000000"/>
-              </a:solidFill>
-              <a:latin typeface="Calibri"/>
-              <a:ea typeface="Calibri"/>
-              <a:cs typeface="Calibri"/>
-              <a:sym typeface="Calibri"/>
-            </a:endParaRPr>
-          </a:p>
-        </p:txBody>
-      </p:sp>
-      <p:sp>
-        <p:nvSpPr>
-          <p:cNvPr id="74" name="Google Shape;74;p14"/>
-          <p:cNvSpPr txBox="1"/>
-          <p:nvPr/>
-        </p:nvSpPr>
-        <p:spPr>
-          <a:xfrm>
-            <a:off x="3562950" y="2957125"/>
-            <a:ext cx="793800" cy="300000"/>
-          </a:xfrm>
-          <a:prstGeom prst="rect">
-            <a:avLst/>
-          </a:prstGeom>
-          <a:noFill/>
-          <a:ln>
-            <a:noFill/>
-          </a:ln>
-        </p:spPr>
-        <p:txBody>
-          <a:bodyPr spcFirstLastPara="1" wrap="square" lIns="91425" tIns="45700" rIns="91425" bIns="45700" anchor="t" anchorCtr="0">
-            <a:noAutofit/>
-          </a:bodyPr>
-          <a:lstStyle/>
-          <a:p>
-            <a:pPr marL="0" marR="0" lvl="0" indent="0" algn="l" rtl="0">
-              <a:spcBef>
-                <a:spcPts val="0"/>
-              </a:spcBef>
-              <a:spcAft>
-                <a:spcPts val="0"/>
-              </a:spcAft>
-              <a:buNone/>
-            </a:pPr>
-            <a:r>
-              <a:rPr lang="en" sz="1300">
-                <a:latin typeface="Calibri"/>
-                <a:ea typeface="Calibri"/>
-                <a:cs typeface="Calibri"/>
-                <a:sym typeface="Calibri"/>
-              </a:rPr>
-              <a:t>items</a:t>
-            </a:r>
-            <a:endParaRPr sz="1300" b="0" i="0" u="none" strike="noStrike" cap="none">
-              <a:solidFill>
-                <a:srgbClr val="000000"/>
-              </a:solidFill>
-              <a:latin typeface="Calibri"/>
-              <a:ea typeface="Calibri"/>
-              <a:cs typeface="Calibri"/>
-              <a:sym typeface="Calibri"/>
-            </a:endParaRPr>
-          </a:p>
-        </p:txBody>
-      </p:sp>
-      <p:sp>
-        <p:nvSpPr>
-          <p:cNvPr id="75" name="Google Shape;75;p14"/>
-          <p:cNvSpPr txBox="1"/>
-          <p:nvPr/>
-        </p:nvSpPr>
-        <p:spPr>
-          <a:xfrm>
-            <a:off x="4125750" y="604350"/>
-            <a:ext cx="319200" cy="339600"/>
-          </a:xfrm>
-          <a:prstGeom prst="rect">
-            <a:avLst/>
-          </a:prstGeom>
-          <a:noFill/>
-          <a:ln>
-            <a:noFill/>
-          </a:ln>
-        </p:spPr>
-        <p:txBody>
-          <a:bodyPr spcFirstLastPara="1" wrap="square" lIns="91425" tIns="45700" rIns="91425" bIns="45700" anchor="t" anchorCtr="0">
-            <a:noAutofit/>
-          </a:bodyPr>
-          <a:lstStyle/>
-          <a:p>
-            <a:pPr marL="0" marR="0" lvl="0" indent="0" algn="l" rtl="0">
-              <a:spcBef>
-                <a:spcPts val="0"/>
-              </a:spcBef>
-              <a:spcAft>
-                <a:spcPts val="0"/>
-              </a:spcAft>
-              <a:buNone/>
-            </a:pPr>
-            <a:r>
-              <a:rPr lang="en" sz="1300" b="0" i="0" u="none" strike="noStrike" cap="none">
-                <a:solidFill>
-                  <a:srgbClr val="000000"/>
-                </a:solidFill>
-                <a:latin typeface="Calibri"/>
-                <a:ea typeface="Calibri"/>
-                <a:cs typeface="Calibri"/>
-                <a:sym typeface="Calibri"/>
-              </a:rPr>
-              <a:t>1</a:t>
-            </a:r>
-            <a:endParaRPr sz="1300" b="0" i="0" u="none" strike="noStrike" cap="none">
-              <a:solidFill>
-                <a:srgbClr val="000000"/>
-              </a:solidFill>
-              <a:latin typeface="Calibri"/>
-              <a:ea typeface="Calibri"/>
-              <a:cs typeface="Calibri"/>
-              <a:sym typeface="Calibri"/>
-            </a:endParaRPr>
-          </a:p>
-        </p:txBody>
-      </p:sp>
-      <p:sp>
-        <p:nvSpPr>
-          <p:cNvPr id="76" name="Google Shape;76;p14"/>
-          <p:cNvSpPr txBox="1"/>
-          <p:nvPr/>
-        </p:nvSpPr>
-        <p:spPr>
-          <a:xfrm>
-            <a:off x="3611437" y="579225"/>
-            <a:ext cx="424800" cy="300000"/>
-          </a:xfrm>
-          <a:prstGeom prst="rect">
-            <a:avLst/>
-          </a:prstGeom>
-          <a:noFill/>
-          <a:ln>
-            <a:noFill/>
-          </a:ln>
-        </p:spPr>
-        <p:txBody>
-          <a:bodyPr spcFirstLastPara="1" wrap="square" lIns="91425" tIns="45700" rIns="91425" bIns="45700" anchor="t" anchorCtr="0">
-            <a:noAutofit/>
-          </a:bodyPr>
-          <a:lstStyle/>
-          <a:p>
-            <a:pPr marL="0" marR="0" lvl="0" indent="0" algn="l" rtl="0">
-              <a:spcBef>
-                <a:spcPts val="0"/>
-              </a:spcBef>
-              <a:spcAft>
-                <a:spcPts val="0"/>
-              </a:spcAft>
-              <a:buNone/>
-            </a:pPr>
-            <a:r>
-              <a:rPr lang="en" sz="1300">
-                <a:latin typeface="Calibri"/>
-                <a:ea typeface="Calibri"/>
-                <a:cs typeface="Calibri"/>
-                <a:sym typeface="Calibri"/>
-              </a:rPr>
-              <a:t>ui</a:t>
-            </a:r>
-            <a:endParaRPr sz="1300" b="0" i="0" u="none" strike="noStrike" cap="none">
-              <a:solidFill>
-                <a:srgbClr val="000000"/>
-              </a:solidFill>
-              <a:latin typeface="Calibri"/>
-              <a:ea typeface="Calibri"/>
-              <a:cs typeface="Calibri"/>
-              <a:sym typeface="Calibri"/>
-            </a:endParaRPr>
-          </a:p>
-        </p:txBody>
-      </p:sp>
-      <p:sp>
-        <p:nvSpPr>
-          <p:cNvPr id="77" name="Google Shape;77;p14"/>
-          <p:cNvSpPr txBox="1"/>
-          <p:nvPr/>
-        </p:nvSpPr>
-        <p:spPr>
-          <a:xfrm>
-            <a:off x="2328225" y="767725"/>
-            <a:ext cx="348000" cy="339600"/>
-          </a:xfrm>
-          <a:prstGeom prst="rect">
-            <a:avLst/>
-          </a:prstGeom>
-          <a:noFill/>
-          <a:ln>
-            <a:noFill/>
-          </a:ln>
-        </p:spPr>
-        <p:txBody>
-          <a:bodyPr spcFirstLastPara="1" wrap="square" lIns="91425" tIns="45700" rIns="91425" bIns="45700" anchor="t" anchorCtr="0">
-            <a:noAutofit/>
-          </a:bodyPr>
-          <a:lstStyle/>
-          <a:p>
-            <a:pPr marL="0" marR="0" lvl="0" indent="0" algn="l" rtl="0">
-              <a:spcBef>
-                <a:spcPts val="0"/>
-              </a:spcBef>
-              <a:spcAft>
-                <a:spcPts val="0"/>
-              </a:spcAft>
-              <a:buNone/>
-            </a:pPr>
-            <a:r>
-              <a:rPr lang="en" sz="1300" b="0" i="0" u="none" strike="noStrike" cap="none">
-                <a:solidFill>
-                  <a:srgbClr val="000000"/>
-                </a:solidFill>
-                <a:latin typeface="Calibri"/>
-                <a:ea typeface="Calibri"/>
-                <a:cs typeface="Calibri"/>
-                <a:sym typeface="Calibri"/>
-              </a:rPr>
-              <a:t>1</a:t>
-            </a:r>
-            <a:endParaRPr sz="1300" b="0" i="0" u="none" strike="noStrike" cap="none">
-              <a:solidFill>
-                <a:srgbClr val="000000"/>
-              </a:solidFill>
-              <a:latin typeface="Calibri"/>
-              <a:ea typeface="Calibri"/>
-              <a:cs typeface="Calibri"/>
-              <a:sym typeface="Calibri"/>
-            </a:endParaRPr>
-          </a:p>
-        </p:txBody>
-      </p:sp>
-      <p:sp>
-        <p:nvSpPr>
-          <p:cNvPr id="78" name="Google Shape;78;p14"/>
-          <p:cNvSpPr/>
-          <p:nvPr/>
-        </p:nvSpPr>
-        <p:spPr>
-          <a:xfrm>
-            <a:off x="4885832" y="4208974"/>
-            <a:ext cx="2525700" cy="464600"/>
-          </a:xfrm>
-          <a:prstGeom prst="rect">
-            <a:avLst/>
-          </a:prstGeom>
-          <a:gradFill>
-            <a:gsLst>
-              <a:gs pos="0">
-                <a:srgbClr val="DAFEA4"/>
-              </a:gs>
-              <a:gs pos="35000">
-                <a:srgbClr val="E3FEBF"/>
-              </a:gs>
-              <a:gs pos="100000">
-                <a:srgbClr val="F4FEE6"/>
-              </a:gs>
-            </a:gsLst>
-            <a:lin ang="16198662" scaled="0"/>
-          </a:gradFill>
-          <a:ln w="19050" cap="flat" cmpd="sng">
-            <a:solidFill>
-              <a:srgbClr val="97B853"/>
-            </a:solidFill>
-            <a:prstDash val="solid"/>
-            <a:round/>
-            <a:headEnd type="none" w="sm" len="sm"/>
-            <a:tailEnd type="none" w="sm" len="sm"/>
-          </a:ln>
-          <a:effectLst>
-            <a:outerShdw blurRad="40000" dist="20000" dir="5400000" rotWithShape="0">
-              <a:srgbClr val="000000">
-                <a:alpha val="37650"/>
-              </a:srgbClr>
-            </a:outerShdw>
-          </a:effectLst>
-        </p:spPr>
-        <p:txBody>
-          <a:bodyPr spcFirstLastPara="1" wrap="square" lIns="91425" tIns="45700" rIns="91425" bIns="45700" anchor="ctr" anchorCtr="0">
-            <a:noAutofit/>
-          </a:bodyPr>
-          <a:lstStyle/>
-          <a:p>
-            <a:pPr marL="0" marR="0" lvl="0" indent="0" algn="l" rtl="0">
-              <a:spcBef>
-                <a:spcPts val="0"/>
-              </a:spcBef>
-              <a:spcAft>
-                <a:spcPts val="0"/>
-              </a:spcAft>
-              <a:buNone/>
-            </a:pPr>
-            <a:r>
-              <a:rPr lang="en" sz="900" dirty="0">
-                <a:latin typeface="Calibri"/>
-                <a:ea typeface="Calibri"/>
-                <a:cs typeface="Calibri"/>
-                <a:sym typeface="Calibri"/>
-              </a:rPr>
-              <a:t>+parseCommand(userInput:String):Command</a:t>
-            </a:r>
-            <a:endParaRPr sz="900" dirty="0">
-              <a:latin typeface="Calibri"/>
-              <a:ea typeface="Calibri"/>
-              <a:cs typeface="Calibri"/>
-              <a:sym typeface="Calibri"/>
-            </a:endParaRPr>
-          </a:p>
-          <a:p>
-            <a:pPr marL="0" marR="0" lvl="0" indent="0" algn="l" rtl="0">
-              <a:spcBef>
-                <a:spcPts val="0"/>
-              </a:spcBef>
-              <a:spcAft>
-                <a:spcPts val="0"/>
-              </a:spcAft>
-              <a:buNone/>
-            </a:pPr>
-            <a:r>
-              <a:rPr lang="en" sz="900" dirty="0">
-                <a:latin typeface="Calibri"/>
-                <a:ea typeface="Calibri"/>
-                <a:cs typeface="Calibri"/>
-                <a:sym typeface="Calibri"/>
-              </a:rPr>
-              <a:t>-splitCommandAndArgs(userInput:String):String[]</a:t>
-            </a:r>
-            <a:endParaRPr sz="900" dirty="0">
-              <a:latin typeface="Calibri"/>
-              <a:ea typeface="Calibri"/>
-              <a:cs typeface="Calibri"/>
-              <a:sym typeface="Calibri"/>
-            </a:endParaRPr>
-          </a:p>
-        </p:txBody>
-      </p:sp>
-      <p:sp>
-        <p:nvSpPr>
-          <p:cNvPr id="79" name="Google Shape;79;p14"/>
-          <p:cNvSpPr txBox="1"/>
-          <p:nvPr/>
-        </p:nvSpPr>
-        <p:spPr>
-          <a:xfrm>
-            <a:off x="1967548" y="482400"/>
-            <a:ext cx="1071300" cy="300000"/>
-          </a:xfrm>
-          <a:prstGeom prst="rect">
-            <a:avLst/>
-          </a:prstGeom>
-          <a:noFill/>
-          <a:ln>
-            <a:noFill/>
-          </a:ln>
-        </p:spPr>
-        <p:txBody>
-          <a:bodyPr spcFirstLastPara="1" wrap="square" lIns="91425" tIns="45700" rIns="91425" bIns="45700" anchor="t" anchorCtr="0">
-            <a:noAutofit/>
-          </a:bodyPr>
-          <a:lstStyle/>
-          <a:p>
-            <a:pPr marL="0" marR="0" lvl="0" indent="0" algn="ctr" rtl="0">
-              <a:spcBef>
-                <a:spcPts val="0"/>
-              </a:spcBef>
-              <a:spcAft>
-                <a:spcPts val="0"/>
-              </a:spcAft>
-              <a:buNone/>
-            </a:pPr>
-            <a:r>
-              <a:rPr lang="en" sz="1300">
-                <a:latin typeface="Calibri"/>
-                <a:ea typeface="Calibri"/>
-                <a:cs typeface="Calibri"/>
-                <a:sym typeface="Calibri"/>
-              </a:rPr>
-              <a:t>storage</a:t>
-            </a:r>
-            <a:endParaRPr sz="1300" b="0" i="0" u="none" strike="noStrike" cap="none">
-              <a:solidFill>
-                <a:srgbClr val="000000"/>
-              </a:solidFill>
-              <a:latin typeface="Calibri"/>
-              <a:ea typeface="Calibri"/>
-              <a:cs typeface="Calibri"/>
-              <a:sym typeface="Calibri"/>
-            </a:endParaRPr>
-          </a:p>
-        </p:txBody>
-      </p:sp>
-      <p:sp>
-        <p:nvSpPr>
-          <p:cNvPr id="80" name="Google Shape;80;p14"/>
-          <p:cNvSpPr/>
-          <p:nvPr/>
-        </p:nvSpPr>
-        <p:spPr>
-          <a:xfrm>
-            <a:off x="429050" y="3370300"/>
-            <a:ext cx="1699200" cy="1602600"/>
-          </a:xfrm>
-          <a:prstGeom prst="rect">
-            <a:avLst/>
-          </a:prstGeom>
-          <a:gradFill>
-            <a:gsLst>
-              <a:gs pos="0">
-                <a:srgbClr val="9FC3FF"/>
-              </a:gs>
-              <a:gs pos="35000">
-                <a:srgbClr val="BDD5FF"/>
-              </a:gs>
-              <a:gs pos="100000">
-                <a:srgbClr val="E4EEFF"/>
-              </a:gs>
-            </a:gsLst>
-            <a:lin ang="16198662" scaled="0"/>
-          </a:gradFill>
-          <a:ln w="19050" cap="flat" cmpd="sng">
-            <a:solidFill>
-              <a:srgbClr val="9FC3FF"/>
-            </a:solidFill>
-            <a:prstDash val="solid"/>
-            <a:round/>
-            <a:headEnd type="none" w="sm" len="sm"/>
-            <a:tailEnd type="none" w="sm" len="sm"/>
-          </a:ln>
-          <a:effectLst>
-            <a:outerShdw blurRad="40000" dist="20000" dir="5400000" rotWithShape="0">
-              <a:srgbClr val="000000">
-                <a:alpha val="37650"/>
-              </a:srgbClr>
-            </a:outerShdw>
-          </a:effectLst>
-        </p:spPr>
-        <p:txBody>
-          <a:bodyPr spcFirstLastPara="1" wrap="square" lIns="91425" tIns="45700" rIns="91425" bIns="45700" anchor="ctr" anchorCtr="0">
-            <a:noAutofit/>
-          </a:bodyPr>
-          <a:lstStyle/>
-          <a:p>
-            <a:pPr marL="0" marR="0" lvl="0" indent="0" algn="l" rtl="0">
-              <a:spcBef>
-                <a:spcPts val="0"/>
-              </a:spcBef>
-              <a:spcAft>
-                <a:spcPts val="0"/>
-              </a:spcAft>
-              <a:buNone/>
-            </a:pPr>
-            <a:br>
-              <a:rPr lang="en" sz="900" dirty="0">
-                <a:latin typeface="Calibri"/>
-                <a:ea typeface="Calibri"/>
-                <a:cs typeface="Calibri"/>
-                <a:sym typeface="Calibri"/>
-              </a:rPr>
-            </a:br>
-            <a:r>
-              <a:rPr lang="en" sz="900" dirty="0">
-                <a:latin typeface="Calibri"/>
-                <a:ea typeface="Calibri"/>
-                <a:cs typeface="Calibri"/>
-                <a:sym typeface="Calibri"/>
-              </a:rPr>
-              <a:t>+Item(String,double,int)</a:t>
-            </a:r>
-            <a:endParaRPr sz="900" dirty="0">
-              <a:latin typeface="Calibri"/>
-              <a:ea typeface="Calibri"/>
-              <a:cs typeface="Calibri"/>
-              <a:sym typeface="Calibri"/>
-            </a:endParaRPr>
-          </a:p>
-          <a:p>
-            <a:pPr marL="0" marR="0" lvl="0" indent="0" algn="l" rtl="0">
-              <a:spcBef>
-                <a:spcPts val="0"/>
-              </a:spcBef>
-              <a:spcAft>
-                <a:spcPts val="0"/>
-              </a:spcAft>
-              <a:buNone/>
-            </a:pPr>
-            <a:r>
-              <a:rPr lang="en" sz="900" dirty="0">
-                <a:latin typeface="Calibri"/>
-                <a:ea typeface="Calibri"/>
-                <a:cs typeface="Calibri"/>
-                <a:sym typeface="Calibri"/>
-              </a:rPr>
-              <a:t>+getQuantity():int</a:t>
-            </a:r>
-            <a:endParaRPr sz="900" dirty="0">
-              <a:latin typeface="Calibri"/>
-              <a:ea typeface="Calibri"/>
-              <a:cs typeface="Calibri"/>
-              <a:sym typeface="Calibri"/>
-            </a:endParaRPr>
-          </a:p>
-          <a:p>
-            <a:pPr marL="0" marR="0" lvl="0" indent="0" algn="l" rtl="0">
-              <a:spcBef>
-                <a:spcPts val="0"/>
-              </a:spcBef>
-              <a:spcAft>
-                <a:spcPts val="0"/>
-              </a:spcAft>
-              <a:buNone/>
-            </a:pPr>
-            <a:r>
-              <a:rPr lang="en" sz="900" dirty="0">
-                <a:latin typeface="Calibri"/>
-                <a:ea typeface="Calibri"/>
-                <a:cs typeface="Calibri"/>
-                <a:sym typeface="Calibri"/>
-              </a:rPr>
-              <a:t>+setQuantity()</a:t>
-            </a:r>
-            <a:endParaRPr sz="900" dirty="0">
-              <a:latin typeface="Calibri"/>
-              <a:ea typeface="Calibri"/>
-              <a:cs typeface="Calibri"/>
-              <a:sym typeface="Calibri"/>
-            </a:endParaRPr>
-          </a:p>
-          <a:p>
-            <a:pPr marL="0" lvl="0" indent="0" algn="l" rtl="0">
-              <a:spcBef>
-                <a:spcPts val="0"/>
-              </a:spcBef>
-              <a:spcAft>
-                <a:spcPts val="0"/>
-              </a:spcAft>
-              <a:buClr>
-                <a:schemeClr val="dk1"/>
-              </a:buClr>
-              <a:buFont typeface="Arial"/>
-              <a:buNone/>
-            </a:pPr>
-            <a:r>
-              <a:rPr lang="en" sz="900" dirty="0">
-                <a:solidFill>
-                  <a:schemeClr val="dk1"/>
-                </a:solidFill>
-                <a:latin typeface="Calibri"/>
-                <a:ea typeface="Calibri"/>
-                <a:cs typeface="Calibri"/>
-                <a:sym typeface="Calibri"/>
-              </a:rPr>
-              <a:t>+getPrice():double</a:t>
-            </a:r>
-            <a:endParaRPr sz="900" dirty="0">
-              <a:latin typeface="Calibri"/>
-              <a:ea typeface="Calibri"/>
-              <a:cs typeface="Calibri"/>
-              <a:sym typeface="Calibri"/>
-            </a:endParaRPr>
-          </a:p>
-          <a:p>
-            <a:pPr marL="0" marR="0" lvl="0" indent="0" algn="l" rtl="0">
-              <a:spcBef>
-                <a:spcPts val="0"/>
-              </a:spcBef>
-              <a:spcAft>
-                <a:spcPts val="0"/>
-              </a:spcAft>
-              <a:buNone/>
-            </a:pPr>
-            <a:r>
-              <a:rPr lang="en" sz="900" dirty="0">
-                <a:latin typeface="Calibri"/>
-                <a:ea typeface="Calibri"/>
-                <a:cs typeface="Calibri"/>
-                <a:sym typeface="Calibri"/>
-              </a:rPr>
-              <a:t>+setPrice(double): </a:t>
-            </a:r>
-            <a:endParaRPr sz="900" dirty="0">
-              <a:latin typeface="Calibri"/>
-              <a:ea typeface="Calibri"/>
-              <a:cs typeface="Calibri"/>
-              <a:sym typeface="Calibri"/>
-            </a:endParaRPr>
-          </a:p>
-          <a:p>
-            <a:pPr marL="0" lvl="0" indent="0" algn="l" rtl="0">
-              <a:spcBef>
-                <a:spcPts val="0"/>
-              </a:spcBef>
-              <a:spcAft>
-                <a:spcPts val="0"/>
-              </a:spcAft>
-              <a:buClr>
-                <a:schemeClr val="dk1"/>
-              </a:buClr>
-              <a:buFont typeface="Arial"/>
-              <a:buNone/>
-            </a:pPr>
-            <a:r>
-              <a:rPr lang="en" sz="900" dirty="0">
-                <a:solidFill>
-                  <a:schemeClr val="dk1"/>
-                </a:solidFill>
-                <a:latin typeface="Calibri"/>
-                <a:ea typeface="Calibri"/>
-                <a:cs typeface="Calibri"/>
-                <a:sym typeface="Calibri"/>
-              </a:rPr>
-              <a:t>+getDescription():String</a:t>
-            </a:r>
-            <a:endParaRPr sz="900" dirty="0">
-              <a:latin typeface="Calibri"/>
-              <a:ea typeface="Calibri"/>
-              <a:cs typeface="Calibri"/>
-              <a:sym typeface="Calibri"/>
-            </a:endParaRPr>
-          </a:p>
-          <a:p>
-            <a:pPr marL="0" marR="0" lvl="0" indent="0" algn="l" rtl="0">
-              <a:spcBef>
-                <a:spcPts val="0"/>
-              </a:spcBef>
-              <a:spcAft>
-                <a:spcPts val="0"/>
-              </a:spcAft>
-              <a:buNone/>
-            </a:pPr>
-            <a:r>
-              <a:rPr lang="en" sz="900" dirty="0">
-                <a:latin typeface="Calibri"/>
-                <a:ea typeface="Calibri"/>
-                <a:cs typeface="Calibri"/>
-                <a:sym typeface="Calibri"/>
-              </a:rPr>
-              <a:t>+setDescription(String): </a:t>
-            </a:r>
-            <a:endParaRPr sz="900" dirty="0">
-              <a:latin typeface="Calibri"/>
-              <a:ea typeface="Calibri"/>
-              <a:cs typeface="Calibri"/>
-              <a:sym typeface="Calibri"/>
-            </a:endParaRPr>
-          </a:p>
-          <a:p>
-            <a:pPr marL="0" marR="0" lvl="0" indent="0" algn="l" rtl="0">
-              <a:spcBef>
-                <a:spcPts val="0"/>
-              </a:spcBef>
-              <a:spcAft>
-                <a:spcPts val="0"/>
-              </a:spcAft>
-              <a:buNone/>
-            </a:pPr>
-            <a:r>
-              <a:rPr lang="en" sz="900" dirty="0">
-                <a:latin typeface="Calibri"/>
-                <a:ea typeface="Calibri"/>
-                <a:cs typeface="Calibri"/>
-                <a:sym typeface="Calibri"/>
-              </a:rPr>
-              <a:t>+getStatusIcon():String</a:t>
-            </a:r>
-            <a:endParaRPr sz="900" dirty="0">
-              <a:latin typeface="Calibri"/>
-              <a:ea typeface="Calibri"/>
-              <a:cs typeface="Calibri"/>
-              <a:sym typeface="Calibri"/>
-            </a:endParaRPr>
-          </a:p>
-          <a:p>
-            <a:pPr marL="0" marR="0" lvl="0" indent="0" algn="l" rtl="0">
-              <a:spcBef>
-                <a:spcPts val="0"/>
-              </a:spcBef>
-              <a:spcAft>
-                <a:spcPts val="0"/>
-              </a:spcAft>
-              <a:buNone/>
-            </a:pPr>
-            <a:r>
-              <a:rPr lang="en" sz="900" dirty="0">
-                <a:latin typeface="Calibri"/>
-                <a:ea typeface="Calibri"/>
-                <a:cs typeface="Calibri"/>
-                <a:sym typeface="Calibri"/>
-              </a:rPr>
-              <a:t>+markAsBought()</a:t>
-            </a:r>
-            <a:endParaRPr sz="900" dirty="0">
-              <a:latin typeface="Calibri"/>
-              <a:ea typeface="Calibri"/>
-              <a:cs typeface="Calibri"/>
-              <a:sym typeface="Calibri"/>
-            </a:endParaRPr>
-          </a:p>
-          <a:p>
-            <a:pPr marL="0" marR="0" lvl="0" indent="0" algn="l" rtl="0">
-              <a:spcBef>
-                <a:spcPts val="0"/>
-              </a:spcBef>
-              <a:spcAft>
-                <a:spcPts val="0"/>
-              </a:spcAft>
-              <a:buNone/>
-            </a:pPr>
-            <a:r>
-              <a:rPr lang="en" sz="900" dirty="0">
-                <a:latin typeface="Calibri"/>
-                <a:ea typeface="Calibri"/>
-                <a:cs typeface="Calibri"/>
-                <a:sym typeface="Calibri"/>
-              </a:rPr>
-              <a:t>+unmarkAsBought()</a:t>
-            </a:r>
-            <a:endParaRPr sz="900" dirty="0">
-              <a:latin typeface="Calibri"/>
-              <a:ea typeface="Calibri"/>
-              <a:cs typeface="Calibri"/>
-              <a:sym typeface="Calibri"/>
-            </a:endParaRPr>
-          </a:p>
-          <a:p>
-            <a:pPr marL="0" marR="0" lvl="0" indent="0" algn="l" rtl="0">
-              <a:spcBef>
-                <a:spcPts val="0"/>
-              </a:spcBef>
-              <a:spcAft>
-                <a:spcPts val="0"/>
-              </a:spcAft>
-              <a:buNone/>
-            </a:pPr>
-            <a:r>
-              <a:rPr lang="en" sz="900" dirty="0">
-                <a:latin typeface="Calibri"/>
-                <a:ea typeface="Calibri"/>
-                <a:cs typeface="Calibri"/>
-                <a:sym typeface="Calibri"/>
-              </a:rPr>
-              <a:t>+ toString() : String</a:t>
-            </a:r>
-            <a:endParaRPr sz="900" dirty="0">
-              <a:latin typeface="Calibri"/>
-              <a:ea typeface="Calibri"/>
-              <a:cs typeface="Calibri"/>
-              <a:sym typeface="Calibri"/>
-            </a:endParaRPr>
-          </a:p>
-          <a:p>
-            <a:pPr marL="0" marR="0" lvl="0" indent="0" algn="l" rtl="0">
-              <a:spcBef>
-                <a:spcPts val="0"/>
-              </a:spcBef>
-              <a:spcAft>
-                <a:spcPts val="0"/>
-              </a:spcAft>
-              <a:buNone/>
-            </a:pPr>
-            <a:endParaRPr sz="900" dirty="0">
-              <a:latin typeface="Calibri"/>
-              <a:ea typeface="Calibri"/>
-              <a:cs typeface="Calibri"/>
-              <a:sym typeface="Calibri"/>
-            </a:endParaRPr>
-          </a:p>
-        </p:txBody>
-      </p:sp>
-      <p:sp>
-        <p:nvSpPr>
-          <p:cNvPr id="81" name="Google Shape;81;p14"/>
-          <p:cNvSpPr/>
-          <p:nvPr/>
-        </p:nvSpPr>
-        <p:spPr>
-          <a:xfrm>
-            <a:off x="3389850" y="2073816"/>
-            <a:ext cx="2364300" cy="644400"/>
-          </a:xfrm>
-          <a:prstGeom prst="rect">
-            <a:avLst/>
-          </a:prstGeom>
-          <a:gradFill>
-            <a:gsLst>
-              <a:gs pos="0">
-                <a:srgbClr val="FFBB82"/>
-              </a:gs>
-              <a:gs pos="35000">
-                <a:srgbClr val="FFCFA8"/>
-              </a:gs>
-              <a:gs pos="100000">
-                <a:srgbClr val="FFEBD9"/>
-              </a:gs>
-            </a:gsLst>
-            <a:lin ang="16200038" scaled="0"/>
-          </a:gradFill>
-          <a:ln w="19050" cap="flat" cmpd="sng">
-            <a:solidFill>
-              <a:srgbClr val="F5913F"/>
-            </a:solidFill>
-            <a:prstDash val="solid"/>
-            <a:round/>
-            <a:headEnd type="none" w="sm" len="sm"/>
-            <a:tailEnd type="none" w="sm" len="sm"/>
-          </a:ln>
-          <a:effectLst>
-            <a:outerShdw blurRad="40000" dist="20000" dir="5400000" rotWithShape="0">
-              <a:srgbClr val="000000">
-                <a:alpha val="37650"/>
-              </a:srgbClr>
-            </a:outerShdw>
-          </a:effectLst>
-        </p:spPr>
-        <p:txBody>
-          <a:bodyPr spcFirstLastPara="1" wrap="square" lIns="91425" tIns="45700" rIns="91425" bIns="45700" anchor="ctr" anchorCtr="0">
-            <a:noAutofit/>
-          </a:bodyPr>
-          <a:lstStyle/>
-          <a:p>
-            <a:pPr marL="0" marR="0" lvl="0" indent="0" algn="l" rtl="0">
-              <a:spcBef>
-                <a:spcPts val="0"/>
-              </a:spcBef>
-              <a:spcAft>
-                <a:spcPts val="0"/>
-              </a:spcAft>
-              <a:buNone/>
-            </a:pPr>
             <a:r>
               <a:rPr lang="en" sz="900" dirty="0">
                 <a:latin typeface="Calibri"/>
@@ -8309,15 +7530,6 @@
             </a:endParaRPr>
           </a:p>
           <a:p>
-            <a:pPr marL="0" marR="0" lvl="0" indent="0" algn="l" rtl="0">
-              <a:spcBef>
-                <a:spcPts val="0"/>
-              </a:spcBef>
-              <a:spcAft>
-                <a:spcPts val="0"/>
-              </a:spcAft>
-              <a:buNone/>
-            </a:pPr>
             <a:r>
               <a:rPr lang="en" sz="900" dirty="0">
                 <a:latin typeface="Calibri"/>
@@ -8335,15 +7547,6 @@
             </a:endParaRPr>
           </a:p>
           <a:p>
-            <a:pPr marL="0" marR="0" lvl="0" indent="0" algn="l" rtl="0">
-              <a:spcBef>
-                <a:spcPts val="0"/>
-              </a:spcBef>
-              <a:spcAft>
-                <a:spcPts val="0"/>
-              </a:spcAft>
-              <a:buNone/>
-            </a:pPr>
             <a:r>
               <a:rPr lang="en" sz="900" dirty="0">
                 <a:latin typeface="Calibri"/>
@@ -8361,15 +7564,6 @@
             </a:endParaRPr>
           </a:p>
           <a:p>
-            <a:pPr marL="0" marR="0" lvl="0" indent="0" algn="l" rtl="0">
-              <a:spcBef>
-                <a:spcPts val="0"/>
-              </a:spcBef>
-              <a:spcAft>
-                <a:spcPts val="0"/>
-              </a:spcAft>
-              <a:buNone/>
-            </a:pPr>
             <a:r>
               <a:rPr lang="en" sz="900" dirty="0">
                 <a:latin typeface="Calibri"/>
@@ -8388,168 +7582,23 @@
           </a:p>
         </p:txBody>
       </p:sp>
-      <p:sp>
-        <p:nvSpPr>
-          <p:cNvPr id="82" name="Google Shape;82;p14"/>
-          <p:cNvSpPr/>
-          <p:nvPr/>
-        </p:nvSpPr>
-        <p:spPr>
-          <a:xfrm>
-            <a:off x="7201350" y="2233262"/>
-            <a:ext cx="1825500" cy="773100"/>
-          </a:xfrm>
-          <a:prstGeom prst="rect">
-            <a:avLst/>
-          </a:prstGeom>
-          <a:solidFill>
-            <a:srgbClr val="FFBB82"/>
-          </a:solidFill>
-          <a:ln w="19050" cap="flat" cmpd="sng">
-            <a:solidFill>
-              <a:srgbClr val="F5913F"/>
-            </a:solidFill>
-            <a:prstDash val="solid"/>
-            <a:round/>
-            <a:headEnd type="none" w="sm" len="sm"/>
-            <a:tailEnd type="none" w="sm" len="sm"/>
-          </a:ln>
-          <a:effectLst>
-            <a:outerShdw blurRad="40000" dist="20000" dir="5400000" rotWithShape="0">
-              <a:srgbClr val="000000">
-                <a:alpha val="37650"/>
-              </a:srgbClr>
-            </a:outerShdw>
-          </a:effectLst>
-        </p:spPr>
-        <p:txBody>
-          <a:bodyPr spcFirstLastPara="1" wrap="square" lIns="91425" tIns="45700" rIns="91425" bIns="45700" anchor="ctr" anchorCtr="0">
-            <a:noAutofit/>
-          </a:bodyPr>
-          <a:lstStyle/>
-          <a:p>
-            <a:pPr marL="0" marR="0" lvl="0" indent="0" algn="l" rtl="0">
-              <a:spcBef>
-                <a:spcPts val="0"/>
-              </a:spcBef>
-              <a:spcAft>
-                <a:spcPts val="0"/>
-              </a:spcAft>
-              <a:buNone/>
-            </a:pPr>
-            <a:r>
-              <a:rPr lang="en" sz="900">
-                <a:latin typeface="Calibri"/>
-                <a:ea typeface="Calibri"/>
-                <a:cs typeface="Calibri"/>
-                <a:sym typeface="Calibri"/>
-              </a:rPr>
-              <a:t>#items:ShoppingList</a:t>
-            </a:r>
-            <a:endParaRPr sz="900">
-              <a:latin typeface="Calibri"/>
-              <a:ea typeface="Calibri"/>
-              <a:cs typeface="Calibri"/>
-              <a:sym typeface="Calibri"/>
-            </a:endParaRPr>
-          </a:p>
-          <a:p>
-            <a:pPr marL="0" marR="0" lvl="0" indent="0" algn="l" rtl="0">
-              <a:spcBef>
-                <a:spcPts val="0"/>
-              </a:spcBef>
-              <a:spcAft>
-                <a:spcPts val="0"/>
-              </a:spcAft>
-              <a:buNone/>
-            </a:pPr>
-            <a:r>
-              <a:rPr lang="en" sz="900">
-                <a:latin typeface="Calibri"/>
-                <a:ea typeface="Calibri"/>
-                <a:cs typeface="Calibri"/>
-                <a:sym typeface="Calibri"/>
-              </a:rPr>
-              <a:t>#myBudget:Budget</a:t>
-            </a:r>
-            <a:endParaRPr sz="900">
-              <a:latin typeface="Calibri"/>
-              <a:ea typeface="Calibri"/>
-              <a:cs typeface="Calibri"/>
-              <a:sym typeface="Calibri"/>
-            </a:endParaRPr>
-          </a:p>
-          <a:p>
-            <a:pPr marL="0" marR="0" lvl="0" indent="0" algn="l" rtl="0">
-              <a:spcBef>
-                <a:spcPts val="0"/>
-              </a:spcBef>
-              <a:spcAft>
-                <a:spcPts val="0"/>
-              </a:spcAft>
-              <a:buNone/>
-            </a:pPr>
-            <a:r>
-              <a:rPr lang="en" sz="900">
-                <a:latin typeface="Calibri"/>
-                <a:ea typeface="Calibri"/>
-                <a:cs typeface="Calibri"/>
-                <a:sym typeface="Calibri"/>
-              </a:rPr>
-              <a:t>+isExit:boolean = false</a:t>
-            </a:r>
-            <a:endParaRPr sz="900">
-              <a:latin typeface="Calibri"/>
-              <a:ea typeface="Calibri"/>
-              <a:cs typeface="Calibri"/>
-              <a:sym typeface="Calibri"/>
-            </a:endParaRPr>
-          </a:p>
-          <a:p>
-            <a:pPr marL="0" marR="0" lvl="0" indent="0" algn="l" rtl="0">
-              <a:spcBef>
-                <a:spcPts val="0"/>
-              </a:spcBef>
-              <a:spcAft>
-                <a:spcPts val="0"/>
-              </a:spcAft>
-              <a:buNone/>
-            </a:pPr>
-            <a:r>
-              <a:rPr lang="en" sz="900">
-                <a:latin typeface="Calibri"/>
-                <a:ea typeface="Calibri"/>
-                <a:cs typeface="Calibri"/>
-                <a:sym typeface="Calibri"/>
-              </a:rPr>
-              <a:t>+feedbackToUser:String</a:t>
-            </a:r>
-            <a:endParaRPr sz="900">
-              <a:latin typeface="Calibri"/>
-              <a:ea typeface="Calibri"/>
-              <a:cs typeface="Calibri"/>
-              <a:sym typeface="Calibri"/>
-            </a:endParaRPr>
-          </a:p>
-        </p:txBody>
-      </p:sp>
       <p:cxnSp>
         <p:nvCxnSpPr>
           <p:cNvPr id="83" name="Google Shape;83;p14"/>
           <p:cNvCxnSpPr>
+            <a:cxnSpLocks/>
             <a:stCxn id="58" idx="1"/>
-            <a:endCxn id="69" idx="3"/>
           </p:cNvCxnSpPr>
           <p:nvPr/>
         </p:nvCxnSpPr>
         <p:spPr>
           <a:xfrm rot="10800000">
-            <a:off x="2212350" y="782375"/>
-            <a:ext cx="1177500" cy="1135800"/>
+            <a:off x="2212402" y="1068072"/>
+            <a:ext cx="1177451" cy="1139975"/>
           </a:xfrm>
           <a:prstGeom prst="bentConnector3">
             <a:avLst>
-              <a:gd name="adj1" fmla="val 49998"/>
+              <a:gd name="adj1" fmla="val 50000"/>
             </a:avLst>
           </a:prstGeom>
           <a:noFill/>
@@ -8576,8 +7625,8 @@
         </p:nvCxnSpPr>
         <p:spPr>
           <a:xfrm rot="5400000" flipH="1" flipV="1">
-            <a:off x="5189676" y="570749"/>
-            <a:ext cx="579750" cy="1815102"/>
+            <a:off x="5198150" y="869093"/>
+            <a:ext cx="562804" cy="1815103"/>
           </a:xfrm>
           <a:prstGeom prst="bentConnector2">
             <a:avLst/>
@@ -8596,24 +7645,45 @@
       </p:cxnSp>
       <p:sp>
         <p:nvSpPr>
-          <p:cNvPr id="86" name="Google Shape;86;p14"/>
+          <p:cNvPr id="87" name="Google Shape;87;p14"/>
           <p:cNvSpPr/>
           <p:nvPr/>
         </p:nvSpPr>
         <p:spPr>
           <a:xfrm>
-            <a:off x="7201350" y="3006362"/>
-            <a:ext cx="1825500" cy="434476"/>
+            <a:off x="6387102" y="786650"/>
+            <a:ext cx="2525699" cy="330115"/>
           </a:xfrm>
           <a:prstGeom prst="rect">
             <a:avLst/>
           </a:prstGeom>
-          <a:solidFill>
-            <a:srgbClr val="FFBB82"/>
-          </a:solidFill>
+          <a:gradFill flip="none" rotWithShape="1">
+            <a:gsLst>
+              <a:gs pos="0">
+                <a:srgbClr val="009999">
+                  <a:tint val="66000"/>
+                  <a:satMod val="160000"/>
+                </a:srgbClr>
+              </a:gs>
+              <a:gs pos="50000">
+                <a:srgbClr val="009999">
+                  <a:tint val="44500"/>
+                  <a:satMod val="160000"/>
+                </a:srgbClr>
+              </a:gs>
+              <a:gs pos="100000">
+                <a:srgbClr val="009999">
+                  <a:tint val="23500"/>
+                  <a:satMod val="160000"/>
+                </a:srgbClr>
+              </a:gs>
+            </a:gsLst>
+            <a:lin ang="16200000" scaled="1"/>
+            <a:tileRect/>
+          </a:gradFill>
           <a:ln w="19050" cap="flat" cmpd="sng">
             <a:solidFill>
-              <a:srgbClr val="F5913F"/>
+              <a:srgbClr val="009999"/>
             </a:solidFill>
             <a:prstDash val="solid"/>
             <a:round/>
@@ -8634,15 +7704,6 @@
           </a:bodyPr>
           <a:lstStyle/>
           <a:p>
-            <a:pPr marL="0" marR="0" lvl="0" indent="0" algn="l" rtl="0">
-              <a:spcBef>
-                <a:spcPts val="0"/>
-              </a:spcBef>
-              <a:spcAft>
-                <a:spcPts val="0"/>
-              </a:spcAft>
-              <a:buNone/>
-            </a:pPr>
             <a:r>
               <a:rPr lang="en" sz="900" dirty="0">
                 <a:latin typeface="Calibri"/>
@@ -8650,74 +7711,53 @@
                 <a:cs typeface="Calibri"/>
                 <a:sym typeface="Calibri"/>
               </a:rPr>
-              <a:t>+execute():void</a:t>
+              <a:t>-amount:Double</a:t>
             </a:r>
-            <a:endParaRPr sz="900" dirty="0">
-              <a:latin typeface="Calibri"/>
-              <a:ea typeface="Calibri"/>
-              <a:cs typeface="Calibri"/>
-              <a:sym typeface="Calibri"/>
-            </a:endParaRPr>
-          </a:p>
-          <a:p>
-            <a:pPr marL="0" marR="0" lvl="0" indent="0" algn="l" rtl="0">
-              <a:spcBef>
-                <a:spcPts val="0"/>
-              </a:spcBef>
-              <a:spcAft>
-                <a:spcPts val="0"/>
-              </a:spcAft>
-              <a:buNone/>
-            </a:pPr>
-            <a:r>
-              <a:rPr lang="en" sz="900" dirty="0">
-                <a:latin typeface="Calibri"/>
-                <a:ea typeface="Calibri"/>
-                <a:cs typeface="Calibri"/>
-                <a:sym typeface="Calibri"/>
-              </a:rPr>
-              <a:t>+setData(items,myBudget):void</a:t>
-            </a:r>
-            <a:endParaRPr sz="900" dirty="0">
-              <a:latin typeface="Calibri"/>
-              <a:ea typeface="Calibri"/>
-              <a:cs typeface="Calibri"/>
-              <a:sym typeface="Calibri"/>
-            </a:endParaRPr>
+            <a:endParaRPr sz="900" dirty="0"/>
           </a:p>
         </p:txBody>
       </p:sp>
       <p:sp>
         <p:nvSpPr>
-          <p:cNvPr id="87" name="Google Shape;87;p14"/>
+          <p:cNvPr id="85" name="Google Shape;85;p14"/>
           <p:cNvSpPr/>
           <p:nvPr/>
         </p:nvSpPr>
         <p:spPr>
           <a:xfrm>
-            <a:off x="6387100" y="500900"/>
-            <a:ext cx="2525700" cy="300000"/>
+            <a:off x="6387103" y="1068071"/>
+            <a:ext cx="2525699" cy="854340"/>
           </a:xfrm>
           <a:prstGeom prst="rect">
             <a:avLst/>
           </a:prstGeom>
-          <a:gradFill>
+          <a:gradFill flip="none" rotWithShape="1">
             <a:gsLst>
               <a:gs pos="0">
-                <a:srgbClr val="9FC3FF"/>
+                <a:srgbClr val="009999">
+                  <a:tint val="66000"/>
+                  <a:satMod val="160000"/>
+                </a:srgbClr>
               </a:gs>
-              <a:gs pos="35000">
-                <a:srgbClr val="BDD5FF"/>
+              <a:gs pos="50000">
+                <a:srgbClr val="009999">
+                  <a:tint val="44500"/>
+                  <a:satMod val="160000"/>
+                </a:srgbClr>
               </a:gs>
               <a:gs pos="100000">
-                <a:srgbClr val="E4EEFF"/>
+                <a:srgbClr val="009999">
+                  <a:tint val="23500"/>
+                  <a:satMod val="160000"/>
+                </a:srgbClr>
               </a:gs>
             </a:gsLst>
-            <a:lin ang="16198662" scaled="0"/>
+            <a:lin ang="16200000" scaled="1"/>
+            <a:tileRect/>
           </a:gradFill>
           <a:ln w="19050" cap="flat" cmpd="sng">
             <a:solidFill>
-              <a:srgbClr val="9FC3FF"/>
+              <a:srgbClr val="009999"/>
             </a:solidFill>
             <a:prstDash val="solid"/>
             <a:round/>
@@ -8738,88 +7778,6 @@
           </a:bodyPr>
           <a:lstStyle/>
           <a:p>
-            <a:pPr marL="0" marR="0" lvl="0" indent="0" algn="l" rtl="0">
-              <a:spcBef>
-                <a:spcPts val="0"/>
-              </a:spcBef>
-              <a:spcAft>
-                <a:spcPts val="0"/>
-              </a:spcAft>
-              <a:buNone/>
-            </a:pPr>
-            <a:r>
-              <a:rPr lang="en" sz="900">
-                <a:latin typeface="Calibri"/>
-                <a:ea typeface="Calibri"/>
-                <a:cs typeface="Calibri"/>
-                <a:sym typeface="Calibri"/>
-              </a:rPr>
-              <a:t>-amount:Double</a:t>
-            </a:r>
-            <a:endParaRPr sz="900"/>
-          </a:p>
-        </p:txBody>
-      </p:sp>
-      <p:sp>
-        <p:nvSpPr>
-          <p:cNvPr id="85" name="Google Shape;85;p14"/>
-          <p:cNvSpPr/>
-          <p:nvPr/>
-        </p:nvSpPr>
-        <p:spPr>
-          <a:xfrm>
-            <a:off x="6387102" y="821450"/>
-            <a:ext cx="2525700" cy="733950"/>
-          </a:xfrm>
-          <a:prstGeom prst="rect">
-            <a:avLst/>
-          </a:prstGeom>
-          <a:gradFill>
-            <a:gsLst>
-              <a:gs pos="0">
-                <a:srgbClr val="9FC3FF"/>
-              </a:gs>
-              <a:gs pos="35000">
-                <a:srgbClr val="BDD5FF"/>
-              </a:gs>
-              <a:gs pos="100000">
-                <a:srgbClr val="E4EEFF"/>
-              </a:gs>
-            </a:gsLst>
-            <a:lin ang="16198662" scaled="0"/>
-          </a:gradFill>
-          <a:ln w="19050" cap="flat" cmpd="sng">
-            <a:solidFill>
-              <a:srgbClr val="9FC3FF"/>
-            </a:solidFill>
-            <a:prstDash val="solid"/>
-            <a:round/>
-            <a:headEnd type="none" w="sm" len="sm"/>
-            <a:tailEnd type="none" w="sm" len="sm"/>
-          </a:ln>
-          <a:effectLst>
-            <a:outerShdw blurRad="40000" dist="20000" dir="5400000" rotWithShape="0">
-              <a:srgbClr val="000000">
-                <a:alpha val="37650"/>
-              </a:srgbClr>
-            </a:outerShdw>
-          </a:effectLst>
-        </p:spPr>
-        <p:txBody>
-          <a:bodyPr spcFirstLastPara="1" wrap="square" lIns="91425" tIns="45700" rIns="91425" bIns="45700" anchor="ctr" anchorCtr="0">
-            <a:noAutofit/>
-          </a:bodyPr>
-          <a:lstStyle/>
-          <a:p>
-            <a:pPr marL="0" marR="0" lvl="0" indent="0" algn="l" rtl="0">
-              <a:spcBef>
-                <a:spcPts val="0"/>
-              </a:spcBef>
-              <a:spcAft>
-                <a:spcPts val="0"/>
-              </a:spcAft>
-              <a:buNone/>
-            </a:pPr>
             <a:r>
               <a:rPr lang="en" sz="900" dirty="0">
                 <a:latin typeface="Calibri"/>
@@ -8837,15 +7795,6 @@
             </a:endParaRPr>
           </a:p>
           <a:p>
-            <a:pPr marL="0" marR="0" lvl="0" indent="0" algn="l" rtl="0">
-              <a:spcBef>
-                <a:spcPts val="0"/>
-              </a:spcBef>
-              <a:spcAft>
-                <a:spcPts val="0"/>
-              </a:spcAft>
-              <a:buNone/>
-            </a:pPr>
             <a:r>
               <a:rPr lang="en" sz="900" dirty="0">
                 <a:latin typeface="Calibri"/>
@@ -8863,15 +7812,6 @@
             </a:endParaRPr>
           </a:p>
           <a:p>
-            <a:pPr marL="0" marR="0" lvl="0" indent="0" algn="l" rtl="0">
-              <a:spcBef>
-                <a:spcPts val="0"/>
-              </a:spcBef>
-              <a:spcAft>
-                <a:spcPts val="0"/>
-              </a:spcAft>
-              <a:buNone/>
-            </a:pPr>
             <a:r>
               <a:rPr lang="en" sz="900" dirty="0">
                 <a:latin typeface="Calibri"/>
@@ -8889,15 +7829,6 @@
             </a:endParaRPr>
           </a:p>
           <a:p>
-            <a:pPr marL="0" marR="0" lvl="0" indent="0" algn="l" rtl="0">
-              <a:spcBef>
-                <a:spcPts val="0"/>
-              </a:spcBef>
-              <a:spcAft>
-                <a:spcPts val="0"/>
-              </a:spcAft>
-              <a:buNone/>
-            </a:pPr>
             <a:r>
               <a:rPr lang="en" sz="900" dirty="0">
                 <a:latin typeface="Calibri"/>
@@ -8920,6 +7851,7 @@
         <p:nvCxnSpPr>
           <p:cNvPr id="88" name="Google Shape;88;p14"/>
           <p:cNvCxnSpPr>
+            <a:cxnSpLocks/>
             <a:stCxn id="81" idx="2"/>
             <a:endCxn id="59" idx="0"/>
           </p:cNvCxnSpPr>
@@ -8927,8 +7859,8 @@
         </p:nvCxnSpPr>
         <p:spPr>
           <a:xfrm rot="16200000" flipH="1">
-            <a:off x="4782768" y="2507448"/>
-            <a:ext cx="1155146" cy="1576682"/>
+            <a:off x="4767905" y="2808063"/>
+            <a:ext cx="1155144" cy="1546955"/>
           </a:xfrm>
           <a:prstGeom prst="bentConnector3">
             <a:avLst>
@@ -8955,7 +7887,7 @@
         </p:nvSpPr>
         <p:spPr>
           <a:xfrm>
-            <a:off x="6717250" y="2462550"/>
+            <a:off x="6717251" y="2748301"/>
             <a:ext cx="484200" cy="339600"/>
           </a:xfrm>
           <a:prstGeom prst="rect">
@@ -8972,15 +7904,6 @@
           </a:bodyPr>
           <a:lstStyle/>
           <a:p>
-            <a:pPr marL="0" marR="0" lvl="0" indent="0" algn="l" rtl="0">
-              <a:spcBef>
-                <a:spcPts val="0"/>
-              </a:spcBef>
-              <a:spcAft>
-                <a:spcPts val="0"/>
-              </a:spcAft>
-              <a:buNone/>
-            </a:pPr>
             <a:r>
               <a:rPr lang="en" sz="1300" dirty="0">
                 <a:latin typeface="Calibri"/>
@@ -8988,390 +7911,9 @@
                 <a:cs typeface="Calibri"/>
                 <a:sym typeface="Calibri"/>
               </a:rPr>
-              <a:t>0..</a:t>
+              <a:t>0..1</a:t>
             </a:r>
-            <a:r>
-              <a:rPr lang="en" sz="1300" b="0" i="0" u="none" strike="noStrike" cap="none" dirty="0">
-                <a:solidFill>
-                  <a:srgbClr val="000000"/>
-                </a:solidFill>
-                <a:latin typeface="Calibri"/>
-                <a:ea typeface="Calibri"/>
-                <a:cs typeface="Calibri"/>
-                <a:sym typeface="Calibri"/>
-              </a:rPr>
-              <a:t>1</a:t>
-            </a:r>
-            <a:endParaRPr sz="1300" b="0" i="0" u="none" strike="noStrike" cap="none" dirty="0">
-              <a:solidFill>
-                <a:srgbClr val="000000"/>
-              </a:solidFill>
-              <a:latin typeface="Calibri"/>
-              <a:ea typeface="Calibri"/>
-              <a:cs typeface="Calibri"/>
-              <a:sym typeface="Calibri"/>
-            </a:endParaRPr>
-          </a:p>
-        </p:txBody>
-      </p:sp>
-      <p:sp>
-        <p:nvSpPr>
-          <p:cNvPr id="90" name="Google Shape;90;p14"/>
-          <p:cNvSpPr txBox="1"/>
-          <p:nvPr/>
-        </p:nvSpPr>
-        <p:spPr>
-          <a:xfrm>
-            <a:off x="2169150" y="3905450"/>
-            <a:ext cx="348000" cy="339600"/>
-          </a:xfrm>
-          <a:prstGeom prst="rect">
-            <a:avLst/>
-          </a:prstGeom>
-          <a:noFill/>
-          <a:ln>
-            <a:noFill/>
-          </a:ln>
-        </p:spPr>
-        <p:txBody>
-          <a:bodyPr spcFirstLastPara="1" wrap="square" lIns="91425" tIns="45700" rIns="91425" bIns="45700" anchor="t" anchorCtr="0">
-            <a:noAutofit/>
-          </a:bodyPr>
-          <a:lstStyle/>
-          <a:p>
-            <a:pPr marL="0" marR="0" lvl="0" indent="0" algn="l" rtl="0">
-              <a:spcBef>
-                <a:spcPts val="0"/>
-              </a:spcBef>
-              <a:spcAft>
-                <a:spcPts val="0"/>
-              </a:spcAft>
-              <a:buNone/>
-            </a:pPr>
-            <a:r>
-              <a:rPr lang="en" sz="2000">
-                <a:latin typeface="Calibri"/>
-                <a:ea typeface="Calibri"/>
-                <a:cs typeface="Calibri"/>
-                <a:sym typeface="Calibri"/>
-              </a:rPr>
-              <a:t>*</a:t>
-            </a:r>
-            <a:endParaRPr sz="2000" b="0" i="0" u="none" strike="noStrike" cap="none">
-              <a:solidFill>
-                <a:srgbClr val="000000"/>
-              </a:solidFill>
-              <a:latin typeface="Calibri"/>
-              <a:ea typeface="Calibri"/>
-              <a:cs typeface="Calibri"/>
-              <a:sym typeface="Calibri"/>
-            </a:endParaRPr>
-          </a:p>
-        </p:txBody>
-      </p:sp>
-      <p:sp>
-        <p:nvSpPr>
-          <p:cNvPr id="91" name="Google Shape;91;p14"/>
-          <p:cNvSpPr/>
-          <p:nvPr/>
-        </p:nvSpPr>
-        <p:spPr>
-          <a:xfrm>
-            <a:off x="2777650" y="4092650"/>
-            <a:ext cx="1575300" cy="919200"/>
-          </a:xfrm>
-          <a:prstGeom prst="rect">
-            <a:avLst/>
-          </a:prstGeom>
-          <a:gradFill>
-            <a:gsLst>
-              <a:gs pos="0">
-                <a:srgbClr val="9FC3FF"/>
-              </a:gs>
-              <a:gs pos="35000">
-                <a:srgbClr val="BDD5FF"/>
-              </a:gs>
-              <a:gs pos="100000">
-                <a:srgbClr val="E4EEFF"/>
-              </a:gs>
-            </a:gsLst>
-            <a:lin ang="16198662" scaled="0"/>
-          </a:gradFill>
-          <a:ln w="19050" cap="flat" cmpd="sng">
-            <a:solidFill>
-              <a:srgbClr val="9FC3FF"/>
-            </a:solidFill>
-            <a:prstDash val="solid"/>
-            <a:round/>
-            <a:headEnd type="none" w="sm" len="sm"/>
-            <a:tailEnd type="none" w="sm" len="sm"/>
-          </a:ln>
-          <a:effectLst>
-            <a:outerShdw blurRad="40000" dist="20000" dir="5400000" rotWithShape="0">
-              <a:srgbClr val="000000">
-                <a:alpha val="37650"/>
-              </a:srgbClr>
-            </a:outerShdw>
-          </a:effectLst>
-        </p:spPr>
-        <p:txBody>
-          <a:bodyPr spcFirstLastPara="1" wrap="square" lIns="91425" tIns="45700" rIns="91425" bIns="45700" anchor="ctr" anchorCtr="0">
-            <a:noAutofit/>
-          </a:bodyPr>
-          <a:lstStyle/>
-          <a:p>
-            <a:pPr marL="0" lvl="0" indent="0" algn="l" rtl="0">
-              <a:spcBef>
-                <a:spcPts val="0"/>
-              </a:spcBef>
-              <a:spcAft>
-                <a:spcPts val="0"/>
-              </a:spcAft>
-              <a:buNone/>
-            </a:pPr>
-            <a:endParaRPr sz="900">
-              <a:solidFill>
-                <a:schemeClr val="dk1"/>
-              </a:solidFill>
-              <a:latin typeface="Calibri"/>
-              <a:ea typeface="Calibri"/>
-              <a:cs typeface="Calibri"/>
-              <a:sym typeface="Calibri"/>
-            </a:endParaRPr>
-          </a:p>
-          <a:p>
-            <a:pPr marL="0" lvl="0" indent="0" algn="l" rtl="0">
-              <a:spcBef>
-                <a:spcPts val="0"/>
-              </a:spcBef>
-              <a:spcAft>
-                <a:spcPts val="0"/>
-              </a:spcAft>
-              <a:buClr>
-                <a:schemeClr val="dk1"/>
-              </a:buClr>
-              <a:buSzPts val="1100"/>
-              <a:buFont typeface="Arial"/>
-              <a:buNone/>
-            </a:pPr>
-            <a:r>
-              <a:rPr lang="en" sz="900">
-                <a:solidFill>
-                  <a:schemeClr val="dk1"/>
-                </a:solidFill>
-                <a:latin typeface="Calibri"/>
-                <a:ea typeface="Calibri"/>
-                <a:cs typeface="Calibri"/>
-                <a:sym typeface="Calibri"/>
-              </a:rPr>
-              <a:t>+add(item:Item)</a:t>
-            </a:r>
-            <a:endParaRPr sz="900">
-              <a:solidFill>
-                <a:schemeClr val="dk1"/>
-              </a:solidFill>
-              <a:latin typeface="Calibri"/>
-              <a:ea typeface="Calibri"/>
-              <a:cs typeface="Calibri"/>
-              <a:sym typeface="Calibri"/>
-            </a:endParaRPr>
-          </a:p>
-          <a:p>
-            <a:pPr marL="0" lvl="0" indent="0" algn="l" rtl="0">
-              <a:spcBef>
-                <a:spcPts val="0"/>
-              </a:spcBef>
-              <a:spcAft>
-                <a:spcPts val="0"/>
-              </a:spcAft>
-              <a:buClr>
-                <a:schemeClr val="dk1"/>
-              </a:buClr>
-              <a:buSzPts val="1100"/>
-              <a:buFont typeface="Arial"/>
-              <a:buNone/>
-            </a:pPr>
-            <a:r>
-              <a:rPr lang="en" sz="900">
-                <a:solidFill>
-                  <a:schemeClr val="dk1"/>
-                </a:solidFill>
-                <a:latin typeface="Calibri"/>
-                <a:ea typeface="Calibri"/>
-                <a:cs typeface="Calibri"/>
-                <a:sym typeface="Calibri"/>
-              </a:rPr>
-              <a:t>+clearList()</a:t>
-            </a:r>
-            <a:endParaRPr sz="900">
-              <a:solidFill>
-                <a:schemeClr val="dk1"/>
-              </a:solidFill>
-              <a:latin typeface="Calibri"/>
-              <a:ea typeface="Calibri"/>
-              <a:cs typeface="Calibri"/>
-              <a:sym typeface="Calibri"/>
-            </a:endParaRPr>
-          </a:p>
-          <a:p>
-            <a:pPr marL="0" lvl="0" indent="0" algn="l" rtl="0">
-              <a:spcBef>
-                <a:spcPts val="0"/>
-              </a:spcBef>
-              <a:spcAft>
-                <a:spcPts val="0"/>
-              </a:spcAft>
-              <a:buClr>
-                <a:schemeClr val="dk1"/>
-              </a:buClr>
-              <a:buSzPts val="1100"/>
-              <a:buFont typeface="Arial"/>
-              <a:buNone/>
-            </a:pPr>
-            <a:r>
-              <a:rPr lang="en" sz="900">
-                <a:solidFill>
-                  <a:schemeClr val="dk1"/>
-                </a:solidFill>
-                <a:latin typeface="Calibri"/>
-                <a:ea typeface="Calibri"/>
-                <a:cs typeface="Calibri"/>
-                <a:sym typeface="Calibri"/>
-              </a:rPr>
-              <a:t>+getList():ArrayList&lt;Item&gt;</a:t>
-            </a:r>
-            <a:endParaRPr sz="900">
-              <a:solidFill>
-                <a:schemeClr val="dk1"/>
-              </a:solidFill>
-              <a:latin typeface="Calibri"/>
-              <a:ea typeface="Calibri"/>
-              <a:cs typeface="Calibri"/>
-              <a:sym typeface="Calibri"/>
-            </a:endParaRPr>
-          </a:p>
-          <a:p>
-            <a:pPr marL="0" lvl="0" indent="0" algn="l" rtl="0">
-              <a:spcBef>
-                <a:spcPts val="0"/>
-              </a:spcBef>
-              <a:spcAft>
-                <a:spcPts val="0"/>
-              </a:spcAft>
-              <a:buClr>
-                <a:schemeClr val="dk1"/>
-              </a:buClr>
-              <a:buSzPts val="1100"/>
-              <a:buFont typeface="Arial"/>
-              <a:buNone/>
-            </a:pPr>
-            <a:r>
-              <a:rPr lang="en" sz="900">
-                <a:solidFill>
-                  <a:schemeClr val="dk1"/>
-                </a:solidFill>
-                <a:latin typeface="Calibri"/>
-                <a:ea typeface="Calibri"/>
-                <a:cs typeface="Calibri"/>
-                <a:sym typeface="Calibri"/>
-              </a:rPr>
-              <a:t>+getSize():int</a:t>
-            </a:r>
-            <a:endParaRPr sz="900">
-              <a:solidFill>
-                <a:schemeClr val="dk1"/>
-              </a:solidFill>
-              <a:latin typeface="Calibri"/>
-              <a:ea typeface="Calibri"/>
-              <a:cs typeface="Calibri"/>
-              <a:sym typeface="Calibri"/>
-            </a:endParaRPr>
-          </a:p>
-          <a:p>
-            <a:pPr marL="0" lvl="0" indent="0" algn="l" rtl="0">
-              <a:spcBef>
-                <a:spcPts val="0"/>
-              </a:spcBef>
-              <a:spcAft>
-                <a:spcPts val="0"/>
-              </a:spcAft>
-              <a:buClr>
-                <a:schemeClr val="dk1"/>
-              </a:buClr>
-              <a:buSzPts val="1100"/>
-              <a:buFont typeface="Arial"/>
-              <a:buNone/>
-            </a:pPr>
-            <a:r>
-              <a:rPr lang="en" sz="900">
-                <a:solidFill>
-                  <a:schemeClr val="dk1"/>
-                </a:solidFill>
-                <a:latin typeface="Calibri"/>
-                <a:ea typeface="Calibri"/>
-                <a:cs typeface="Calibri"/>
-                <a:sym typeface="Calibri"/>
-              </a:rPr>
-              <a:t>+getTotalCost(): double</a:t>
-            </a:r>
-            <a:endParaRPr sz="900">
-              <a:solidFill>
-                <a:schemeClr val="dk1"/>
-              </a:solidFill>
-              <a:latin typeface="Calibri"/>
-              <a:ea typeface="Calibri"/>
-              <a:cs typeface="Calibri"/>
-              <a:sym typeface="Calibri"/>
-            </a:endParaRPr>
-          </a:p>
-          <a:p>
-            <a:pPr marL="0" lvl="0" indent="0" algn="l" rtl="0">
-              <a:spcBef>
-                <a:spcPts val="0"/>
-              </a:spcBef>
-              <a:spcAft>
-                <a:spcPts val="0"/>
-              </a:spcAft>
-              <a:buClr>
-                <a:schemeClr val="dk1"/>
-              </a:buClr>
-              <a:buSzPts val="1100"/>
-              <a:buFont typeface="Arial"/>
-              <a:buNone/>
-            </a:pPr>
-            <a:r>
-              <a:rPr lang="en" sz="900">
-                <a:solidFill>
-                  <a:schemeClr val="dk1"/>
-                </a:solidFill>
-                <a:latin typeface="Calibri"/>
-                <a:ea typeface="Calibri"/>
-                <a:cs typeface="Calibri"/>
-                <a:sym typeface="Calibri"/>
-              </a:rPr>
-              <a:t>+getItem(index:int): Item</a:t>
-            </a:r>
-            <a:endParaRPr sz="900">
-              <a:solidFill>
-                <a:schemeClr val="dk1"/>
-              </a:solidFill>
-              <a:latin typeface="Calibri"/>
-              <a:ea typeface="Calibri"/>
-              <a:cs typeface="Calibri"/>
-              <a:sym typeface="Calibri"/>
-            </a:endParaRPr>
-          </a:p>
-          <a:p>
-            <a:pPr marL="0" marR="0" lvl="0" indent="0" algn="l" rtl="0">
-              <a:spcBef>
-                <a:spcPts val="0"/>
-              </a:spcBef>
-              <a:spcAft>
-                <a:spcPts val="0"/>
-              </a:spcAft>
-              <a:buNone/>
-            </a:pPr>
-            <a:endParaRPr sz="900">
+            <a:endParaRPr sz="1300" dirty="0">
               <a:latin typeface="Calibri"/>
               <a:ea typeface="Calibri"/>
               <a:cs typeface="Calibri"/>
@@ -9383,13 +7925,16 @@
       <p:cxnSp>
         <p:nvCxnSpPr>
           <p:cNvPr id="92" name="Google Shape;92;p14"/>
-          <p:cNvCxnSpPr/>
+          <p:cNvCxnSpPr>
+            <a:cxnSpLocks/>
+            <a:stCxn id="81" idx="3"/>
+          </p:cNvCxnSpPr>
           <p:nvPr/>
         </p:nvCxnSpPr>
         <p:spPr>
-          <a:xfrm rot="10800000" flipH="1">
-            <a:off x="5754150" y="2398300"/>
-            <a:ext cx="1432800" cy="5400"/>
+          <a:xfrm>
+            <a:off x="5754151" y="2681767"/>
+            <a:ext cx="1817966" cy="0"/>
           </a:xfrm>
           <a:prstGeom prst="straightConnector1">
             <a:avLst/>
@@ -9410,14 +7955,15 @@
         <p:nvCxnSpPr>
           <p:cNvPr id="93" name="Google Shape;93;p14"/>
           <p:cNvCxnSpPr>
+            <a:cxnSpLocks/>
             <a:endCxn id="60" idx="2"/>
           </p:cNvCxnSpPr>
           <p:nvPr/>
         </p:nvCxnSpPr>
         <p:spPr>
-          <a:xfrm rot="10800000" flipH="1">
-            <a:off x="4027532" y="533225"/>
-            <a:ext cx="8700" cy="1221600"/>
+          <a:xfrm flipV="1">
+            <a:off x="4027533" y="818975"/>
+            <a:ext cx="28429" cy="1221600"/>
           </a:xfrm>
           <a:prstGeom prst="straightConnector1">
             <a:avLst/>
@@ -9438,13 +7984,13 @@
         <p:nvCxnSpPr>
           <p:cNvPr id="94" name="Google Shape;94;p14"/>
           <p:cNvCxnSpPr>
-            <a:endCxn id="80" idx="3"/>
+            <a:cxnSpLocks/>
           </p:cNvCxnSpPr>
           <p:nvPr/>
         </p:nvCxnSpPr>
         <p:spPr>
           <a:xfrm flipH="1">
-            <a:off x="2128250" y="4165600"/>
+            <a:off x="2129008" y="4614571"/>
             <a:ext cx="644400" cy="6000"/>
           </a:xfrm>
           <a:prstGeom prst="straightConnector1">
@@ -9466,13 +8012,13 @@
         <p:nvCxnSpPr>
           <p:cNvPr id="95" name="Google Shape;95;p14"/>
           <p:cNvCxnSpPr>
-            <a:endCxn id="61" idx="0"/>
+            <a:cxnSpLocks/>
           </p:cNvCxnSpPr>
           <p:nvPr/>
         </p:nvCxnSpPr>
         <p:spPr>
           <a:xfrm>
-            <a:off x="3562888" y="2759150"/>
+            <a:off x="3562888" y="3044902"/>
             <a:ext cx="2400" cy="543900"/>
           </a:xfrm>
           <a:prstGeom prst="straightConnector1">
@@ -9501,15 +8047,15 @@
           </p:cNvPr>
           <p:cNvCxnSpPr>
             <a:cxnSpLocks/>
-            <a:stCxn id="59" idx="3"/>
-            <a:endCxn id="86" idx="2"/>
+            <a:stCxn id="78" idx="3"/>
+            <a:endCxn id="47" idx="2"/>
           </p:cNvCxnSpPr>
           <p:nvPr/>
         </p:nvCxnSpPr>
         <p:spPr>
           <a:xfrm flipV="1">
-            <a:off x="7411532" y="3440838"/>
-            <a:ext cx="702568" cy="602324"/>
+            <a:off x="7498129" y="4270157"/>
+            <a:ext cx="810408" cy="683903"/>
           </a:xfrm>
           <a:prstGeom prst="bentConnector2">
             <a:avLst/>
@@ -9540,7 +8086,7 @@
         </p:nvSpPr>
         <p:spPr>
           <a:xfrm>
-            <a:off x="8145688" y="3484000"/>
+            <a:off x="8505826" y="4498400"/>
             <a:ext cx="235801" cy="339600"/>
           </a:xfrm>
           <a:prstGeom prst="rect">
@@ -9557,20 +8103,8 @@
           </a:bodyPr>
           <a:lstStyle/>
           <a:p>
-            <a:pPr marL="0" marR="0" lvl="0" indent="0" algn="l" rtl="0">
-              <a:spcBef>
-                <a:spcPts val="0"/>
-              </a:spcBef>
-              <a:spcAft>
-                <a:spcPts val="0"/>
-              </a:spcAft>
-              <a:buNone/>
-            </a:pPr>
             <a:r>
-              <a:rPr lang="en" sz="1300" b="0" i="0" u="none" strike="noStrike" cap="none" dirty="0">
-                <a:solidFill>
-                  <a:srgbClr val="000000"/>
-                </a:solidFill>
+              <a:rPr lang="en" sz="1300" dirty="0">
                 <a:latin typeface="Calibri"/>
                 <a:ea typeface="Calibri"/>
                 <a:cs typeface="Calibri"/>
@@ -9578,10 +8112,7 @@
               </a:rPr>
               <a:t>1</a:t>
             </a:r>
-            <a:endParaRPr sz="1300" b="0" i="0" u="none" strike="noStrike" cap="none" dirty="0">
-              <a:solidFill>
-                <a:srgbClr val="000000"/>
-              </a:solidFill>
+            <a:endParaRPr sz="1300" dirty="0">
               <a:latin typeface="Calibri"/>
               <a:ea typeface="Calibri"/>
               <a:cs typeface="Calibri"/>
@@ -9604,8 +8135,8 @@
         </p:nvSpPr>
         <p:spPr>
           <a:xfrm>
-            <a:off x="6949032" y="3473837"/>
-            <a:ext cx="1180862" cy="300000"/>
+            <a:off x="7649951" y="4952760"/>
+            <a:ext cx="1180863" cy="300000"/>
           </a:xfrm>
           <a:prstGeom prst="rect">
             <a:avLst/>
@@ -9621,15 +8152,6 @@
           </a:bodyPr>
           <a:lstStyle/>
           <a:p>
-            <a:pPr marL="0" marR="0" lvl="0" indent="0" algn="l" rtl="0">
-              <a:spcBef>
-                <a:spcPts val="0"/>
-              </a:spcBef>
-              <a:spcAft>
-                <a:spcPts val="0"/>
-              </a:spcAft>
-              <a:buNone/>
-            </a:pPr>
             <a:r>
               <a:rPr lang="en-SG" sz="1300" dirty="0" err="1">
                 <a:latin typeface="Calibri"/>
@@ -9639,10 +8161,7 @@
               </a:rPr>
               <a:t>newCommand</a:t>
             </a:r>
-            <a:endParaRPr sz="1300" b="0" i="0" u="none" strike="noStrike" cap="none" dirty="0">
-              <a:solidFill>
-                <a:srgbClr val="000000"/>
-              </a:solidFill>
+            <a:endParaRPr sz="1300" dirty="0">
               <a:latin typeface="Calibri"/>
               <a:ea typeface="Calibri"/>
               <a:cs typeface="Calibri"/>
@@ -9651,6 +8170,1533 @@
           </a:p>
         </p:txBody>
       </p:sp>
+      <p:sp>
+        <p:nvSpPr>
+          <p:cNvPr id="107" name="Google Shape;70;p14">
+            <a:extLst>
+              <a:ext uri="{FF2B5EF4-FFF2-40B4-BE49-F238E27FC236}">
+                <a16:creationId xmlns:a16="http://schemas.microsoft.com/office/drawing/2014/main" id="{DBDF8386-6775-4EFD-ABA0-C5B905A334D9}"/>
+              </a:ext>
+            </a:extLst>
+          </p:cNvPr>
+          <p:cNvSpPr/>
+          <p:nvPr/>
+        </p:nvSpPr>
+        <p:spPr>
+          <a:xfrm>
+            <a:off x="180983" y="871417"/>
+            <a:ext cx="2032283" cy="491954"/>
+          </a:xfrm>
+          <a:prstGeom prst="rect">
+            <a:avLst/>
+          </a:prstGeom>
+          <a:gradFill flip="none" rotWithShape="1">
+            <a:gsLst>
+              <a:gs pos="0">
+                <a:srgbClr val="C0C0C0">
+                  <a:tint val="66000"/>
+                  <a:satMod val="160000"/>
+                </a:srgbClr>
+              </a:gs>
+              <a:gs pos="50000">
+                <a:srgbClr val="C0C0C0">
+                  <a:tint val="44500"/>
+                  <a:satMod val="160000"/>
+                </a:srgbClr>
+              </a:gs>
+              <a:gs pos="100000">
+                <a:srgbClr val="C0C0C0">
+                  <a:tint val="23500"/>
+                  <a:satMod val="160000"/>
+                </a:srgbClr>
+              </a:gs>
+            </a:gsLst>
+            <a:lin ang="16200000" scaled="1"/>
+            <a:tileRect/>
+          </a:gradFill>
+          <a:ln w="19050" cap="flat" cmpd="sng">
+            <a:solidFill>
+              <a:srgbClr val="C0C0C0"/>
+            </a:solidFill>
+            <a:prstDash val="solid"/>
+            <a:round/>
+            <a:headEnd type="none" w="sm" len="sm"/>
+            <a:tailEnd type="none" w="sm" len="sm"/>
+          </a:ln>
+          <a:effectLst>
+            <a:outerShdw blurRad="40000" dist="20000" dir="5400000" rotWithShape="0">
+              <a:srgbClr val="000000">
+                <a:alpha val="37650"/>
+              </a:srgbClr>
+            </a:outerShdw>
+          </a:effectLst>
+        </p:spPr>
+        <p:txBody>
+          <a:bodyPr spcFirstLastPara="1" wrap="square" lIns="91425" tIns="45700" rIns="91425" bIns="45700" anchor="ctr" anchorCtr="0">
+            <a:noAutofit/>
+          </a:bodyPr>
+          <a:lstStyle/>
+          <a:p>
+            <a:pPr lvl="0"/>
+            <a:r>
+              <a:rPr lang="en-SG" sz="1000" dirty="0">
+                <a:latin typeface="Calibri"/>
+                <a:ea typeface="Calibri"/>
+                <a:cs typeface="Calibri"/>
+                <a:sym typeface="Calibri"/>
+              </a:rPr>
+              <a:t>-</a:t>
+            </a:r>
+            <a:r>
+              <a:rPr lang="en-SG" sz="1000" dirty="0" err="1">
+                <a:latin typeface="Calibri"/>
+                <a:ea typeface="Calibri"/>
+                <a:cs typeface="Calibri"/>
+                <a:sym typeface="Calibri"/>
+              </a:rPr>
+              <a:t>writeData:WriteData</a:t>
+            </a:r>
+            <a:endParaRPr lang="en-SG" sz="1000" dirty="0">
+              <a:latin typeface="Calibri"/>
+              <a:ea typeface="Calibri"/>
+              <a:cs typeface="Calibri"/>
+              <a:sym typeface="Calibri"/>
+            </a:endParaRPr>
+          </a:p>
+          <a:p>
+            <a:pPr lvl="0"/>
+            <a:r>
+              <a:rPr lang="en-SG" sz="1000" dirty="0">
+                <a:solidFill>
+                  <a:schemeClr val="dk1"/>
+                </a:solidFill>
+                <a:latin typeface="Calibri"/>
+                <a:ea typeface="Calibri"/>
+                <a:cs typeface="Calibri"/>
+                <a:sym typeface="Calibri"/>
+              </a:rPr>
+              <a:t>-</a:t>
+            </a:r>
+            <a:r>
+              <a:rPr lang="en-SG" sz="1000" dirty="0" err="1">
+                <a:solidFill>
+                  <a:schemeClr val="dk1"/>
+                </a:solidFill>
+                <a:latin typeface="Calibri"/>
+                <a:ea typeface="Calibri"/>
+                <a:cs typeface="Calibri"/>
+                <a:sym typeface="Calibri"/>
+              </a:rPr>
+              <a:t>loadData:LoadData</a:t>
+            </a:r>
+            <a:endParaRPr lang="en-SG" sz="1000" dirty="0">
+              <a:latin typeface="Calibri"/>
+              <a:ea typeface="Calibri"/>
+              <a:cs typeface="Calibri"/>
+              <a:sym typeface="Calibri"/>
+            </a:endParaRPr>
+          </a:p>
+        </p:txBody>
+      </p:sp>
+      <p:sp>
+        <p:nvSpPr>
+          <p:cNvPr id="109" name="Google Shape;70;p14">
+            <a:extLst>
+              <a:ext uri="{FF2B5EF4-FFF2-40B4-BE49-F238E27FC236}">
+                <a16:creationId xmlns:a16="http://schemas.microsoft.com/office/drawing/2014/main" id="{740D6373-9701-4B47-A5AC-1FE659082336}"/>
+              </a:ext>
+            </a:extLst>
+          </p:cNvPr>
+          <p:cNvSpPr/>
+          <p:nvPr/>
+        </p:nvSpPr>
+        <p:spPr>
+          <a:xfrm>
+            <a:off x="184401" y="1363371"/>
+            <a:ext cx="2023668" cy="689580"/>
+          </a:xfrm>
+          <a:prstGeom prst="rect">
+            <a:avLst/>
+          </a:prstGeom>
+          <a:gradFill flip="none" rotWithShape="1">
+            <a:gsLst>
+              <a:gs pos="0">
+                <a:srgbClr val="C0C0C0">
+                  <a:tint val="66000"/>
+                  <a:satMod val="160000"/>
+                </a:srgbClr>
+              </a:gs>
+              <a:gs pos="50000">
+                <a:srgbClr val="C0C0C0">
+                  <a:tint val="44500"/>
+                  <a:satMod val="160000"/>
+                </a:srgbClr>
+              </a:gs>
+              <a:gs pos="100000">
+                <a:srgbClr val="C0C0C0">
+                  <a:tint val="23500"/>
+                  <a:satMod val="160000"/>
+                </a:srgbClr>
+              </a:gs>
+            </a:gsLst>
+            <a:lin ang="16200000" scaled="1"/>
+            <a:tileRect/>
+          </a:gradFill>
+          <a:ln w="19050" cap="flat" cmpd="sng">
+            <a:solidFill>
+              <a:srgbClr val="C0C0C0"/>
+            </a:solidFill>
+            <a:prstDash val="solid"/>
+            <a:round/>
+            <a:headEnd type="none" w="sm" len="sm"/>
+            <a:tailEnd type="none" w="sm" len="sm"/>
+          </a:ln>
+          <a:effectLst>
+            <a:outerShdw blurRad="40000" dist="20000" dir="5400000" rotWithShape="0">
+              <a:srgbClr val="000000">
+                <a:alpha val="37650"/>
+              </a:srgbClr>
+            </a:outerShdw>
+          </a:effectLst>
+        </p:spPr>
+        <p:txBody>
+          <a:bodyPr spcFirstLastPara="1" wrap="square" lIns="91425" tIns="45700" rIns="91425" bIns="45700" anchor="ctr" anchorCtr="0">
+            <a:noAutofit/>
+          </a:bodyPr>
+          <a:lstStyle/>
+          <a:p>
+            <a:pPr lvl="0"/>
+            <a:r>
+              <a:rPr lang="en-US" sz="1000" dirty="0">
+                <a:solidFill>
+                  <a:schemeClr val="dk1"/>
+                </a:solidFill>
+                <a:latin typeface="Calibri"/>
+                <a:ea typeface="Calibri"/>
+                <a:cs typeface="Calibri"/>
+                <a:sym typeface="Calibri"/>
+              </a:rPr>
+              <a:t>+</a:t>
+            </a:r>
+            <a:r>
+              <a:rPr lang="en-US" sz="1000" dirty="0" err="1">
+                <a:solidFill>
+                  <a:schemeClr val="dk1"/>
+                </a:solidFill>
+                <a:latin typeface="Calibri"/>
+                <a:ea typeface="Calibri"/>
+                <a:cs typeface="Calibri"/>
+                <a:sym typeface="Calibri"/>
+              </a:rPr>
+              <a:t>saveAll</a:t>
+            </a:r>
+            <a:r>
+              <a:rPr lang="en-US" sz="1000" dirty="0">
+                <a:solidFill>
+                  <a:schemeClr val="dk1"/>
+                </a:solidFill>
+                <a:latin typeface="Calibri"/>
+                <a:ea typeface="Calibri"/>
+                <a:cs typeface="Calibri"/>
+                <a:sym typeface="Calibri"/>
+              </a:rPr>
+              <a:t>(</a:t>
+            </a:r>
+            <a:r>
+              <a:rPr lang="en-US" sz="1000" dirty="0" err="1">
+                <a:solidFill>
+                  <a:schemeClr val="dk1"/>
+                </a:solidFill>
+                <a:latin typeface="Calibri"/>
+                <a:ea typeface="Calibri"/>
+                <a:cs typeface="Calibri"/>
+                <a:sym typeface="Calibri"/>
+              </a:rPr>
+              <a:t>shoppingList:ShoppingList</a:t>
+            </a:r>
+            <a:r>
+              <a:rPr lang="en-US" sz="1000" dirty="0">
+                <a:solidFill>
+                  <a:schemeClr val="dk1"/>
+                </a:solidFill>
+                <a:latin typeface="Calibri"/>
+                <a:ea typeface="Calibri"/>
+                <a:cs typeface="Calibri"/>
+                <a:sym typeface="Calibri"/>
+              </a:rPr>
+              <a:t>, </a:t>
+            </a:r>
+            <a:r>
+              <a:rPr lang="en-US" sz="1000" dirty="0" err="1">
+                <a:solidFill>
+                  <a:schemeClr val="dk1"/>
+                </a:solidFill>
+                <a:latin typeface="Calibri"/>
+                <a:ea typeface="Calibri"/>
+                <a:cs typeface="Calibri"/>
+                <a:sym typeface="Calibri"/>
+              </a:rPr>
+              <a:t>budget:Budget</a:t>
+            </a:r>
+            <a:r>
+              <a:rPr lang="en-US" sz="1000" dirty="0">
+                <a:solidFill>
+                  <a:schemeClr val="dk1"/>
+                </a:solidFill>
+                <a:latin typeface="Calibri"/>
+                <a:ea typeface="Calibri"/>
+                <a:cs typeface="Calibri"/>
+                <a:sym typeface="Calibri"/>
+              </a:rPr>
+              <a:t>)</a:t>
+            </a:r>
+          </a:p>
+          <a:p>
+            <a:pPr lvl="0"/>
+            <a:r>
+              <a:rPr lang="en-US" sz="1000" dirty="0">
+                <a:solidFill>
+                  <a:schemeClr val="dk1"/>
+                </a:solidFill>
+                <a:latin typeface="Calibri"/>
+                <a:ea typeface="Calibri"/>
+                <a:cs typeface="Calibri"/>
+                <a:sym typeface="Calibri"/>
+              </a:rPr>
+              <a:t>+</a:t>
+            </a:r>
+            <a:r>
+              <a:rPr lang="en-US" sz="1000" dirty="0" err="1">
+                <a:solidFill>
+                  <a:schemeClr val="dk1"/>
+                </a:solidFill>
+                <a:latin typeface="Calibri"/>
+                <a:ea typeface="Calibri"/>
+                <a:cs typeface="Calibri"/>
+                <a:sym typeface="Calibri"/>
+              </a:rPr>
+              <a:t>loadShoppingList</a:t>
+            </a:r>
+            <a:r>
+              <a:rPr lang="en-US" sz="1000" dirty="0">
+                <a:solidFill>
+                  <a:schemeClr val="dk1"/>
+                </a:solidFill>
+                <a:latin typeface="Calibri"/>
+                <a:ea typeface="Calibri"/>
+                <a:cs typeface="Calibri"/>
+                <a:sym typeface="Calibri"/>
+              </a:rPr>
+              <a:t>():</a:t>
+            </a:r>
+            <a:r>
+              <a:rPr lang="en-US" sz="1000" dirty="0" err="1">
+                <a:solidFill>
+                  <a:schemeClr val="dk1"/>
+                </a:solidFill>
+                <a:latin typeface="Calibri"/>
+                <a:ea typeface="Calibri"/>
+                <a:cs typeface="Calibri"/>
+                <a:sym typeface="Calibri"/>
+              </a:rPr>
+              <a:t>ShoppingList</a:t>
+            </a:r>
+            <a:endParaRPr lang="en-US" sz="1000" dirty="0">
+              <a:solidFill>
+                <a:schemeClr val="dk1"/>
+              </a:solidFill>
+              <a:latin typeface="Calibri"/>
+              <a:ea typeface="Calibri"/>
+              <a:cs typeface="Calibri"/>
+              <a:sym typeface="Calibri"/>
+            </a:endParaRPr>
+          </a:p>
+          <a:p>
+            <a:pPr lvl="0">
+              <a:buClr>
+                <a:schemeClr val="dk1"/>
+              </a:buClr>
+            </a:pPr>
+            <a:r>
+              <a:rPr lang="en-US" sz="1000" dirty="0">
+                <a:solidFill>
+                  <a:schemeClr val="dk1"/>
+                </a:solidFill>
+                <a:latin typeface="Calibri"/>
+                <a:ea typeface="Calibri"/>
+                <a:cs typeface="Calibri"/>
+                <a:sym typeface="Calibri"/>
+              </a:rPr>
+              <a:t>+</a:t>
+            </a:r>
+            <a:r>
+              <a:rPr lang="en-US" sz="1000" dirty="0" err="1">
+                <a:solidFill>
+                  <a:schemeClr val="dk1"/>
+                </a:solidFill>
+                <a:latin typeface="Calibri"/>
+                <a:ea typeface="Calibri"/>
+                <a:cs typeface="Calibri"/>
+                <a:sym typeface="Calibri"/>
+              </a:rPr>
+              <a:t>loadBudget</a:t>
+            </a:r>
+            <a:r>
+              <a:rPr lang="en-US" sz="1000" dirty="0">
+                <a:solidFill>
+                  <a:schemeClr val="dk1"/>
+                </a:solidFill>
+                <a:latin typeface="Calibri"/>
+                <a:ea typeface="Calibri"/>
+                <a:cs typeface="Calibri"/>
+                <a:sym typeface="Calibri"/>
+              </a:rPr>
+              <a:t>():Budget</a:t>
+            </a:r>
+          </a:p>
+        </p:txBody>
+      </p:sp>
+      <p:sp>
+        <p:nvSpPr>
+          <p:cNvPr id="42" name="Text Box 11">
+            <a:extLst>
+              <a:ext uri="{FF2B5EF4-FFF2-40B4-BE49-F238E27FC236}">
+                <a16:creationId xmlns:a16="http://schemas.microsoft.com/office/drawing/2014/main" id="{7CB3D3AD-C91F-4F43-BD41-C54F1C967E1E}"/>
+              </a:ext>
+            </a:extLst>
+          </p:cNvPr>
+          <p:cNvSpPr txBox="1">
+            <a:spLocks noChangeArrowheads="1"/>
+          </p:cNvSpPr>
+          <p:nvPr/>
+        </p:nvSpPr>
+        <p:spPr bwMode="auto">
+          <a:xfrm>
+            <a:off x="7572117" y="2194303"/>
+            <a:ext cx="1469912" cy="553998"/>
+          </a:xfrm>
+          <a:prstGeom prst="rect">
+            <a:avLst/>
+          </a:prstGeom>
+          <a:gradFill rotWithShape="1">
+            <a:gsLst>
+              <a:gs pos="0">
+                <a:srgbClr val="9BBB59">
+                  <a:tint val="50000"/>
+                  <a:satMod val="300000"/>
+                </a:srgbClr>
+              </a:gs>
+              <a:gs pos="35000">
+                <a:srgbClr val="9BBB59">
+                  <a:tint val="37000"/>
+                  <a:satMod val="300000"/>
+                </a:srgbClr>
+              </a:gs>
+              <a:gs pos="100000">
+                <a:srgbClr val="9BBB59">
+                  <a:tint val="15000"/>
+                  <a:satMod val="350000"/>
+                </a:srgbClr>
+              </a:gs>
+            </a:gsLst>
+            <a:lin ang="16200000" scaled="1"/>
+          </a:gradFill>
+          <a:ln w="19050" cap="flat" cmpd="sng" algn="ctr">
+            <a:solidFill>
+              <a:srgbClr val="9BBB59">
+                <a:shade val="95000"/>
+                <a:satMod val="105000"/>
+              </a:srgbClr>
+            </a:solidFill>
+            <a:prstDash val="solid"/>
+            <a:headEnd/>
+            <a:tailEnd/>
+          </a:ln>
+          <a:effectLst>
+            <a:outerShdw blurRad="40000" dist="20000" dir="5400000" rotWithShape="0">
+              <a:srgbClr val="000000">
+                <a:alpha val="38000"/>
+              </a:srgbClr>
+            </a:outerShdw>
+          </a:effectLst>
+        </p:spPr>
+        <p:txBody>
+          <a:bodyPr wrap="square" tIns="182880" bIns="182880">
+            <a:spAutoFit/>
+          </a:bodyPr>
+          <a:lstStyle/>
+          <a:p>
+            <a:pPr algn="ctr" defTabSz="872703">
+              <a:spcBef>
+                <a:spcPct val="50000"/>
+              </a:spcBef>
+              <a:buClrTx/>
+              <a:defRPr/>
+            </a:pPr>
+            <a:r>
+              <a:rPr lang="en-SG" sz="1200" dirty="0">
+                <a:latin typeface="Calibri"/>
+                <a:ea typeface="Calibri"/>
+                <a:cs typeface="Calibri"/>
+                <a:sym typeface="Calibri"/>
+              </a:rPr>
+              <a:t>Command</a:t>
+            </a:r>
+            <a:endParaRPr lang="en-SG" sz="1200" dirty="0"/>
+          </a:p>
+        </p:txBody>
+      </p:sp>
+      <p:sp>
+        <p:nvSpPr>
+          <p:cNvPr id="43" name="Text Box 11">
+            <a:extLst>
+              <a:ext uri="{FF2B5EF4-FFF2-40B4-BE49-F238E27FC236}">
+                <a16:creationId xmlns:a16="http://schemas.microsoft.com/office/drawing/2014/main" id="{84D97EC6-1C10-42ED-8DBE-AA243FE5C483}"/>
+              </a:ext>
+            </a:extLst>
+          </p:cNvPr>
+          <p:cNvSpPr txBox="1">
+            <a:spLocks noChangeArrowheads="1"/>
+          </p:cNvSpPr>
+          <p:nvPr/>
+        </p:nvSpPr>
+        <p:spPr bwMode="auto">
+          <a:xfrm>
+            <a:off x="7572117" y="2713672"/>
+            <a:ext cx="1469912" cy="923330"/>
+          </a:xfrm>
+          <a:prstGeom prst="rect">
+            <a:avLst/>
+          </a:prstGeom>
+          <a:gradFill rotWithShape="1">
+            <a:gsLst>
+              <a:gs pos="0">
+                <a:srgbClr val="9BBB59">
+                  <a:tint val="50000"/>
+                  <a:satMod val="300000"/>
+                </a:srgbClr>
+              </a:gs>
+              <a:gs pos="35000">
+                <a:srgbClr val="9BBB59">
+                  <a:tint val="37000"/>
+                  <a:satMod val="300000"/>
+                </a:srgbClr>
+              </a:gs>
+              <a:gs pos="100000">
+                <a:srgbClr val="9BBB59">
+                  <a:tint val="15000"/>
+                  <a:satMod val="350000"/>
+                </a:srgbClr>
+              </a:gs>
+            </a:gsLst>
+            <a:lin ang="16200000" scaled="1"/>
+          </a:gradFill>
+          <a:ln w="19050" cap="flat" cmpd="sng" algn="ctr">
+            <a:solidFill>
+              <a:srgbClr val="9BBB59">
+                <a:shade val="95000"/>
+                <a:satMod val="105000"/>
+              </a:srgbClr>
+            </a:solidFill>
+            <a:prstDash val="solid"/>
+            <a:headEnd/>
+            <a:tailEnd/>
+          </a:ln>
+          <a:effectLst>
+            <a:outerShdw blurRad="40000" dist="20000" dir="5400000" rotWithShape="0">
+              <a:srgbClr val="000000">
+                <a:alpha val="38000"/>
+              </a:srgbClr>
+            </a:outerShdw>
+          </a:effectLst>
+        </p:spPr>
+        <p:txBody>
+          <a:bodyPr wrap="square" tIns="182880" bIns="182880">
+            <a:spAutoFit/>
+          </a:bodyPr>
+          <a:lstStyle/>
+          <a:p>
+            <a:pPr lvl="0"/>
+            <a:r>
+              <a:rPr lang="en-US" sz="900" dirty="0">
+                <a:latin typeface="Calibri"/>
+                <a:ea typeface="Calibri"/>
+                <a:cs typeface="Calibri"/>
+                <a:sym typeface="Calibri"/>
+              </a:rPr>
+              <a:t>#</a:t>
+            </a:r>
+            <a:r>
+              <a:rPr lang="en-US" sz="900" dirty="0" err="1">
+                <a:latin typeface="Calibri"/>
+                <a:ea typeface="Calibri"/>
+                <a:cs typeface="Calibri"/>
+                <a:sym typeface="Calibri"/>
+              </a:rPr>
+              <a:t>items:ShoppingList</a:t>
+            </a:r>
+            <a:endParaRPr lang="en-US" sz="900" dirty="0">
+              <a:latin typeface="Calibri"/>
+              <a:ea typeface="Calibri"/>
+              <a:cs typeface="Calibri"/>
+              <a:sym typeface="Calibri"/>
+            </a:endParaRPr>
+          </a:p>
+          <a:p>
+            <a:pPr lvl="0"/>
+            <a:r>
+              <a:rPr lang="en-US" sz="900" dirty="0">
+                <a:latin typeface="Calibri"/>
+                <a:ea typeface="Calibri"/>
+                <a:cs typeface="Calibri"/>
+                <a:sym typeface="Calibri"/>
+              </a:rPr>
+              <a:t>#</a:t>
+            </a:r>
+            <a:r>
+              <a:rPr lang="en-US" sz="900" dirty="0" err="1">
+                <a:latin typeface="Calibri"/>
+                <a:ea typeface="Calibri"/>
+                <a:cs typeface="Calibri"/>
+                <a:sym typeface="Calibri"/>
+              </a:rPr>
+              <a:t>myBudget:Budget</a:t>
+            </a:r>
+            <a:endParaRPr lang="en-US" sz="900" dirty="0">
+              <a:latin typeface="Calibri"/>
+              <a:ea typeface="Calibri"/>
+              <a:cs typeface="Calibri"/>
+              <a:sym typeface="Calibri"/>
+            </a:endParaRPr>
+          </a:p>
+          <a:p>
+            <a:pPr lvl="0"/>
+            <a:r>
+              <a:rPr lang="en-US" sz="900" dirty="0">
+                <a:latin typeface="Calibri"/>
+                <a:ea typeface="Calibri"/>
+                <a:cs typeface="Calibri"/>
+                <a:sym typeface="Calibri"/>
+              </a:rPr>
+              <a:t>+</a:t>
+            </a:r>
+            <a:r>
+              <a:rPr lang="en-US" sz="900" dirty="0" err="1">
+                <a:latin typeface="Calibri"/>
+                <a:ea typeface="Calibri"/>
+                <a:cs typeface="Calibri"/>
+                <a:sym typeface="Calibri"/>
+              </a:rPr>
+              <a:t>isExit:boolean</a:t>
+            </a:r>
+            <a:r>
+              <a:rPr lang="en-US" sz="900" dirty="0">
+                <a:latin typeface="Calibri"/>
+                <a:ea typeface="Calibri"/>
+                <a:cs typeface="Calibri"/>
+                <a:sym typeface="Calibri"/>
+              </a:rPr>
+              <a:t> = false</a:t>
+            </a:r>
+          </a:p>
+          <a:p>
+            <a:pPr lvl="0"/>
+            <a:r>
+              <a:rPr lang="en-US" sz="900" dirty="0">
+                <a:latin typeface="Calibri"/>
+                <a:ea typeface="Calibri"/>
+                <a:cs typeface="Calibri"/>
+                <a:sym typeface="Calibri"/>
+              </a:rPr>
+              <a:t>+</a:t>
+            </a:r>
+            <a:r>
+              <a:rPr lang="en-US" sz="900" dirty="0" err="1">
+                <a:latin typeface="Calibri"/>
+                <a:ea typeface="Calibri"/>
+                <a:cs typeface="Calibri"/>
+                <a:sym typeface="Calibri"/>
+              </a:rPr>
+              <a:t>feedbackToUser:String</a:t>
+            </a:r>
+            <a:endParaRPr lang="en-US" sz="900" dirty="0">
+              <a:latin typeface="Calibri"/>
+              <a:ea typeface="Calibri"/>
+              <a:cs typeface="Calibri"/>
+              <a:sym typeface="Calibri"/>
+            </a:endParaRPr>
+          </a:p>
+        </p:txBody>
+      </p:sp>
+      <p:sp>
+        <p:nvSpPr>
+          <p:cNvPr id="47" name="Text Box 11">
+            <a:extLst>
+              <a:ext uri="{FF2B5EF4-FFF2-40B4-BE49-F238E27FC236}">
+                <a16:creationId xmlns:a16="http://schemas.microsoft.com/office/drawing/2014/main" id="{740B5848-CEA2-4A27-BF0C-26EAF06AEF3B}"/>
+              </a:ext>
+            </a:extLst>
+          </p:cNvPr>
+          <p:cNvSpPr txBox="1">
+            <a:spLocks noChangeArrowheads="1"/>
+          </p:cNvSpPr>
+          <p:nvPr/>
+        </p:nvSpPr>
+        <p:spPr bwMode="auto">
+          <a:xfrm>
+            <a:off x="7573581" y="3623826"/>
+            <a:ext cx="1469912" cy="646331"/>
+          </a:xfrm>
+          <a:prstGeom prst="rect">
+            <a:avLst/>
+          </a:prstGeom>
+          <a:gradFill rotWithShape="1">
+            <a:gsLst>
+              <a:gs pos="0">
+                <a:srgbClr val="9BBB59">
+                  <a:tint val="50000"/>
+                  <a:satMod val="300000"/>
+                </a:srgbClr>
+              </a:gs>
+              <a:gs pos="35000">
+                <a:srgbClr val="9BBB59">
+                  <a:tint val="37000"/>
+                  <a:satMod val="300000"/>
+                </a:srgbClr>
+              </a:gs>
+              <a:gs pos="100000">
+                <a:srgbClr val="9BBB59">
+                  <a:tint val="15000"/>
+                  <a:satMod val="350000"/>
+                </a:srgbClr>
+              </a:gs>
+            </a:gsLst>
+            <a:lin ang="16200000" scaled="1"/>
+          </a:gradFill>
+          <a:ln w="19050" cap="flat" cmpd="sng" algn="ctr">
+            <a:solidFill>
+              <a:srgbClr val="9BBB59">
+                <a:shade val="95000"/>
+                <a:satMod val="105000"/>
+              </a:srgbClr>
+            </a:solidFill>
+            <a:prstDash val="solid"/>
+            <a:headEnd/>
+            <a:tailEnd/>
+          </a:ln>
+          <a:effectLst>
+            <a:outerShdw blurRad="40000" dist="20000" dir="5400000" rotWithShape="0">
+              <a:srgbClr val="000000">
+                <a:alpha val="38000"/>
+              </a:srgbClr>
+            </a:outerShdw>
+          </a:effectLst>
+        </p:spPr>
+        <p:txBody>
+          <a:bodyPr wrap="square" tIns="182880" bIns="182880">
+            <a:spAutoFit/>
+          </a:bodyPr>
+          <a:lstStyle/>
+          <a:p>
+            <a:pPr lvl="0"/>
+            <a:r>
+              <a:rPr lang="en-US" sz="900" dirty="0">
+                <a:latin typeface="Calibri"/>
+                <a:ea typeface="Calibri"/>
+                <a:cs typeface="Calibri"/>
+                <a:sym typeface="Calibri"/>
+              </a:rPr>
+              <a:t>+execute()</a:t>
+            </a:r>
+          </a:p>
+          <a:p>
+            <a:pPr lvl="0"/>
+            <a:r>
+              <a:rPr lang="en-US" sz="900" dirty="0">
+                <a:latin typeface="Calibri"/>
+                <a:ea typeface="Calibri"/>
+                <a:cs typeface="Calibri"/>
+                <a:sym typeface="Calibri"/>
+              </a:rPr>
+              <a:t>+</a:t>
+            </a:r>
+            <a:r>
+              <a:rPr lang="en-US" sz="900" dirty="0" err="1">
+                <a:latin typeface="Calibri"/>
+                <a:ea typeface="Calibri"/>
+                <a:cs typeface="Calibri"/>
+                <a:sym typeface="Calibri"/>
+              </a:rPr>
+              <a:t>setData</a:t>
+            </a:r>
+            <a:r>
+              <a:rPr lang="en-US" sz="900" dirty="0">
+                <a:latin typeface="Calibri"/>
+                <a:ea typeface="Calibri"/>
+                <a:cs typeface="Calibri"/>
+                <a:sym typeface="Calibri"/>
+              </a:rPr>
+              <a:t>(</a:t>
+            </a:r>
+            <a:r>
+              <a:rPr lang="en-US" sz="900" dirty="0" err="1">
+                <a:latin typeface="Calibri"/>
+                <a:ea typeface="Calibri"/>
+                <a:cs typeface="Calibri"/>
+                <a:sym typeface="Calibri"/>
+              </a:rPr>
+              <a:t>items,myBudget</a:t>
+            </a:r>
+            <a:r>
+              <a:rPr lang="en-US" sz="900" dirty="0">
+                <a:latin typeface="Calibri"/>
+                <a:ea typeface="Calibri"/>
+                <a:cs typeface="Calibri"/>
+                <a:sym typeface="Calibri"/>
+              </a:rPr>
+              <a:t>)</a:t>
+            </a:r>
+          </a:p>
+        </p:txBody>
+      </p:sp>
+      <p:grpSp>
+        <p:nvGrpSpPr>
+          <p:cNvPr id="15" name="Group 14">
+            <a:extLst>
+              <a:ext uri="{FF2B5EF4-FFF2-40B4-BE49-F238E27FC236}">
+                <a16:creationId xmlns:a16="http://schemas.microsoft.com/office/drawing/2014/main" id="{666CFB6F-20C1-48F0-AF33-7881802B47F1}"/>
+              </a:ext>
+            </a:extLst>
+          </p:cNvPr>
+          <p:cNvGrpSpPr/>
+          <p:nvPr/>
+        </p:nvGrpSpPr>
+        <p:grpSpPr>
+          <a:xfrm>
+            <a:off x="430555" y="2418650"/>
+            <a:ext cx="2053699" cy="2971428"/>
+            <a:chOff x="430555" y="2418650"/>
+            <a:chExt cx="2053699" cy="2971428"/>
+          </a:xfrm>
+        </p:grpSpPr>
+        <p:sp>
+          <p:nvSpPr>
+            <p:cNvPr id="90" name="Google Shape;90;p14"/>
+            <p:cNvSpPr txBox="1"/>
+            <p:nvPr/>
+          </p:nvSpPr>
+          <p:spPr>
+            <a:xfrm>
+              <a:off x="2136254" y="4280971"/>
+              <a:ext cx="348000" cy="339600"/>
+            </a:xfrm>
+            <a:prstGeom prst="rect">
+              <a:avLst/>
+            </a:prstGeom>
+            <a:noFill/>
+            <a:ln>
+              <a:noFill/>
+            </a:ln>
+          </p:spPr>
+          <p:txBody>
+            <a:bodyPr spcFirstLastPara="1" wrap="square" lIns="91425" tIns="45700" rIns="91425" bIns="45700" anchor="t" anchorCtr="0">
+              <a:noAutofit/>
+            </a:bodyPr>
+            <a:lstStyle/>
+            <a:p>
+              <a:r>
+                <a:rPr lang="en" sz="2000" dirty="0">
+                  <a:latin typeface="Calibri"/>
+                  <a:ea typeface="Calibri"/>
+                  <a:cs typeface="Calibri"/>
+                  <a:sym typeface="Calibri"/>
+                </a:rPr>
+                <a:t>*</a:t>
+              </a:r>
+              <a:endParaRPr sz="2000" dirty="0">
+                <a:latin typeface="Calibri"/>
+                <a:ea typeface="Calibri"/>
+                <a:cs typeface="Calibri"/>
+                <a:sym typeface="Calibri"/>
+              </a:endParaRPr>
+            </a:p>
+          </p:txBody>
+        </p:sp>
+        <p:sp>
+          <p:nvSpPr>
+            <p:cNvPr id="69" name="Google Shape;61;p14">
+              <a:extLst>
+                <a:ext uri="{FF2B5EF4-FFF2-40B4-BE49-F238E27FC236}">
+                  <a16:creationId xmlns:a16="http://schemas.microsoft.com/office/drawing/2014/main" id="{A8AF4794-E590-4757-953D-C90042FEFEBC}"/>
+                </a:ext>
+              </a:extLst>
+            </p:cNvPr>
+            <p:cNvSpPr/>
+            <p:nvPr/>
+          </p:nvSpPr>
+          <p:spPr>
+            <a:xfrm>
+              <a:off x="430555" y="2418650"/>
+              <a:ext cx="1691821" cy="496081"/>
+            </a:xfrm>
+            <a:prstGeom prst="rect">
+              <a:avLst/>
+            </a:prstGeom>
+            <a:gradFill>
+              <a:gsLst>
+                <a:gs pos="0">
+                  <a:srgbClr val="9FC3FF"/>
+                </a:gs>
+                <a:gs pos="35000">
+                  <a:srgbClr val="BDD5FF"/>
+                </a:gs>
+                <a:gs pos="100000">
+                  <a:srgbClr val="E4EEFF"/>
+                </a:gs>
+              </a:gsLst>
+              <a:lin ang="16198662" scaled="0"/>
+            </a:gradFill>
+            <a:ln w="19050" cap="flat" cmpd="sng">
+              <a:solidFill>
+                <a:srgbClr val="9FC3FF"/>
+              </a:solidFill>
+              <a:prstDash val="solid"/>
+              <a:round/>
+              <a:headEnd type="none" w="sm" len="sm"/>
+              <a:tailEnd type="none" w="sm" len="sm"/>
+            </a:ln>
+            <a:effectLst>
+              <a:outerShdw blurRad="40000" dist="20000" dir="5400000" rotWithShape="0">
+                <a:srgbClr val="000000">
+                  <a:alpha val="37650"/>
+                </a:srgbClr>
+              </a:outerShdw>
+            </a:effectLst>
+          </p:spPr>
+          <p:txBody>
+            <a:bodyPr spcFirstLastPara="1" wrap="square" lIns="91425" tIns="45700" rIns="91425" bIns="45700" anchor="ctr" anchorCtr="0">
+              <a:noAutofit/>
+            </a:bodyPr>
+            <a:lstStyle/>
+            <a:p>
+              <a:pPr algn="ctr"/>
+              <a:r>
+                <a:rPr lang="en-SG" sz="1300" dirty="0">
+                  <a:latin typeface="Calibri"/>
+                  <a:ea typeface="Calibri"/>
+                  <a:cs typeface="Calibri"/>
+                  <a:sym typeface="Calibri"/>
+                </a:rPr>
+                <a:t>Item</a:t>
+              </a:r>
+              <a:endParaRPr lang="en-SG" sz="1300" dirty="0"/>
+            </a:p>
+          </p:txBody>
+        </p:sp>
+        <p:sp>
+          <p:nvSpPr>
+            <p:cNvPr id="71" name="Google Shape;65;p14">
+              <a:extLst>
+                <a:ext uri="{FF2B5EF4-FFF2-40B4-BE49-F238E27FC236}">
+                  <a16:creationId xmlns:a16="http://schemas.microsoft.com/office/drawing/2014/main" id="{63D65A50-5A1D-4153-9BA0-2E86081F2E1D}"/>
+                </a:ext>
+              </a:extLst>
+            </p:cNvPr>
+            <p:cNvSpPr/>
+            <p:nvPr/>
+          </p:nvSpPr>
+          <p:spPr>
+            <a:xfrm>
+              <a:off x="430557" y="2931590"/>
+              <a:ext cx="1691820" cy="861780"/>
+            </a:xfrm>
+            <a:prstGeom prst="rect">
+              <a:avLst/>
+            </a:prstGeom>
+            <a:gradFill>
+              <a:gsLst>
+                <a:gs pos="0">
+                  <a:srgbClr val="9FC3FF"/>
+                </a:gs>
+                <a:gs pos="35000">
+                  <a:srgbClr val="BDD5FF"/>
+                </a:gs>
+                <a:gs pos="100000">
+                  <a:srgbClr val="E4EEFF"/>
+                </a:gs>
+              </a:gsLst>
+              <a:lin ang="16198662" scaled="0"/>
+            </a:gradFill>
+            <a:ln w="19050" cap="flat" cmpd="sng">
+              <a:solidFill>
+                <a:srgbClr val="9FC3FF"/>
+              </a:solidFill>
+              <a:prstDash val="solid"/>
+              <a:round/>
+              <a:headEnd type="none" w="sm" len="sm"/>
+              <a:tailEnd type="none" w="sm" len="sm"/>
+            </a:ln>
+            <a:effectLst>
+              <a:outerShdw blurRad="40000" dist="20000" dir="5400000" rotWithShape="0">
+                <a:srgbClr val="000000">
+                  <a:alpha val="37650"/>
+                </a:srgbClr>
+              </a:outerShdw>
+            </a:effectLst>
+          </p:spPr>
+          <p:txBody>
+            <a:bodyPr spcFirstLastPara="1" wrap="square" lIns="91425" tIns="45700" rIns="91425" bIns="45700" anchor="ctr" anchorCtr="0">
+              <a:noAutofit/>
+            </a:bodyPr>
+            <a:lstStyle/>
+            <a:p>
+              <a:r>
+                <a:rPr lang="en-US" sz="900" dirty="0">
+                  <a:latin typeface="Calibri"/>
+                  <a:ea typeface="Calibri"/>
+                  <a:cs typeface="Calibri"/>
+                  <a:sym typeface="Calibri"/>
+                </a:rPr>
+                <a:t>-</a:t>
+              </a:r>
+              <a:r>
+                <a:rPr lang="en-US" sz="900" dirty="0" err="1">
+                  <a:latin typeface="Calibri"/>
+                  <a:ea typeface="Calibri"/>
+                  <a:cs typeface="Calibri"/>
+                  <a:sym typeface="Calibri"/>
+                </a:rPr>
+                <a:t>price:double</a:t>
+              </a:r>
+              <a:endParaRPr lang="en-US" sz="900" dirty="0">
+                <a:latin typeface="Calibri"/>
+                <a:ea typeface="Calibri"/>
+                <a:cs typeface="Calibri"/>
+                <a:sym typeface="Calibri"/>
+              </a:endParaRPr>
+            </a:p>
+            <a:p>
+              <a:r>
+                <a:rPr lang="en-US" sz="900" dirty="0">
+                  <a:solidFill>
+                    <a:schemeClr val="dk1"/>
+                  </a:solidFill>
+                  <a:latin typeface="Calibri"/>
+                  <a:ea typeface="Calibri"/>
+                  <a:cs typeface="Calibri"/>
+                  <a:sym typeface="Calibri"/>
+                </a:rPr>
+                <a:t>-</a:t>
+              </a:r>
+              <a:r>
+                <a:rPr lang="en-US" sz="900" dirty="0" err="1">
+                  <a:solidFill>
+                    <a:schemeClr val="dk1"/>
+                  </a:solidFill>
+                  <a:latin typeface="Calibri"/>
+                  <a:ea typeface="Calibri"/>
+                  <a:cs typeface="Calibri"/>
+                  <a:sym typeface="Calibri"/>
+                </a:rPr>
+                <a:t>description:String</a:t>
+              </a:r>
+              <a:endParaRPr lang="en-US" sz="900" dirty="0">
+                <a:solidFill>
+                  <a:schemeClr val="dk1"/>
+                </a:solidFill>
+                <a:latin typeface="Calibri"/>
+                <a:ea typeface="Calibri"/>
+                <a:cs typeface="Calibri"/>
+                <a:sym typeface="Calibri"/>
+              </a:endParaRPr>
+            </a:p>
+            <a:p>
+              <a:pPr>
+                <a:buClr>
+                  <a:schemeClr val="dk1"/>
+                </a:buClr>
+                <a:buSzPts val="1100"/>
+              </a:pPr>
+              <a:r>
+                <a:rPr lang="en-US" sz="900" dirty="0">
+                  <a:solidFill>
+                    <a:schemeClr val="dk1"/>
+                  </a:solidFill>
+                  <a:latin typeface="Calibri"/>
+                  <a:ea typeface="Calibri"/>
+                  <a:cs typeface="Calibri"/>
+                  <a:sym typeface="Calibri"/>
+                </a:rPr>
+                <a:t>-</a:t>
+              </a:r>
+              <a:r>
+                <a:rPr lang="en-US" sz="900" dirty="0" err="1">
+                  <a:solidFill>
+                    <a:schemeClr val="dk1"/>
+                  </a:solidFill>
+                  <a:latin typeface="Calibri"/>
+                  <a:ea typeface="Calibri"/>
+                  <a:cs typeface="Calibri"/>
+                  <a:sym typeface="Calibri"/>
+                </a:rPr>
+                <a:t>quantity:int</a:t>
+              </a:r>
+              <a:endParaRPr lang="en-US" sz="900" dirty="0">
+                <a:solidFill>
+                  <a:schemeClr val="dk1"/>
+                </a:solidFill>
+                <a:latin typeface="Calibri"/>
+                <a:ea typeface="Calibri"/>
+                <a:cs typeface="Calibri"/>
+                <a:sym typeface="Calibri"/>
+              </a:endParaRPr>
+            </a:p>
+            <a:p>
+              <a:pPr>
+                <a:buClr>
+                  <a:schemeClr val="dk1"/>
+                </a:buClr>
+                <a:buSzPts val="1100"/>
+              </a:pPr>
+              <a:r>
+                <a:rPr lang="en-US" sz="900" dirty="0">
+                  <a:solidFill>
+                    <a:schemeClr val="dk1"/>
+                  </a:solidFill>
+                  <a:latin typeface="Calibri"/>
+                  <a:ea typeface="Calibri"/>
+                  <a:cs typeface="Calibri"/>
+                  <a:sym typeface="Calibri"/>
+                </a:rPr>
+                <a:t>-</a:t>
+              </a:r>
+              <a:r>
+                <a:rPr lang="en-US" sz="900" dirty="0" err="1">
+                  <a:solidFill>
+                    <a:schemeClr val="dk1"/>
+                  </a:solidFill>
+                  <a:latin typeface="Calibri"/>
+                  <a:ea typeface="Calibri"/>
+                  <a:cs typeface="Calibri"/>
+                  <a:sym typeface="Calibri"/>
+                </a:rPr>
+                <a:t>isBought:boolean</a:t>
+              </a:r>
+              <a:endParaRPr lang="en-US" sz="900" dirty="0">
+                <a:solidFill>
+                  <a:schemeClr val="dk1"/>
+                </a:solidFill>
+                <a:latin typeface="Calibri"/>
+                <a:ea typeface="Calibri"/>
+                <a:cs typeface="Calibri"/>
+                <a:sym typeface="Calibri"/>
+              </a:endParaRPr>
+            </a:p>
+            <a:p>
+              <a:pPr>
+                <a:buSzPts val="1100"/>
+              </a:pPr>
+              <a:endParaRPr lang="en-US" sz="900" dirty="0">
+                <a:latin typeface="Calibri"/>
+                <a:ea typeface="Calibri"/>
+                <a:cs typeface="Calibri"/>
+                <a:sym typeface="Calibri"/>
+              </a:endParaRPr>
+            </a:p>
+          </p:txBody>
+        </p:sp>
+        <p:sp>
+          <p:nvSpPr>
+            <p:cNvPr id="82" name="Google Shape;91;p14">
+              <a:extLst>
+                <a:ext uri="{FF2B5EF4-FFF2-40B4-BE49-F238E27FC236}">
+                  <a16:creationId xmlns:a16="http://schemas.microsoft.com/office/drawing/2014/main" id="{FD121EA7-6509-4E4C-ABBE-E6EE2713C4DA}"/>
+                </a:ext>
+              </a:extLst>
+            </p:cNvPr>
+            <p:cNvSpPr/>
+            <p:nvPr/>
+          </p:nvSpPr>
+          <p:spPr>
+            <a:xfrm>
+              <a:off x="430555" y="3793370"/>
+              <a:ext cx="1694222" cy="1596708"/>
+            </a:xfrm>
+            <a:prstGeom prst="rect">
+              <a:avLst/>
+            </a:prstGeom>
+            <a:gradFill>
+              <a:gsLst>
+                <a:gs pos="0">
+                  <a:srgbClr val="9FC3FF"/>
+                </a:gs>
+                <a:gs pos="35000">
+                  <a:srgbClr val="BDD5FF"/>
+                </a:gs>
+                <a:gs pos="100000">
+                  <a:srgbClr val="E4EEFF"/>
+                </a:gs>
+              </a:gsLst>
+              <a:lin ang="16198662" scaled="0"/>
+            </a:gradFill>
+            <a:ln w="19050" cap="flat" cmpd="sng">
+              <a:solidFill>
+                <a:srgbClr val="9FC3FF"/>
+              </a:solidFill>
+              <a:prstDash val="solid"/>
+              <a:round/>
+              <a:headEnd type="none" w="sm" len="sm"/>
+              <a:tailEnd type="none" w="sm" len="sm"/>
+            </a:ln>
+            <a:effectLst>
+              <a:outerShdw blurRad="40000" dist="20000" dir="5400000" rotWithShape="0">
+                <a:srgbClr val="000000">
+                  <a:alpha val="37650"/>
+                </a:srgbClr>
+              </a:outerShdw>
+            </a:effectLst>
+          </p:spPr>
+          <p:txBody>
+            <a:bodyPr spcFirstLastPara="1" wrap="square" lIns="91425" tIns="45700" rIns="91425" bIns="45700" anchor="ctr" anchorCtr="0">
+              <a:noAutofit/>
+            </a:bodyPr>
+            <a:lstStyle/>
+            <a:p>
+              <a:br>
+                <a:rPr lang="en-SG" sz="900" dirty="0">
+                  <a:latin typeface="Calibri"/>
+                  <a:ea typeface="Calibri"/>
+                  <a:cs typeface="Calibri"/>
+                  <a:sym typeface="Calibri"/>
+                </a:rPr>
+              </a:br>
+              <a:r>
+                <a:rPr lang="en-SG" sz="900" dirty="0">
+                  <a:latin typeface="Calibri"/>
+                  <a:ea typeface="Calibri"/>
+                  <a:cs typeface="Calibri"/>
+                  <a:sym typeface="Calibri"/>
+                </a:rPr>
+                <a:t>+Item(</a:t>
+              </a:r>
+              <a:r>
+                <a:rPr lang="en-SG" sz="900" dirty="0" err="1">
+                  <a:latin typeface="Calibri"/>
+                  <a:ea typeface="Calibri"/>
+                  <a:cs typeface="Calibri"/>
+                  <a:sym typeface="Calibri"/>
+                </a:rPr>
+                <a:t>String,double,int</a:t>
+              </a:r>
+              <a:r>
+                <a:rPr lang="en-SG" sz="900" dirty="0">
+                  <a:latin typeface="Calibri"/>
+                  <a:ea typeface="Calibri"/>
+                  <a:cs typeface="Calibri"/>
+                  <a:sym typeface="Calibri"/>
+                </a:rPr>
+                <a:t>)</a:t>
+              </a:r>
+            </a:p>
+            <a:p>
+              <a:r>
+                <a:rPr lang="en-SG" sz="900" dirty="0">
+                  <a:latin typeface="Calibri"/>
+                  <a:ea typeface="Calibri"/>
+                  <a:cs typeface="Calibri"/>
+                  <a:sym typeface="Calibri"/>
+                </a:rPr>
+                <a:t>+</a:t>
+              </a:r>
+              <a:r>
+                <a:rPr lang="en-SG" sz="900" dirty="0" err="1">
+                  <a:latin typeface="Calibri"/>
+                  <a:ea typeface="Calibri"/>
+                  <a:cs typeface="Calibri"/>
+                  <a:sym typeface="Calibri"/>
+                </a:rPr>
+                <a:t>getQuantity</a:t>
+              </a:r>
+              <a:r>
+                <a:rPr lang="en-SG" sz="900" dirty="0">
+                  <a:latin typeface="Calibri"/>
+                  <a:ea typeface="Calibri"/>
+                  <a:cs typeface="Calibri"/>
+                  <a:sym typeface="Calibri"/>
+                </a:rPr>
+                <a:t>():int</a:t>
+              </a:r>
+            </a:p>
+            <a:p>
+              <a:r>
+                <a:rPr lang="en-SG" sz="900" dirty="0">
+                  <a:latin typeface="Calibri"/>
+                  <a:ea typeface="Calibri"/>
+                  <a:cs typeface="Calibri"/>
+                  <a:sym typeface="Calibri"/>
+                </a:rPr>
+                <a:t>+</a:t>
+              </a:r>
+              <a:r>
+                <a:rPr lang="en-SG" sz="900" dirty="0" err="1">
+                  <a:latin typeface="Calibri"/>
+                  <a:ea typeface="Calibri"/>
+                  <a:cs typeface="Calibri"/>
+                  <a:sym typeface="Calibri"/>
+                </a:rPr>
+                <a:t>setQuantity</a:t>
+              </a:r>
+              <a:r>
+                <a:rPr lang="en-SG" sz="900" dirty="0">
+                  <a:latin typeface="Calibri"/>
+                  <a:ea typeface="Calibri"/>
+                  <a:cs typeface="Calibri"/>
+                  <a:sym typeface="Calibri"/>
+                </a:rPr>
+                <a:t>()</a:t>
+              </a:r>
+            </a:p>
+            <a:p>
+              <a:pPr>
+                <a:buClr>
+                  <a:schemeClr val="dk1"/>
+                </a:buClr>
+              </a:pPr>
+              <a:r>
+                <a:rPr lang="en-SG" sz="900" dirty="0">
+                  <a:solidFill>
+                    <a:schemeClr val="dk1"/>
+                  </a:solidFill>
+                  <a:latin typeface="Calibri"/>
+                  <a:ea typeface="Calibri"/>
+                  <a:cs typeface="Calibri"/>
+                  <a:sym typeface="Calibri"/>
+                </a:rPr>
+                <a:t>+</a:t>
+              </a:r>
+              <a:r>
+                <a:rPr lang="en-SG" sz="900" dirty="0" err="1">
+                  <a:solidFill>
+                    <a:schemeClr val="dk1"/>
+                  </a:solidFill>
+                  <a:latin typeface="Calibri"/>
+                  <a:ea typeface="Calibri"/>
+                  <a:cs typeface="Calibri"/>
+                  <a:sym typeface="Calibri"/>
+                </a:rPr>
+                <a:t>getPrice</a:t>
+              </a:r>
+              <a:r>
+                <a:rPr lang="en-SG" sz="900" dirty="0">
+                  <a:solidFill>
+                    <a:schemeClr val="dk1"/>
+                  </a:solidFill>
+                  <a:latin typeface="Calibri"/>
+                  <a:ea typeface="Calibri"/>
+                  <a:cs typeface="Calibri"/>
+                  <a:sym typeface="Calibri"/>
+                </a:rPr>
+                <a:t>():double</a:t>
+              </a:r>
+              <a:endParaRPr lang="en-SG" sz="900" dirty="0">
+                <a:latin typeface="Calibri"/>
+                <a:ea typeface="Calibri"/>
+                <a:cs typeface="Calibri"/>
+                <a:sym typeface="Calibri"/>
+              </a:endParaRPr>
+            </a:p>
+            <a:p>
+              <a:r>
+                <a:rPr lang="en-SG" sz="900" dirty="0">
+                  <a:latin typeface="Calibri"/>
+                  <a:ea typeface="Calibri"/>
+                  <a:cs typeface="Calibri"/>
+                  <a:sym typeface="Calibri"/>
+                </a:rPr>
+                <a:t>+</a:t>
+              </a:r>
+              <a:r>
+                <a:rPr lang="en-SG" sz="900" dirty="0" err="1">
+                  <a:latin typeface="Calibri"/>
+                  <a:ea typeface="Calibri"/>
+                  <a:cs typeface="Calibri"/>
+                  <a:sym typeface="Calibri"/>
+                </a:rPr>
+                <a:t>setPrice</a:t>
+              </a:r>
+              <a:r>
+                <a:rPr lang="en-SG" sz="900" dirty="0">
+                  <a:latin typeface="Calibri"/>
+                  <a:ea typeface="Calibri"/>
+                  <a:cs typeface="Calibri"/>
+                  <a:sym typeface="Calibri"/>
+                </a:rPr>
+                <a:t>(double): </a:t>
+              </a:r>
+            </a:p>
+            <a:p>
+              <a:pPr>
+                <a:buClr>
+                  <a:schemeClr val="dk1"/>
+                </a:buClr>
+              </a:pPr>
+              <a:r>
+                <a:rPr lang="en-SG" sz="900" dirty="0">
+                  <a:solidFill>
+                    <a:schemeClr val="dk1"/>
+                  </a:solidFill>
+                  <a:latin typeface="Calibri"/>
+                  <a:ea typeface="Calibri"/>
+                  <a:cs typeface="Calibri"/>
+                  <a:sym typeface="Calibri"/>
+                </a:rPr>
+                <a:t>+getDescription():String</a:t>
+              </a:r>
+              <a:endParaRPr lang="en-SG" sz="900" dirty="0">
+                <a:latin typeface="Calibri"/>
+                <a:ea typeface="Calibri"/>
+                <a:cs typeface="Calibri"/>
+                <a:sym typeface="Calibri"/>
+              </a:endParaRPr>
+            </a:p>
+            <a:p>
+              <a:r>
+                <a:rPr lang="en-SG" sz="900" dirty="0">
+                  <a:latin typeface="Calibri"/>
+                  <a:ea typeface="Calibri"/>
+                  <a:cs typeface="Calibri"/>
+                  <a:sym typeface="Calibri"/>
+                </a:rPr>
+                <a:t>+</a:t>
+              </a:r>
+              <a:r>
+                <a:rPr lang="en-SG" sz="900" dirty="0" err="1">
+                  <a:latin typeface="Calibri"/>
+                  <a:ea typeface="Calibri"/>
+                  <a:cs typeface="Calibri"/>
+                  <a:sym typeface="Calibri"/>
+                </a:rPr>
+                <a:t>setDescription</a:t>
+              </a:r>
+              <a:r>
+                <a:rPr lang="en-SG" sz="900" dirty="0">
+                  <a:latin typeface="Calibri"/>
+                  <a:ea typeface="Calibri"/>
+                  <a:cs typeface="Calibri"/>
+                  <a:sym typeface="Calibri"/>
+                </a:rPr>
+                <a:t>(String): </a:t>
+              </a:r>
+            </a:p>
+            <a:p>
+              <a:r>
+                <a:rPr lang="en-SG" sz="900" dirty="0">
+                  <a:latin typeface="Calibri"/>
+                  <a:ea typeface="Calibri"/>
+                  <a:cs typeface="Calibri"/>
+                  <a:sym typeface="Calibri"/>
+                </a:rPr>
+                <a:t>+</a:t>
+              </a:r>
+              <a:r>
+                <a:rPr lang="en-SG" sz="900" dirty="0" err="1">
+                  <a:latin typeface="Calibri"/>
+                  <a:ea typeface="Calibri"/>
+                  <a:cs typeface="Calibri"/>
+                  <a:sym typeface="Calibri"/>
+                </a:rPr>
+                <a:t>getStatusIcon</a:t>
+              </a:r>
+              <a:r>
+                <a:rPr lang="en-SG" sz="900" dirty="0">
+                  <a:latin typeface="Calibri"/>
+                  <a:ea typeface="Calibri"/>
+                  <a:cs typeface="Calibri"/>
+                  <a:sym typeface="Calibri"/>
+                </a:rPr>
+                <a:t>():String</a:t>
+              </a:r>
+            </a:p>
+            <a:p>
+              <a:r>
+                <a:rPr lang="en-SG" sz="900" dirty="0">
+                  <a:latin typeface="Calibri"/>
+                  <a:ea typeface="Calibri"/>
+                  <a:cs typeface="Calibri"/>
+                  <a:sym typeface="Calibri"/>
+                </a:rPr>
+                <a:t>+</a:t>
+              </a:r>
+              <a:r>
+                <a:rPr lang="en-SG" sz="900" dirty="0" err="1">
+                  <a:latin typeface="Calibri"/>
+                  <a:ea typeface="Calibri"/>
+                  <a:cs typeface="Calibri"/>
+                  <a:sym typeface="Calibri"/>
+                </a:rPr>
+                <a:t>markAsBought</a:t>
+              </a:r>
+              <a:r>
+                <a:rPr lang="en-SG" sz="900" dirty="0">
+                  <a:latin typeface="Calibri"/>
+                  <a:ea typeface="Calibri"/>
+                  <a:cs typeface="Calibri"/>
+                  <a:sym typeface="Calibri"/>
+                </a:rPr>
+                <a:t>()</a:t>
+              </a:r>
+            </a:p>
+            <a:p>
+              <a:r>
+                <a:rPr lang="en-SG" sz="900" dirty="0">
+                  <a:latin typeface="Calibri"/>
+                  <a:ea typeface="Calibri"/>
+                  <a:cs typeface="Calibri"/>
+                  <a:sym typeface="Calibri"/>
+                </a:rPr>
+                <a:t>+</a:t>
+              </a:r>
+              <a:r>
+                <a:rPr lang="en-SG" sz="900" dirty="0" err="1">
+                  <a:latin typeface="Calibri"/>
+                  <a:ea typeface="Calibri"/>
+                  <a:cs typeface="Calibri"/>
+                  <a:sym typeface="Calibri"/>
+                </a:rPr>
+                <a:t>unmarkAsBought</a:t>
+              </a:r>
+              <a:r>
+                <a:rPr lang="en-SG" sz="900" dirty="0">
+                  <a:latin typeface="Calibri"/>
+                  <a:ea typeface="Calibri"/>
+                  <a:cs typeface="Calibri"/>
+                  <a:sym typeface="Calibri"/>
+                </a:rPr>
+                <a:t>()</a:t>
+              </a:r>
+            </a:p>
+            <a:p>
+              <a:r>
+                <a:rPr lang="en-SG" sz="900" dirty="0">
+                  <a:latin typeface="Calibri"/>
+                  <a:ea typeface="Calibri"/>
+                  <a:cs typeface="Calibri"/>
+                  <a:sym typeface="Calibri"/>
+                </a:rPr>
+                <a:t>+ toString() : String</a:t>
+              </a:r>
+            </a:p>
+            <a:p>
+              <a:endParaRPr lang="en-SG" sz="900" dirty="0">
+                <a:latin typeface="Calibri"/>
+                <a:ea typeface="Calibri"/>
+                <a:cs typeface="Calibri"/>
+                <a:sym typeface="Calibri"/>
+              </a:endParaRPr>
+            </a:p>
+          </p:txBody>
+        </p:sp>
+      </p:grpSp>
     </p:spTree>
   </p:cSld>
   <p:clrMapOvr>
